--- a/sandbox/ISMP_Berlin_2012_GDXRRW.pptx
+++ b/sandbox/ISMP_Berlin_2012_GDXRRW.pptx
@@ -5,10 +5,10 @@
     <p:sldMasterId id="2147483692" r:id="rId1"/>
   </p:sldMasterIdLst>
   <p:notesMasterIdLst>
-    <p:notesMasterId r:id="rId35"/>
+    <p:notesMasterId r:id="rId37"/>
   </p:notesMasterIdLst>
   <p:handoutMasterIdLst>
-    <p:handoutMasterId r:id="rId36"/>
+    <p:handoutMasterId r:id="rId38"/>
   </p:handoutMasterIdLst>
   <p:sldIdLst>
     <p:sldId id="458" r:id="rId2"/>
@@ -43,12 +43,14 @@
     <p:sldId id="523" r:id="rId31"/>
     <p:sldId id="530" r:id="rId32"/>
     <p:sldId id="506" r:id="rId33"/>
-    <p:sldId id="474" r:id="rId34"/>
+    <p:sldId id="544" r:id="rId34"/>
+    <p:sldId id="545" r:id="rId35"/>
+    <p:sldId id="474" r:id="rId36"/>
   </p:sldIdLst>
   <p:sldSz cx="9144000" cy="6858000" type="screen4x3"/>
   <p:notesSz cx="6858000" cy="9296400"/>
   <p:custDataLst>
-    <p:tags r:id="rId37"/>
+    <p:tags r:id="rId39"/>
   </p:custDataLst>
   <p:defaultTextStyle>
     <a:defPPr>
@@ -1775,7 +1777,7 @@
               <a:pPr>
                 <a:defRPr/>
               </a:pPr>
-              <a:t>33</a:t>
+              <a:t>35</a:t>
             </a:fld>
             <a:endParaRPr lang="en-US"/>
           </a:p>
@@ -3932,7 +3934,7 @@
           <a:graphicData uri="http://schemas.openxmlformats.org/presentationml/2006/ole">
             <mc:AlternateContent xmlns:mc="http://schemas.openxmlformats.org/markup-compatibility/2006">
               <mc:Choice xmlns:v="urn:schemas-microsoft-com:vml" Requires="v">
-                <p:oleObj spid="_x0000_s540690" r:id="rId13" imgW="0" imgH="0" progId="">
+                <p:oleObj spid="_x0000_s540694" r:id="rId13" imgW="0" imgH="0" progId="">
                   <p:embed/>
                 </p:oleObj>
               </mc:Choice>
@@ -4217,28 +4219,7 @@
                 <a:latin typeface="Courier New" pitchFamily="49" charset="0"/>
                 <a:cs typeface="Courier New" pitchFamily="49" charset="0"/>
               </a:rPr>
-              <a:t>SET </a:t>
-            </a:r>
-            <a:r>
-              <a:rPr lang="en-US" b="1" dirty="0" smtClean="0">
-                <a:latin typeface="Courier New" pitchFamily="49" charset="0"/>
-                <a:cs typeface="Courier New" pitchFamily="49" charset="0"/>
-              </a:rPr>
-              <a:t>friends</a:t>
-            </a:r>
-            <a:r>
-              <a:rPr lang="en-US" b="1" dirty="0" smtClean="0">
-                <a:latin typeface="Courier New" pitchFamily="49" charset="0"/>
-                <a:cs typeface="Courier New" pitchFamily="49" charset="0"/>
-              </a:rPr>
-              <a:t>(*,*) </a:t>
-            </a:r>
-            <a:r>
-              <a:rPr lang="en-US" b="1" dirty="0" smtClean="0">
-                <a:latin typeface="Courier New" pitchFamily="49" charset="0"/>
-                <a:cs typeface="Courier New" pitchFamily="49" charset="0"/>
-              </a:rPr>
-              <a:t>/</a:t>
+              <a:t>SET friends(*,*) /</a:t>
             </a:r>
           </a:p>
           <a:p>
@@ -4393,15 +4374,7 @@
           <a:p>
             <a:r>
               <a:rPr lang="en-US" dirty="0" smtClean="0"/>
-              <a:t>Example </a:t>
-            </a:r>
-            <a:r>
-              <a:rPr lang="en-US" dirty="0" smtClean="0"/>
-              <a:t>Data </a:t>
-            </a:r>
-            <a:r>
-              <a:rPr lang="en-US" dirty="0" smtClean="0"/>
-              <a:t>– data1</a:t>
+              <a:t>Example Data – data1</a:t>
             </a:r>
             <a:endParaRPr lang="en-US" dirty="0"/>
           </a:p>
@@ -4508,21 +4481,7 @@
                 <a:latin typeface="Courier New" pitchFamily="49" charset="0"/>
                 <a:cs typeface="Courier New" pitchFamily="49" charset="0"/>
               </a:rPr>
-              <a:t>(‘</a:t>
-            </a:r>
-            <a:r>
-              <a:rPr lang="en-US" b="1" dirty="0" smtClean="0">
-                <a:latin typeface="Courier New" pitchFamily="49" charset="0"/>
-                <a:cs typeface="Courier New" pitchFamily="49" charset="0"/>
-              </a:rPr>
-              <a:t>data1</a:t>
-            </a:r>
-            <a:r>
-              <a:rPr lang="en-US" b="1" dirty="0" smtClean="0">
-                <a:latin typeface="Courier New" pitchFamily="49" charset="0"/>
-                <a:cs typeface="Courier New" pitchFamily="49" charset="0"/>
-              </a:rPr>
-              <a:t>’,</a:t>
+              <a:t>(‘data1’,</a:t>
             </a:r>
           </a:p>
           <a:p>
@@ -5275,11 +5234,7 @@
           <a:p>
             <a:r>
               <a:rPr lang="en-US" dirty="0" smtClean="0"/>
-              <a:t>Note </a:t>
-            </a:r>
-            <a:r>
-              <a:rPr lang="en-US" dirty="0" smtClean="0"/>
-              <a:t>the </a:t>
+              <a:t>Note the </a:t>
             </a:r>
             <a:r>
               <a:rPr lang="en-US" b="1" dirty="0" err="1">
@@ -5337,9 +5292,6 @@
               </a:rPr>
               <a:t>as large as the Cartesian product i1 x i2 and is still dense</a:t>
             </a:r>
-            <a:endParaRPr lang="en-US" dirty="0" smtClean="0">
-              <a:cs typeface="Courier New" pitchFamily="49" charset="0"/>
-            </a:endParaRPr>
           </a:p>
           <a:p>
             <a:pPr lvl="1"/>
@@ -5352,11 +5304,7 @@
             </a:r>
             <a:r>
               <a:rPr lang="en-US" dirty="0" smtClean="0"/>
-              <a:t> </a:t>
-            </a:r>
-            <a:r>
-              <a:rPr lang="en-US" dirty="0" smtClean="0"/>
-              <a:t>is identical to the input </a:t>
+              <a:t> is identical to the input </a:t>
             </a:r>
             <a:r>
               <a:rPr lang="en-US" dirty="0" err="1" smtClean="0"/>
@@ -5408,11 +5356,7 @@
             </a:r>
             <a:r>
               <a:rPr lang="en-US" dirty="0" smtClean="0"/>
-              <a:t> form=‘full</a:t>
-            </a:r>
-            <a:r>
-              <a:rPr lang="en-US" dirty="0" smtClean="0"/>
-              <a:t>’,</a:t>
+              <a:t> form=‘full’,</a:t>
             </a:r>
             <a:r>
               <a:rPr lang="en-US" dirty="0" err="1" smtClean="0"/>
@@ -5837,10 +5781,6 @@
               </a:rPr>
               <a:t>/;</a:t>
             </a:r>
-            <a:endParaRPr lang="en-US" b="1" dirty="0" smtClean="0">
-              <a:latin typeface="Courier New" pitchFamily="49" charset="0"/>
-              <a:cs typeface="Courier New" pitchFamily="49" charset="0"/>
-            </a:endParaRPr>
           </a:p>
           <a:p>
             <a:pPr>
@@ -5867,10 +5807,6 @@
               </a:rPr>
               <a:t>'data2';</a:t>
             </a:r>
-            <a:endParaRPr lang="en-US" b="1" dirty="0" smtClean="0">
-              <a:latin typeface="Courier New" pitchFamily="49" charset="0"/>
-              <a:cs typeface="Courier New" pitchFamily="49" charset="0"/>
-            </a:endParaRPr>
           </a:p>
           <a:p>
             <a:endParaRPr lang="en-US" b="1" dirty="0">
@@ -5897,15 +5833,7 @@
           <a:p>
             <a:r>
               <a:rPr lang="en-US" dirty="0" smtClean="0"/>
-              <a:t>Example </a:t>
-            </a:r>
-            <a:r>
-              <a:rPr lang="en-US" dirty="0" smtClean="0"/>
-              <a:t>Data </a:t>
-            </a:r>
-            <a:r>
-              <a:rPr lang="en-US" dirty="0" smtClean="0"/>
-              <a:t>– data2</a:t>
+              <a:t>Example Data – data2</a:t>
             </a:r>
             <a:endParaRPr lang="en-US" dirty="0"/>
           </a:p>
@@ -6259,7 +6187,6 @@
               <a:rPr lang="en-US" dirty="0" smtClean="0"/>
               <a:t>The above technique is very reliable</a:t>
             </a:r>
-            <a:endParaRPr lang="en-US" dirty="0" smtClean="0"/>
           </a:p>
           <a:p>
             <a:pPr lvl="1"/>
@@ -6267,26 +6194,17 @@
               <a:rPr lang="en-US" dirty="0" smtClean="0">
                 <a:cs typeface="Courier New" pitchFamily="49" charset="0"/>
               </a:rPr>
-              <a:t>Filters </a:t>
-            </a:r>
+              <a:t>Filters can be defined manually or automatically</a:t>
+            </a:r>
+          </a:p>
+          <a:p>
+            <a:pPr lvl="1"/>
             <a:r>
               <a:rPr lang="en-US" dirty="0" smtClean="0">
                 <a:cs typeface="Courier New" pitchFamily="49" charset="0"/>
               </a:rPr>
-              <a:t>can be defined manually or automatically</a:t>
-            </a:r>
-          </a:p>
-          <a:p>
-            <a:pPr lvl="1"/>
-            <a:r>
-              <a:rPr lang="en-US" dirty="0" smtClean="0">
-                <a:cs typeface="Courier New" pitchFamily="49" charset="0"/>
-              </a:rPr>
               <a:t>Current work to automate this more</a:t>
             </a:r>
-            <a:endParaRPr lang="en-US" dirty="0" smtClean="0">
-              <a:cs typeface="Courier New" pitchFamily="49" charset="0"/>
-            </a:endParaRPr>
           </a:p>
         </p:txBody>
       </p:sp>
@@ -6319,11 +6237,7 @@
             </a:r>
             <a:r>
               <a:rPr lang="en-US" dirty="0" smtClean="0"/>
-              <a:t> form=‘full</a:t>
-            </a:r>
-            <a:r>
-              <a:rPr lang="en-US" dirty="0" smtClean="0"/>
-              <a:t>’,</a:t>
+              <a:t> form=‘full’,</a:t>
             </a:r>
             <a:r>
               <a:rPr lang="en-US" dirty="0" err="1" smtClean="0"/>
@@ -6438,21 +6352,7 @@
                 <a:latin typeface="Courier New" pitchFamily="49" charset="0"/>
                 <a:cs typeface="Courier New" pitchFamily="49" charset="0"/>
               </a:rPr>
-              <a:t>(‘</a:t>
-            </a:r>
-            <a:r>
-              <a:rPr lang="en-US" b="1" dirty="0" smtClean="0">
-                <a:latin typeface="Courier New" pitchFamily="49" charset="0"/>
-                <a:cs typeface="Courier New" pitchFamily="49" charset="0"/>
-              </a:rPr>
-              <a:t>data1</a:t>
-            </a:r>
-            <a:r>
-              <a:rPr lang="en-US" b="1" dirty="0" smtClean="0">
-                <a:latin typeface="Courier New" pitchFamily="49" charset="0"/>
-                <a:cs typeface="Courier New" pitchFamily="49" charset="0"/>
-              </a:rPr>
-              <a:t>’,</a:t>
+              <a:t>(‘data1’,</a:t>
             </a:r>
           </a:p>
           <a:p>
@@ -6485,21 +6385,194 @@
                 <a:latin typeface="Courier New" pitchFamily="49" charset="0"/>
                 <a:cs typeface="Courier New" pitchFamily="49" charset="0"/>
               </a:rPr>
-              <a:t>=‘</a:t>
+              <a:t>=‘sparse’))</a:t>
+            </a:r>
+          </a:p>
+          <a:p>
+            <a:r>
+              <a:rPr lang="en-US" dirty="0" smtClean="0"/>
+              <a:t>The same </a:t>
+            </a:r>
+            <a:r>
+              <a:rPr lang="en-US" dirty="0"/>
+              <a:t>options (</a:t>
             </a:r>
             <a:r>
               <a:rPr lang="en-US" b="1" dirty="0" smtClean="0">
                 <a:latin typeface="Courier New" pitchFamily="49" charset="0"/>
                 <a:cs typeface="Courier New" pitchFamily="49" charset="0"/>
               </a:rPr>
-              <a:t>sparse</a:t>
+              <a:t>compressed</a:t>
+            </a:r>
+            <a:r>
+              <a:rPr lang="en-US" dirty="0" smtClean="0"/>
+              <a:t>, </a:t>
+            </a:r>
+            <a:r>
+              <a:rPr lang="en-US" b="1" dirty="0" err="1" smtClean="0">
+                <a:latin typeface="Courier New" pitchFamily="49" charset="0"/>
+                <a:cs typeface="Courier New" pitchFamily="49" charset="0"/>
+              </a:rPr>
+              <a:t>uels</a:t>
+            </a:r>
+            <a:r>
+              <a:rPr lang="en-US" dirty="0" smtClean="0">
+                <a:cs typeface="Courier New" pitchFamily="49" charset="0"/>
+              </a:rPr>
+              <a:t>) can be used</a:t>
+            </a:r>
+          </a:p>
+          <a:p>
+            <a:r>
+              <a:rPr lang="en-US" dirty="0" smtClean="0">
+                <a:cs typeface="Courier New" pitchFamily="49" charset="0"/>
+              </a:rPr>
+              <a:t>The same fields in the result </a:t>
+            </a:r>
+            <a:r>
+              <a:rPr lang="en-US" b="1" dirty="0">
+                <a:latin typeface="Courier New" pitchFamily="49" charset="0"/>
+                <a:cs typeface="Courier New" pitchFamily="49" charset="0"/>
+              </a:rPr>
+              <a:t>r</a:t>
+            </a:r>
+            <a:r>
+              <a:rPr lang="en-US" dirty="0" smtClean="0">
+                <a:cs typeface="Courier New" pitchFamily="49" charset="0"/>
+              </a:rPr>
+              <a:t> will be returned, </a:t>
             </a:r>
             <a:r>
               <a:rPr lang="en-US" b="1" dirty="0" smtClean="0">
-                <a:latin typeface="Courier New" pitchFamily="49" charset="0"/>
-                <a:cs typeface="Courier New" pitchFamily="49" charset="0"/>
-              </a:rPr>
-              <a:t>’))</a:t>
+                <a:cs typeface="Courier New" pitchFamily="49" charset="0"/>
+              </a:rPr>
+              <a:t>except</a:t>
+            </a:r>
+            <a:endParaRPr lang="en-US" b="1" dirty="0" smtClean="0"/>
+          </a:p>
+          <a:p>
+            <a:pPr lvl="1"/>
+            <a:r>
+              <a:rPr lang="en-US" b="1" dirty="0" err="1" smtClean="0">
+                <a:latin typeface="Courier New" pitchFamily="49" charset="0"/>
+                <a:cs typeface="Courier New" pitchFamily="49" charset="0"/>
+              </a:rPr>
+              <a:t>r$val</a:t>
+            </a:r>
+            <a:r>
+              <a:rPr lang="en-US" dirty="0">
+                <a:cs typeface="Courier New" pitchFamily="49" charset="0"/>
+              </a:rPr>
+              <a:t> </a:t>
+            </a:r>
+            <a:r>
+              <a:rPr lang="en-US" dirty="0" smtClean="0">
+                <a:cs typeface="Courier New" pitchFamily="49" charset="0"/>
+              </a:rPr>
+              <a:t>will be a sparse representation of the </a:t>
+            </a:r>
+            <a:r>
+              <a:rPr lang="en-US" b="1" dirty="0" err="1" smtClean="0">
+                <a:latin typeface="Courier New" pitchFamily="49" charset="0"/>
+                <a:cs typeface="Courier New" pitchFamily="49" charset="0"/>
+              </a:rPr>
+              <a:t>r$val</a:t>
+            </a:r>
+            <a:r>
+              <a:rPr lang="en-US" dirty="0">
+                <a:cs typeface="Courier New" pitchFamily="49" charset="0"/>
+              </a:rPr>
+              <a:t> </a:t>
+            </a:r>
+            <a:r>
+              <a:rPr lang="en-US" dirty="0" smtClean="0">
+                <a:cs typeface="Courier New" pitchFamily="49" charset="0"/>
+              </a:rPr>
+              <a:t>from the full case</a:t>
+            </a:r>
+          </a:p>
+          <a:p>
+            <a:pPr lvl="1"/>
+            <a:r>
+              <a:rPr lang="en-US" dirty="0" smtClean="0">
+                <a:cs typeface="Courier New" pitchFamily="49" charset="0"/>
+              </a:rPr>
+              <a:t>(</a:t>
+            </a:r>
+            <a:r>
+              <a:rPr lang="en-US" dirty="0" err="1" smtClean="0">
+                <a:cs typeface="Courier New" pitchFamily="49" charset="0"/>
+              </a:rPr>
+              <a:t>i,j,val</a:t>
+            </a:r>
+            <a:r>
+              <a:rPr lang="en-US" dirty="0" smtClean="0">
+                <a:cs typeface="Courier New" pitchFamily="49" charset="0"/>
+              </a:rPr>
+              <a:t>) or (i1,i2,i3,i4,…,</a:t>
+            </a:r>
+            <a:r>
+              <a:rPr lang="en-US" dirty="0" err="1" smtClean="0">
+                <a:cs typeface="Courier New" pitchFamily="49" charset="0"/>
+              </a:rPr>
+              <a:t>iN,val</a:t>
+            </a:r>
+            <a:r>
+              <a:rPr lang="en-US" dirty="0" smtClean="0">
+                <a:cs typeface="Courier New" pitchFamily="49" charset="0"/>
+              </a:rPr>
+              <a:t>) for parameters</a:t>
+            </a:r>
+          </a:p>
+          <a:p>
+            <a:pPr lvl="1"/>
+            <a:r>
+              <a:rPr lang="en-US" dirty="0">
+                <a:cs typeface="Courier New" pitchFamily="49" charset="0"/>
+              </a:rPr>
+              <a:t>(</a:t>
+            </a:r>
+            <a:r>
+              <a:rPr lang="en-US" dirty="0" err="1" smtClean="0">
+                <a:cs typeface="Courier New" pitchFamily="49" charset="0"/>
+              </a:rPr>
+              <a:t>i,j</a:t>
+            </a:r>
+            <a:r>
+              <a:rPr lang="en-US" dirty="0" smtClean="0">
+                <a:cs typeface="Courier New" pitchFamily="49" charset="0"/>
+              </a:rPr>
+              <a:t>) </a:t>
+            </a:r>
+            <a:r>
+              <a:rPr lang="en-US" dirty="0">
+                <a:cs typeface="Courier New" pitchFamily="49" charset="0"/>
+              </a:rPr>
+              <a:t>or (i1,i2,i3,i4,…,</a:t>
+            </a:r>
+            <a:r>
+              <a:rPr lang="en-US" dirty="0" err="1" smtClean="0">
+                <a:cs typeface="Courier New" pitchFamily="49" charset="0"/>
+              </a:rPr>
+              <a:t>iN</a:t>
+            </a:r>
+            <a:r>
+              <a:rPr lang="en-US" dirty="0" smtClean="0">
+                <a:cs typeface="Courier New" pitchFamily="49" charset="0"/>
+              </a:rPr>
+              <a:t>) </a:t>
+            </a:r>
+            <a:r>
+              <a:rPr lang="en-US" dirty="0">
+                <a:cs typeface="Courier New" pitchFamily="49" charset="0"/>
+              </a:rPr>
+              <a:t>for </a:t>
+            </a:r>
+            <a:r>
+              <a:rPr lang="en-US" dirty="0" smtClean="0">
+                <a:cs typeface="Courier New" pitchFamily="49" charset="0"/>
+              </a:rPr>
+              <a:t>sets</a:t>
             </a:r>
             <a:endParaRPr lang="en-US" b="1" dirty="0" smtClean="0">
               <a:latin typeface="Courier New" pitchFamily="49" charset="0"/>
@@ -6507,205 +6580,10 @@
             </a:endParaRPr>
           </a:p>
           <a:p>
-            <a:r>
-              <a:rPr lang="en-US" dirty="0" smtClean="0"/>
-              <a:t>The same </a:t>
-            </a:r>
-            <a:r>
-              <a:rPr lang="en-US" dirty="0"/>
-              <a:t>options (</a:t>
-            </a:r>
-            <a:r>
-              <a:rPr lang="en-US" b="1" dirty="0" smtClean="0">
-                <a:latin typeface="Courier New" pitchFamily="49" charset="0"/>
-                <a:cs typeface="Courier New" pitchFamily="49" charset="0"/>
-              </a:rPr>
-              <a:t>compressed</a:t>
-            </a:r>
-            <a:r>
-              <a:rPr lang="en-US" dirty="0" smtClean="0"/>
-              <a:t>, </a:t>
-            </a:r>
-            <a:r>
-              <a:rPr lang="en-US" b="1" dirty="0" err="1" smtClean="0">
-                <a:latin typeface="Courier New" pitchFamily="49" charset="0"/>
-                <a:cs typeface="Courier New" pitchFamily="49" charset="0"/>
-              </a:rPr>
-              <a:t>uels</a:t>
-            </a:r>
-            <a:r>
-              <a:rPr lang="en-US" dirty="0" smtClean="0">
-                <a:cs typeface="Courier New" pitchFamily="49" charset="0"/>
-              </a:rPr>
-              <a:t>) can be used</a:t>
-            </a:r>
-          </a:p>
-          <a:p>
-            <a:r>
-              <a:rPr lang="en-US" dirty="0" smtClean="0">
-                <a:cs typeface="Courier New" pitchFamily="49" charset="0"/>
-              </a:rPr>
-              <a:t>The same fields in the result </a:t>
-            </a:r>
-            <a:r>
-              <a:rPr lang="en-US" b="1" dirty="0">
-                <a:latin typeface="Courier New" pitchFamily="49" charset="0"/>
-                <a:cs typeface="Courier New" pitchFamily="49" charset="0"/>
-              </a:rPr>
-              <a:t>r</a:t>
-            </a:r>
-            <a:r>
-              <a:rPr lang="en-US" dirty="0" smtClean="0">
-                <a:cs typeface="Courier New" pitchFamily="49" charset="0"/>
-              </a:rPr>
-              <a:t> will be returned, </a:t>
-            </a:r>
-            <a:r>
-              <a:rPr lang="en-US" b="1" dirty="0" smtClean="0">
-                <a:cs typeface="Courier New" pitchFamily="49" charset="0"/>
-              </a:rPr>
-              <a:t>except</a:t>
-            </a:r>
-            <a:endParaRPr lang="en-US" b="1" dirty="0" smtClean="0"/>
-          </a:p>
-          <a:p>
             <a:pPr lvl="1"/>
             <a:r>
-              <a:rPr lang="en-US" b="1" dirty="0" err="1" smtClean="0">
-                <a:latin typeface="Courier New" pitchFamily="49" charset="0"/>
-                <a:cs typeface="Courier New" pitchFamily="49" charset="0"/>
-              </a:rPr>
-              <a:t>r$val</a:t>
-            </a:r>
-            <a:r>
-              <a:rPr lang="en-US" dirty="0">
-                <a:cs typeface="Courier New" pitchFamily="49" charset="0"/>
-              </a:rPr>
-              <a:t> </a:t>
-            </a:r>
-            <a:r>
-              <a:rPr lang="en-US" dirty="0" smtClean="0">
-                <a:cs typeface="Courier New" pitchFamily="49" charset="0"/>
-              </a:rPr>
-              <a:t>will be a sparse representation of the </a:t>
-            </a:r>
-            <a:r>
-              <a:rPr lang="en-US" b="1" dirty="0" err="1" smtClean="0">
-                <a:latin typeface="Courier New" pitchFamily="49" charset="0"/>
-                <a:cs typeface="Courier New" pitchFamily="49" charset="0"/>
-              </a:rPr>
-              <a:t>r$val</a:t>
-            </a:r>
-            <a:r>
-              <a:rPr lang="en-US" dirty="0">
-                <a:cs typeface="Courier New" pitchFamily="49" charset="0"/>
-              </a:rPr>
-              <a:t> </a:t>
-            </a:r>
-            <a:r>
-              <a:rPr lang="en-US" dirty="0" smtClean="0">
-                <a:cs typeface="Courier New" pitchFamily="49" charset="0"/>
-              </a:rPr>
-              <a:t>from the full case</a:t>
-            </a:r>
-          </a:p>
-          <a:p>
-            <a:pPr lvl="1"/>
-            <a:r>
-              <a:rPr lang="en-US" dirty="0" smtClean="0">
-                <a:cs typeface="Courier New" pitchFamily="49" charset="0"/>
-              </a:rPr>
-              <a:t>(</a:t>
-            </a:r>
-            <a:r>
-              <a:rPr lang="en-US" dirty="0" err="1" smtClean="0">
-                <a:cs typeface="Courier New" pitchFamily="49" charset="0"/>
-              </a:rPr>
-              <a:t>i,j,val</a:t>
-            </a:r>
-            <a:r>
-              <a:rPr lang="en-US" dirty="0" smtClean="0">
-                <a:cs typeface="Courier New" pitchFamily="49" charset="0"/>
-              </a:rPr>
-              <a:t>) or (i1,i2,i3,i4,…,</a:t>
-            </a:r>
-            <a:r>
-              <a:rPr lang="en-US" dirty="0" err="1" smtClean="0">
-                <a:cs typeface="Courier New" pitchFamily="49" charset="0"/>
-              </a:rPr>
-              <a:t>iN,val</a:t>
-            </a:r>
-            <a:r>
-              <a:rPr lang="en-US" dirty="0" smtClean="0">
-                <a:cs typeface="Courier New" pitchFamily="49" charset="0"/>
-              </a:rPr>
-              <a:t>) for parameters</a:t>
-            </a:r>
-          </a:p>
-          <a:p>
-            <a:pPr lvl="1"/>
-            <a:r>
-              <a:rPr lang="en-US" dirty="0">
-                <a:cs typeface="Courier New" pitchFamily="49" charset="0"/>
-              </a:rPr>
-              <a:t>(</a:t>
-            </a:r>
-            <a:r>
-              <a:rPr lang="en-US" dirty="0" err="1" smtClean="0">
-                <a:cs typeface="Courier New" pitchFamily="49" charset="0"/>
-              </a:rPr>
-              <a:t>i,j</a:t>
-            </a:r>
-            <a:r>
-              <a:rPr lang="en-US" dirty="0" smtClean="0">
-                <a:cs typeface="Courier New" pitchFamily="49" charset="0"/>
-              </a:rPr>
-              <a:t>) </a:t>
-            </a:r>
-            <a:r>
-              <a:rPr lang="en-US" dirty="0">
-                <a:cs typeface="Courier New" pitchFamily="49" charset="0"/>
-              </a:rPr>
-              <a:t>or (i1,i2,i3,i4,…,</a:t>
-            </a:r>
-            <a:r>
-              <a:rPr lang="en-US" dirty="0" err="1" smtClean="0">
-                <a:cs typeface="Courier New" pitchFamily="49" charset="0"/>
-              </a:rPr>
-              <a:t>iN</a:t>
-            </a:r>
-            <a:r>
-              <a:rPr lang="en-US" dirty="0" smtClean="0">
-                <a:cs typeface="Courier New" pitchFamily="49" charset="0"/>
-              </a:rPr>
-              <a:t>) </a:t>
-            </a:r>
-            <a:r>
-              <a:rPr lang="en-US" dirty="0">
-                <a:cs typeface="Courier New" pitchFamily="49" charset="0"/>
-              </a:rPr>
-              <a:t>for </a:t>
-            </a:r>
-            <a:r>
-              <a:rPr lang="en-US" dirty="0" smtClean="0">
-                <a:cs typeface="Courier New" pitchFamily="49" charset="0"/>
-              </a:rPr>
-              <a:t>sets</a:t>
-            </a:r>
-            <a:endParaRPr lang="en-US" b="1" dirty="0" smtClean="0">
-              <a:latin typeface="Courier New" pitchFamily="49" charset="0"/>
-              <a:cs typeface="Courier New" pitchFamily="49" charset="0"/>
-            </a:endParaRPr>
-          </a:p>
-          <a:p>
-            <a:pPr lvl="1"/>
-            <a:r>
-              <a:rPr lang="en-US" dirty="0" smtClean="0"/>
-              <a:t>N.B</a:t>
-            </a:r>
-            <a:r>
-              <a:rPr lang="en-US" dirty="0" smtClean="0"/>
-              <a:t>.: </a:t>
+              <a:rPr lang="en-US" dirty="0" smtClean="0"/>
+              <a:t>N.B.: </a:t>
             </a:r>
             <a:r>
               <a:rPr lang="en-US" b="1" dirty="0" err="1" smtClean="0">
@@ -6759,19 +6637,7 @@
             </a:r>
             <a:r>
               <a:rPr lang="en-US" dirty="0" smtClean="0"/>
-              <a:t> form</a:t>
-            </a:r>
-            <a:r>
-              <a:rPr lang="en-US" dirty="0" smtClean="0"/>
-              <a:t>=‘</a:t>
-            </a:r>
-            <a:r>
-              <a:rPr lang="en-US" dirty="0" smtClean="0"/>
-              <a:t>sparse</a:t>
-            </a:r>
-            <a:r>
-              <a:rPr lang="en-US" dirty="0" smtClean="0"/>
-              <a:t>’</a:t>
+              <a:t> form=‘sparse’</a:t>
             </a:r>
             <a:endParaRPr lang="en-US" dirty="0"/>
           </a:p>
@@ -7046,7 +6912,7 @@
           <a:graphicData uri="http://schemas.openxmlformats.org/presentationml/2006/ole">
             <mc:AlternateContent xmlns:mc="http://schemas.openxmlformats.org/markup-compatibility/2006">
               <mc:Choice xmlns:v="urn:schemas-microsoft-com:vml" Requires="v">
-                <p:oleObj spid="_x0000_s532497" r:id="rId13" imgW="0" imgH="0" progId="">
+                <p:oleObj spid="_x0000_s532501" r:id="rId13" imgW="0" imgH="0" progId="">
                   <p:embed/>
                 </p:oleObj>
               </mc:Choice>
@@ -7422,9 +7288,6 @@
               </a:rPr>
               <a:t>Allows for customization, documentation</a:t>
             </a:r>
-            <a:endParaRPr lang="en-US" dirty="0" smtClean="0">
-              <a:cs typeface="Courier New" pitchFamily="49" charset="0"/>
-            </a:endParaRPr>
           </a:p>
           <a:p>
             <a:r>
@@ -7432,33 +7295,22 @@
                 <a:latin typeface="Courier New" pitchFamily="49" charset="0"/>
                 <a:cs typeface="Courier New" pitchFamily="49" charset="0"/>
               </a:rPr>
-              <a:t>r </a:t>
+              <a:t>r &lt;- </a:t>
+            </a:r>
+            <a:r>
+              <a:rPr lang="en-US" b="1" dirty="0" err="1" smtClean="0">
+                <a:latin typeface="Courier New" pitchFamily="49" charset="0"/>
+                <a:cs typeface="Courier New" pitchFamily="49" charset="0"/>
+              </a:rPr>
+              <a:t>rgdx.set</a:t>
             </a:r>
             <a:r>
               <a:rPr lang="en-US" b="1" dirty="0" smtClean="0">
                 <a:latin typeface="Courier New" pitchFamily="49" charset="0"/>
                 <a:cs typeface="Courier New" pitchFamily="49" charset="0"/>
               </a:rPr>
-              <a:t>&lt;- </a:t>
-            </a:r>
-            <a:r>
-              <a:rPr lang="en-US" b="1" dirty="0" err="1" smtClean="0">
-                <a:latin typeface="Courier New" pitchFamily="49" charset="0"/>
-                <a:cs typeface="Courier New" pitchFamily="49" charset="0"/>
-              </a:rPr>
-              <a:t>rgdx.set</a:t>
-            </a:r>
-            <a:r>
-              <a:rPr lang="en-US" b="1" dirty="0" smtClean="0">
-                <a:latin typeface="Courier New" pitchFamily="49" charset="0"/>
-                <a:cs typeface="Courier New" pitchFamily="49" charset="0"/>
-              </a:rPr>
               <a:t>(‘data1’,’friends’)</a:t>
             </a:r>
-            <a:endParaRPr lang="en-US" b="1" dirty="0" smtClean="0">
-              <a:latin typeface="Courier New" pitchFamily="49" charset="0"/>
-              <a:cs typeface="Courier New" pitchFamily="49" charset="0"/>
-            </a:endParaRPr>
           </a:p>
           <a:p>
             <a:r>
@@ -7813,7 +7665,7 @@
           <a:graphicData uri="http://schemas.openxmlformats.org/presentationml/2006/ole">
             <mc:AlternateContent xmlns:mc="http://schemas.openxmlformats.org/markup-compatibility/2006">
               <mc:Choice xmlns:v="urn:schemas-microsoft-com:vml" Requires="v">
-                <p:oleObj spid="_x0000_s542729" r:id="rId13" imgW="0" imgH="0" progId="">
+                <p:oleObj spid="_x0000_s542733" r:id="rId13" imgW="0" imgH="0" progId="">
                   <p:embed/>
                 </p:oleObj>
               </mc:Choice>
@@ -11546,7 +11398,7 @@
           <a:graphicData uri="http://schemas.openxmlformats.org/presentationml/2006/ole">
             <mc:AlternateContent xmlns:mc="http://schemas.openxmlformats.org/markup-compatibility/2006">
               <mc:Choice xmlns:v="urn:schemas-microsoft-com:vml" Requires="v">
-                <p:oleObj spid="_x0000_s541713" r:id="rId13" imgW="0" imgH="0" progId="">
+                <p:oleObj spid="_x0000_s541717" r:id="rId13" imgW="0" imgH="0" progId="">
                   <p:embed/>
                 </p:oleObj>
               </mc:Choice>
@@ -11775,11 +11627,6 @@
               </a:rPr>
               <a:t>Example use cases</a:t>
             </a:r>
-            <a:endParaRPr lang="en-US" dirty="0" smtClean="0">
-              <a:solidFill>
-                <a:schemeClr val="tx2"/>
-              </a:solidFill>
-            </a:endParaRPr>
           </a:p>
         </p:txBody>
       </p:sp>
@@ -11818,7 +11665,7 @@
       </p:grpSpPr>
       <p:sp>
         <p:nvSpPr>
-          <p:cNvPr id="6" name="Content Placeholder 5"/>
+          <p:cNvPr id="4" name="Content Placeholder 3"/>
           <p:cNvSpPr>
             <a:spLocks noGrp="1"/>
           </p:cNvSpPr>
@@ -11826,133 +11673,73 @@
             <p:ph idx="1"/>
           </p:nvPr>
         </p:nvSpPr>
-        <p:spPr/>
+        <p:spPr>
+          <a:xfrm>
+            <a:off x="479096" y="1699397"/>
+            <a:ext cx="3457533" cy="4935560"/>
+          </a:xfrm>
+        </p:spPr>
         <p:txBody>
           <a:bodyPr/>
           <a:lstStyle/>
           <a:p>
             <a:r>
-              <a:rPr lang="en-US" dirty="0" smtClean="0"/>
-              <a:t>Additional enhancements are in progress</a:t>
-            </a:r>
-          </a:p>
-          <a:p>
-            <a:pPr lvl="1"/>
-            <a:r>
-              <a:rPr lang="en-US" dirty="0" smtClean="0"/>
-              <a:t>Reading/writing equations and variables</a:t>
-            </a:r>
-          </a:p>
-          <a:p>
-            <a:pPr lvl="1"/>
-            <a:r>
-              <a:rPr lang="en-US" dirty="0" smtClean="0"/>
-              <a:t>Make use of domain information where available</a:t>
-            </a:r>
-          </a:p>
-          <a:p>
-            <a:pPr lvl="1"/>
-            <a:r>
-              <a:rPr lang="en-US" dirty="0" smtClean="0"/>
-              <a:t>Suggestions welcome!!</a:t>
-            </a:r>
-          </a:p>
-          <a:p>
-            <a:r>
-              <a:rPr lang="en-US" dirty="0" smtClean="0"/>
-              <a:t>We invite &amp; encourage you to use these tools</a:t>
-            </a:r>
-          </a:p>
-          <a:p>
-            <a:r>
-              <a:rPr lang="en-US" dirty="0" smtClean="0"/>
-              <a:t>For more information:</a:t>
-            </a:r>
-          </a:p>
-          <a:p>
-            <a:pPr lvl="1"/>
-            <a:r>
-              <a:rPr lang="en-US" dirty="0">
-                <a:hlinkClick r:id="rId3"/>
-              </a:rPr>
-              <a:t>http://</a:t>
-            </a:r>
-            <a:r>
-              <a:rPr lang="en-US" dirty="0" smtClean="0">
-                <a:hlinkClick r:id="rId3"/>
-              </a:rPr>
-              <a:t>support.gams.com/doku.php?id=gdxrrw:interfacing_gams_and_r</a:t>
-            </a:r>
-            <a:r>
-              <a:rPr lang="en-US" dirty="0" smtClean="0"/>
-              <a:t> (GDXRRW Wiki, downloads, FAQ, </a:t>
-            </a:r>
-            <a:r>
-              <a:rPr lang="en-US" dirty="0" err="1" smtClean="0"/>
-              <a:t>etc</a:t>
-            </a:r>
-            <a:r>
-              <a:rPr lang="en-US" dirty="0" smtClean="0"/>
-              <a:t>)</a:t>
-            </a:r>
-          </a:p>
-          <a:p>
-            <a:pPr lvl="1"/>
-            <a:r>
-              <a:rPr lang="en-US" dirty="0">
-                <a:hlinkClick r:id="rId4"/>
-              </a:rPr>
-              <a:t>http://www.gams.com/download</a:t>
-            </a:r>
-            <a:r>
-              <a:rPr lang="en-US" dirty="0" smtClean="0">
-                <a:hlinkClick r:id="rId4"/>
-              </a:rPr>
-              <a:t>/</a:t>
-            </a:r>
-            <a:r>
-              <a:rPr lang="en-US" dirty="0" smtClean="0"/>
-              <a:t> (free GAMS downloads)</a:t>
-            </a:r>
-          </a:p>
-          <a:p>
-            <a:pPr lvl="1"/>
-            <a:r>
-              <a:rPr lang="en-US" dirty="0">
-                <a:hlinkClick r:id="rId5"/>
-              </a:rPr>
-              <a:t>http://blog.modelworks.ch</a:t>
-            </a:r>
-            <a:r>
-              <a:rPr lang="en-US" dirty="0" smtClean="0">
-                <a:hlinkClick r:id="rId5"/>
-              </a:rPr>
-              <a:t>/</a:t>
-            </a:r>
-            <a:r>
-              <a:rPr lang="en-US" dirty="0" smtClean="0"/>
-              <a:t> (</a:t>
-            </a:r>
-            <a:r>
-              <a:rPr lang="en-US" dirty="0" err="1" smtClean="0"/>
-              <a:t>Renger’s</a:t>
-            </a:r>
-            <a:r>
-              <a:rPr lang="en-US" dirty="0" smtClean="0"/>
-              <a:t> blog)</a:t>
-            </a:r>
-          </a:p>
-          <a:p>
-            <a:pPr lvl="1">
-              <a:buNone/>
-            </a:pPr>
-            <a:endParaRPr lang="en-US" dirty="0"/>
-          </a:p>
-        </p:txBody>
-      </p:sp>
-      <p:sp>
-        <p:nvSpPr>
-          <p:cNvPr id="9" name="Title 8"/>
+              <a:rPr lang="en-US" sz="2000" b="1" dirty="0" smtClean="0">
+                <a:cs typeface="Courier New" pitchFamily="49" charset="0"/>
+              </a:rPr>
+              <a:t>Distance data native to R</a:t>
+            </a:r>
+          </a:p>
+          <a:p>
+            <a:r>
+              <a:rPr lang="en-US" sz="2000" b="1" dirty="0" smtClean="0">
+                <a:cs typeface="Courier New" pitchFamily="49" charset="0"/>
+              </a:rPr>
+              <a:t>To GDX via GDXRRW</a:t>
+            </a:r>
+          </a:p>
+          <a:p>
+            <a:r>
+              <a:rPr lang="en-US" sz="2000" b="1" dirty="0" smtClean="0">
+                <a:cs typeface="Courier New" pitchFamily="49" charset="0"/>
+              </a:rPr>
+              <a:t>Solve TSP in GAMS</a:t>
+            </a:r>
+          </a:p>
+          <a:p>
+            <a:r>
+              <a:rPr lang="en-US" sz="2000" b="1" dirty="0" smtClean="0">
+                <a:cs typeface="Courier New" pitchFamily="49" charset="0"/>
+              </a:rPr>
+              <a:t>Dump tour to GDX </a:t>
+            </a:r>
+          </a:p>
+          <a:p>
+            <a:r>
+              <a:rPr lang="en-US" sz="2000" b="1" dirty="0" smtClean="0">
+                <a:cs typeface="Courier New" pitchFamily="49" charset="0"/>
+              </a:rPr>
+              <a:t>Read tour into R </a:t>
+            </a:r>
+          </a:p>
+          <a:p>
+            <a:r>
+              <a:rPr lang="en-US" sz="2000" b="1" dirty="0" smtClean="0">
+                <a:cs typeface="Courier New" pitchFamily="49" charset="0"/>
+              </a:rPr>
+              <a:t>Plot cities and tour</a:t>
+            </a:r>
+          </a:p>
+          <a:p>
+            <a:endParaRPr lang="en-US" sz="2000" b="1" dirty="0">
+              <a:cs typeface="Courier New" pitchFamily="49" charset="0"/>
+            </a:endParaRPr>
+          </a:p>
+        </p:txBody>
+      </p:sp>
+      <p:sp>
+        <p:nvSpPr>
+          <p:cNvPr id="2" name="Title 1"/>
           <p:cNvSpPr>
             <a:spLocks noGrp="1"/>
           </p:cNvSpPr>
@@ -11966,10 +11753,20 @@
           <a:lstStyle/>
           <a:p>
             <a:r>
-              <a:rPr lang="en-US" dirty="0" smtClean="0">
-                <a:latin typeface="TimesNewRoman" charset="0"/>
-              </a:rPr>
-              <a:t>Concluding Remarks</a:t>
+              <a:rPr lang="en-US" dirty="0" smtClean="0"/>
+              <a:t>Visualizing </a:t>
+            </a:r>
+            <a:r>
+              <a:rPr lang="en-US" dirty="0" smtClean="0"/>
+              <a:t>a TSP on R’s </a:t>
+            </a:r>
+            <a:r>
+              <a:rPr lang="en-US" dirty="0" err="1" smtClean="0"/>
+              <a:t>eurodist</a:t>
+            </a:r>
+            <a:r>
+              <a:rPr lang="en-US" dirty="0" smtClean="0"/>
+              <a:t> data</a:t>
             </a:r>
             <a:endParaRPr lang="en-US" dirty="0"/>
           </a:p>
@@ -11977,7 +11774,7 @@
       </p:sp>
       <p:sp>
         <p:nvSpPr>
-          <p:cNvPr id="5" name="Slide Number Placeholder 4"/>
+          <p:cNvPr id="3" name="Slide Number Placeholder 2"/>
           <p:cNvSpPr>
             <a:spLocks noGrp="1"/>
           </p:cNvSpPr>
@@ -11999,6 +11796,601 @@
                 <a:defRPr/>
               </a:pPr>
               <a:t>33</a:t>
+            </a:fld>
+            <a:endParaRPr lang="en-US" dirty="0"/>
+          </a:p>
+        </p:txBody>
+      </p:sp>
+      <p:pic>
+        <p:nvPicPr>
+          <p:cNvPr id="5" name="Picture 4" descr="obstBratu.png"/>
+          <p:cNvPicPr>
+            <a:picLocks noChangeAspect="1"/>
+          </p:cNvPicPr>
+          <p:nvPr/>
+        </p:nvPicPr>
+        <p:blipFill>
+          <a:blip r:embed="rId2" cstate="print"/>
+          <a:srcRect l="6858" r="5143"/>
+          <a:stretch>
+            <a:fillRect/>
+          </a:stretch>
+        </p:blipFill>
+        <p:spPr>
+          <a:xfrm>
+            <a:off x="3095836" y="6597352"/>
+            <a:ext cx="5326283" cy="4539519"/>
+          </a:xfrm>
+          <a:prstGeom prst="rect">
+            <a:avLst/>
+          </a:prstGeom>
+        </p:spPr>
+      </p:pic>
+      <p:pic>
+        <p:nvPicPr>
+          <p:cNvPr id="543746" name="Picture 2"/>
+          <p:cNvPicPr>
+            <a:picLocks noChangeAspect="1" noChangeArrowheads="1"/>
+          </p:cNvPicPr>
+          <p:nvPr/>
+        </p:nvPicPr>
+        <p:blipFill>
+          <a:blip r:embed="rId3">
+            <a:extLst>
+              <a:ext uri="{28A0092B-C50C-407E-A947-70E740481C1C}">
+                <a14:useLocalDpi xmlns:a14="http://schemas.microsoft.com/office/drawing/2010/main" val="0"/>
+              </a:ext>
+            </a:extLst>
+          </a:blip>
+          <a:srcRect/>
+          <a:stretch>
+            <a:fillRect/>
+          </a:stretch>
+        </p:blipFill>
+        <p:spPr bwMode="auto">
+          <a:xfrm>
+            <a:off x="3877183" y="1627584"/>
+            <a:ext cx="5267325" cy="5257800"/>
+          </a:xfrm>
+          <a:prstGeom prst="rect">
+            <a:avLst/>
+          </a:prstGeom>
+          <a:noFill/>
+          <a:ln>
+            <a:noFill/>
+          </a:ln>
+          <a:effectLst/>
+          <a:extLst>
+            <a:ext uri="{909E8E84-426E-40DD-AFC4-6F175D3DCCD1}">
+              <a14:hiddenFill xmlns:a14="http://schemas.microsoft.com/office/drawing/2010/main">
+                <a:solidFill>
+                  <a:schemeClr val="accent1"/>
+                </a:solidFill>
+              </a14:hiddenFill>
+            </a:ext>
+            <a:ext uri="{91240B29-F687-4F45-9708-019B960494DF}">
+              <a14:hiddenLine xmlns:a14="http://schemas.microsoft.com/office/drawing/2010/main" w="9525">
+                <a:solidFill>
+                  <a:schemeClr val="tx1"/>
+                </a:solidFill>
+                <a:miter lim="800000"/>
+                <a:headEnd/>
+                <a:tailEnd/>
+              </a14:hiddenLine>
+            </a:ext>
+            <a:ext uri="{AF507438-7753-43E0-B8FC-AC1667EBCBE1}">
+              <a14:hiddenEffects xmlns:a14="http://schemas.microsoft.com/office/drawing/2010/main">
+                <a:effectLst>
+                  <a:outerShdw dist="35921" dir="2700000" algn="ctr" rotWithShape="0">
+                    <a:schemeClr val="bg2"/>
+                  </a:outerShdw>
+                </a:effectLst>
+              </a14:hiddenEffects>
+            </a:ext>
+          </a:extLst>
+        </p:spPr>
+      </p:pic>
+    </p:spTree>
+    <p:extLst>
+      <p:ext uri="{BB962C8B-B14F-4D97-AF65-F5344CB8AC3E}">
+        <p14:creationId xmlns:p14="http://schemas.microsoft.com/office/powerpoint/2010/main" val="999341499"/>
+      </p:ext>
+    </p:extLst>
+  </p:cSld>
+  <p:clrMapOvr>
+    <a:masterClrMapping/>
+  </p:clrMapOvr>
+  <p:transition spd="med"/>
+  <p:timing>
+    <p:tnLst>
+      <p:par>
+        <p:cTn id="1" dur="indefinite" restart="never" nodeType="tmRoot"/>
+      </p:par>
+    </p:tnLst>
+  </p:timing>
+</p:sld>
+</file>
+
+<file path=ppt/slides/slide34.xml><?xml version="1.0" encoding="utf-8"?>
+<p:sld xmlns:a="http://schemas.openxmlformats.org/drawingml/2006/main" xmlns:r="http://schemas.openxmlformats.org/officeDocument/2006/relationships" xmlns:p="http://schemas.openxmlformats.org/presentationml/2006/main">
+  <p:cSld>
+    <p:spTree>
+      <p:nvGrpSpPr>
+        <p:cNvPr id="1" name=""/>
+        <p:cNvGrpSpPr/>
+        <p:nvPr/>
+      </p:nvGrpSpPr>
+      <p:grpSpPr>
+        <a:xfrm>
+          <a:off x="0" y="0"/>
+          <a:ext cx="0" cy="0"/>
+          <a:chOff x="0" y="0"/>
+          <a:chExt cx="0" cy="0"/>
+        </a:xfrm>
+      </p:grpSpPr>
+      <p:sp>
+        <p:nvSpPr>
+          <p:cNvPr id="4" name="Content Placeholder 3"/>
+          <p:cNvSpPr>
+            <a:spLocks noGrp="1"/>
+          </p:cNvSpPr>
+          <p:nvPr>
+            <p:ph idx="1"/>
+          </p:nvPr>
+        </p:nvSpPr>
+        <p:spPr>
+          <a:xfrm>
+            <a:off x="479096" y="1699397"/>
+            <a:ext cx="3457533" cy="4935560"/>
+          </a:xfrm>
+        </p:spPr>
+        <p:txBody>
+          <a:bodyPr/>
+          <a:lstStyle/>
+          <a:p>
+            <a:r>
+              <a:rPr lang="en-US" sz="2000" b="1" dirty="0" smtClean="0">
+                <a:cs typeface="Courier New" pitchFamily="49" charset="0"/>
+              </a:rPr>
+              <a:t>Data in GDX: nodes, arcs, </a:t>
+            </a:r>
+            <a:r>
+              <a:rPr lang="en-US" sz="2000" b="1" dirty="0" err="1" smtClean="0">
+                <a:cs typeface="Courier New" pitchFamily="49" charset="0"/>
+              </a:rPr>
+              <a:t>coords</a:t>
+            </a:r>
+            <a:r>
+              <a:rPr lang="en-US" sz="2000" b="1" dirty="0" smtClean="0">
+                <a:cs typeface="Courier New" pitchFamily="49" charset="0"/>
+              </a:rPr>
+              <a:t>, results</a:t>
+            </a:r>
+          </a:p>
+          <a:p>
+            <a:r>
+              <a:rPr lang="en-US" sz="2000" b="1" dirty="0" smtClean="0">
+                <a:cs typeface="Courier New" pitchFamily="49" charset="0"/>
+              </a:rPr>
+              <a:t>Read in</a:t>
+            </a:r>
+            <a:r>
+              <a:rPr lang="en-US" sz="2000" b="1" dirty="0" smtClean="0">
+                <a:cs typeface="Courier New" pitchFamily="49" charset="0"/>
+              </a:rPr>
+              <a:t>to </a:t>
+            </a:r>
+            <a:r>
+              <a:rPr lang="en-US" sz="2000" b="1" dirty="0">
+                <a:cs typeface="Courier New" pitchFamily="49" charset="0"/>
+              </a:rPr>
+              <a:t>R via </a:t>
+            </a:r>
+            <a:r>
+              <a:rPr lang="en-US" sz="2000" b="1" dirty="0" smtClean="0">
+                <a:cs typeface="Courier New" pitchFamily="49" charset="0"/>
+              </a:rPr>
+              <a:t>GDXRRW</a:t>
+            </a:r>
+          </a:p>
+          <a:p>
+            <a:r>
+              <a:rPr lang="en-US" sz="2000" b="1" dirty="0" smtClean="0">
+                <a:cs typeface="Courier New" pitchFamily="49" charset="0"/>
+              </a:rPr>
+              <a:t>Adjust format, labels, etc.</a:t>
+            </a:r>
+            <a:endParaRPr lang="en-US" sz="2000" b="1" dirty="0">
+              <a:cs typeface="Courier New" pitchFamily="49" charset="0"/>
+            </a:endParaRPr>
+          </a:p>
+          <a:p>
+            <a:r>
+              <a:rPr lang="en-US" sz="2000" b="1" smtClean="0">
+                <a:cs typeface="Courier New" pitchFamily="49" charset="0"/>
+              </a:rPr>
+              <a:t>Plot network and bar charts</a:t>
+            </a:r>
+            <a:endParaRPr lang="en-US" sz="2000" b="1" dirty="0" smtClean="0">
+              <a:cs typeface="Courier New" pitchFamily="49" charset="0"/>
+            </a:endParaRPr>
+          </a:p>
+          <a:p>
+            <a:endParaRPr lang="en-US" sz="2000" b="1" dirty="0">
+              <a:cs typeface="Courier New" pitchFamily="49" charset="0"/>
+            </a:endParaRPr>
+          </a:p>
+        </p:txBody>
+      </p:sp>
+      <p:sp>
+        <p:nvSpPr>
+          <p:cNvPr id="2" name="Title 1"/>
+          <p:cNvSpPr>
+            <a:spLocks noGrp="1"/>
+          </p:cNvSpPr>
+          <p:nvPr>
+            <p:ph type="title"/>
+          </p:nvPr>
+        </p:nvSpPr>
+        <p:spPr/>
+        <p:txBody>
+          <a:bodyPr/>
+          <a:lstStyle/>
+          <a:p>
+            <a:r>
+              <a:rPr lang="en-US" dirty="0" smtClean="0"/>
+              <a:t>Visualizing </a:t>
+            </a:r>
+            <a:r>
+              <a:rPr lang="en-US" dirty="0" smtClean="0"/>
+              <a:t>parking</a:t>
+            </a:r>
+            <a:r>
+              <a:rPr lang="en-US" dirty="0" smtClean="0"/>
+              <a:t> data on a grid</a:t>
+            </a:r>
+            <a:endParaRPr lang="en-US" dirty="0"/>
+          </a:p>
+        </p:txBody>
+      </p:sp>
+      <p:sp>
+        <p:nvSpPr>
+          <p:cNvPr id="3" name="Slide Number Placeholder 2"/>
+          <p:cNvSpPr>
+            <a:spLocks noGrp="1"/>
+          </p:cNvSpPr>
+          <p:nvPr>
+            <p:ph type="sldNum" sz="quarter" idx="10"/>
+          </p:nvPr>
+        </p:nvSpPr>
+        <p:spPr/>
+        <p:txBody>
+          <a:bodyPr/>
+          <a:lstStyle/>
+          <a:p>
+            <a:pPr>
+              <a:defRPr/>
+            </a:pPr>
+            <a:fld id="{2647E525-4182-4002-B656-FEA25787BC0B}" type="slidenum">
+              <a:rPr lang="en-US" smtClean="0"/>
+              <a:pPr>
+                <a:defRPr/>
+              </a:pPr>
+              <a:t>34</a:t>
+            </a:fld>
+            <a:endParaRPr lang="en-US" dirty="0"/>
+          </a:p>
+        </p:txBody>
+      </p:sp>
+      <p:pic>
+        <p:nvPicPr>
+          <p:cNvPr id="5" name="Picture 4" descr="obstBratu.png"/>
+          <p:cNvPicPr>
+            <a:picLocks noChangeAspect="1"/>
+          </p:cNvPicPr>
+          <p:nvPr/>
+        </p:nvPicPr>
+        <p:blipFill>
+          <a:blip r:embed="rId2" cstate="print"/>
+          <a:srcRect l="6858" r="5143"/>
+          <a:stretch>
+            <a:fillRect/>
+          </a:stretch>
+        </p:blipFill>
+        <p:spPr>
+          <a:xfrm>
+            <a:off x="3095836" y="6597352"/>
+            <a:ext cx="5326283" cy="4539519"/>
+          </a:xfrm>
+          <a:prstGeom prst="rect">
+            <a:avLst/>
+          </a:prstGeom>
+        </p:spPr>
+      </p:pic>
+      <p:pic>
+        <p:nvPicPr>
+          <p:cNvPr id="543746" name="Picture 2"/>
+          <p:cNvPicPr>
+            <a:picLocks noChangeAspect="1" noChangeArrowheads="1"/>
+          </p:cNvPicPr>
+          <p:nvPr/>
+        </p:nvPicPr>
+        <p:blipFill>
+          <a:blip r:embed="rId3">
+            <a:extLst>
+              <a:ext uri="{28A0092B-C50C-407E-A947-70E740481C1C}">
+                <a14:useLocalDpi xmlns:a14="http://schemas.microsoft.com/office/drawing/2010/main" val="0"/>
+              </a:ext>
+            </a:extLst>
+          </a:blip>
+          <a:stretch>
+            <a:fillRect/>
+          </a:stretch>
+        </p:blipFill>
+        <p:spPr bwMode="auto">
+          <a:xfrm>
+            <a:off x="3527885" y="1268760"/>
+            <a:ext cx="5616544" cy="5606558"/>
+          </a:xfrm>
+          <a:prstGeom prst="rect">
+            <a:avLst/>
+          </a:prstGeom>
+          <a:noFill/>
+          <a:ln>
+            <a:noFill/>
+          </a:ln>
+          <a:effectLst/>
+          <a:extLst>
+            <a:ext uri="{909E8E84-426E-40DD-AFC4-6F175D3DCCD1}">
+              <a14:hiddenFill xmlns:a14="http://schemas.microsoft.com/office/drawing/2010/main">
+                <a:solidFill>
+                  <a:schemeClr val="accent1"/>
+                </a:solidFill>
+              </a14:hiddenFill>
+            </a:ext>
+            <a:ext uri="{91240B29-F687-4F45-9708-019B960494DF}">
+              <a14:hiddenLine xmlns:a14="http://schemas.microsoft.com/office/drawing/2010/main" w="9525">
+                <a:solidFill>
+                  <a:schemeClr val="tx1"/>
+                </a:solidFill>
+                <a:miter lim="800000"/>
+                <a:headEnd/>
+                <a:tailEnd/>
+              </a14:hiddenLine>
+            </a:ext>
+            <a:ext uri="{AF507438-7753-43E0-B8FC-AC1667EBCBE1}">
+              <a14:hiddenEffects xmlns:a14="http://schemas.microsoft.com/office/drawing/2010/main">
+                <a:effectLst>
+                  <a:outerShdw dist="35921" dir="2700000" algn="ctr" rotWithShape="0">
+                    <a:schemeClr val="bg2"/>
+                  </a:outerShdw>
+                </a:effectLst>
+              </a14:hiddenEffects>
+            </a:ext>
+          </a:extLst>
+        </p:spPr>
+      </p:pic>
+    </p:spTree>
+    <p:extLst>
+      <p:ext uri="{BB962C8B-B14F-4D97-AF65-F5344CB8AC3E}">
+        <p14:creationId xmlns:p14="http://schemas.microsoft.com/office/powerpoint/2010/main" val="927360771"/>
+      </p:ext>
+    </p:extLst>
+  </p:cSld>
+  <p:clrMapOvr>
+    <a:masterClrMapping/>
+  </p:clrMapOvr>
+  <p:transition spd="med"/>
+  <p:timing>
+    <p:tnLst>
+      <p:par>
+        <p:cTn id="1" dur="indefinite" restart="never" nodeType="tmRoot"/>
+      </p:par>
+    </p:tnLst>
+  </p:timing>
+</p:sld>
+</file>
+
+<file path=ppt/slides/slide35.xml><?xml version="1.0" encoding="utf-8"?>
+<p:sld xmlns:a="http://schemas.openxmlformats.org/drawingml/2006/main" xmlns:r="http://schemas.openxmlformats.org/officeDocument/2006/relationships" xmlns:p="http://schemas.openxmlformats.org/presentationml/2006/main">
+  <p:cSld>
+    <p:spTree>
+      <p:nvGrpSpPr>
+        <p:cNvPr id="1" name=""/>
+        <p:cNvGrpSpPr/>
+        <p:nvPr/>
+      </p:nvGrpSpPr>
+      <p:grpSpPr>
+        <a:xfrm>
+          <a:off x="0" y="0"/>
+          <a:ext cx="0" cy="0"/>
+          <a:chOff x="0" y="0"/>
+          <a:chExt cx="0" cy="0"/>
+        </a:xfrm>
+      </p:grpSpPr>
+      <p:sp>
+        <p:nvSpPr>
+          <p:cNvPr id="6" name="Content Placeholder 5"/>
+          <p:cNvSpPr>
+            <a:spLocks noGrp="1"/>
+          </p:cNvSpPr>
+          <p:nvPr>
+            <p:ph idx="1"/>
+          </p:nvPr>
+        </p:nvSpPr>
+        <p:spPr/>
+        <p:txBody>
+          <a:bodyPr/>
+          <a:lstStyle/>
+          <a:p>
+            <a:r>
+              <a:rPr lang="en-US" dirty="0" smtClean="0"/>
+              <a:t>Additional enhancements are in progress</a:t>
+            </a:r>
+          </a:p>
+          <a:p>
+            <a:pPr lvl="1"/>
+            <a:r>
+              <a:rPr lang="en-US" dirty="0" smtClean="0"/>
+              <a:t>Reading/writing equations and variables</a:t>
+            </a:r>
+          </a:p>
+          <a:p>
+            <a:pPr lvl="1"/>
+            <a:r>
+              <a:rPr lang="en-US" dirty="0" smtClean="0"/>
+              <a:t>Make use of domain information where available</a:t>
+            </a:r>
+          </a:p>
+          <a:p>
+            <a:pPr lvl="1"/>
+            <a:r>
+              <a:rPr lang="en-US" dirty="0" smtClean="0"/>
+              <a:t>Suggestions welcome!!</a:t>
+            </a:r>
+          </a:p>
+          <a:p>
+            <a:r>
+              <a:rPr lang="en-US" dirty="0" smtClean="0"/>
+              <a:t>We invite &amp; encourage you to use these tools</a:t>
+            </a:r>
+          </a:p>
+          <a:p>
+            <a:r>
+              <a:rPr lang="en-US" dirty="0" smtClean="0"/>
+              <a:t>For more information:</a:t>
+            </a:r>
+          </a:p>
+          <a:p>
+            <a:pPr lvl="1"/>
+            <a:r>
+              <a:rPr lang="en-US" dirty="0">
+                <a:hlinkClick r:id="rId3"/>
+              </a:rPr>
+              <a:t>http://</a:t>
+            </a:r>
+            <a:r>
+              <a:rPr lang="en-US" dirty="0" smtClean="0">
+                <a:hlinkClick r:id="rId3"/>
+              </a:rPr>
+              <a:t>support.gams.com/doku.php?id=gdxrrw:interfacing_gams_and_r</a:t>
+            </a:r>
+            <a:r>
+              <a:rPr lang="en-US" dirty="0" smtClean="0"/>
+              <a:t> (GDXRRW Wiki, downloads, FAQ, </a:t>
+            </a:r>
+            <a:r>
+              <a:rPr lang="en-US" dirty="0" err="1" smtClean="0"/>
+              <a:t>etc</a:t>
+            </a:r>
+            <a:r>
+              <a:rPr lang="en-US" dirty="0" smtClean="0"/>
+              <a:t>)</a:t>
+            </a:r>
+          </a:p>
+          <a:p>
+            <a:pPr lvl="1"/>
+            <a:r>
+              <a:rPr lang="en-US" dirty="0">
+                <a:hlinkClick r:id="rId4"/>
+              </a:rPr>
+              <a:t>http://www.gams.com/download</a:t>
+            </a:r>
+            <a:r>
+              <a:rPr lang="en-US" dirty="0" smtClean="0">
+                <a:hlinkClick r:id="rId4"/>
+              </a:rPr>
+              <a:t>/</a:t>
+            </a:r>
+            <a:r>
+              <a:rPr lang="en-US" dirty="0" smtClean="0"/>
+              <a:t> (free GAMS downloads)</a:t>
+            </a:r>
+          </a:p>
+          <a:p>
+            <a:pPr lvl="1"/>
+            <a:r>
+              <a:rPr lang="en-US" dirty="0">
+                <a:hlinkClick r:id="rId5"/>
+              </a:rPr>
+              <a:t>http://blog.modelworks.ch</a:t>
+            </a:r>
+            <a:r>
+              <a:rPr lang="en-US" dirty="0" smtClean="0">
+                <a:hlinkClick r:id="rId5"/>
+              </a:rPr>
+              <a:t>/</a:t>
+            </a:r>
+            <a:r>
+              <a:rPr lang="en-US" dirty="0" smtClean="0"/>
+              <a:t> (</a:t>
+            </a:r>
+            <a:r>
+              <a:rPr lang="en-US" dirty="0" err="1" smtClean="0"/>
+              <a:t>Renger’s</a:t>
+            </a:r>
+            <a:r>
+              <a:rPr lang="en-US" dirty="0" smtClean="0"/>
+              <a:t> blog)</a:t>
+            </a:r>
+          </a:p>
+          <a:p>
+            <a:pPr lvl="1">
+              <a:buNone/>
+            </a:pPr>
+            <a:endParaRPr lang="en-US" dirty="0"/>
+          </a:p>
+        </p:txBody>
+      </p:sp>
+      <p:sp>
+        <p:nvSpPr>
+          <p:cNvPr id="9" name="Title 8"/>
+          <p:cNvSpPr>
+            <a:spLocks noGrp="1"/>
+          </p:cNvSpPr>
+          <p:nvPr>
+            <p:ph type="title"/>
+          </p:nvPr>
+        </p:nvSpPr>
+        <p:spPr/>
+        <p:txBody>
+          <a:bodyPr/>
+          <a:lstStyle/>
+          <a:p>
+            <a:r>
+              <a:rPr lang="en-US" dirty="0" smtClean="0">
+                <a:latin typeface="TimesNewRoman" charset="0"/>
+              </a:rPr>
+              <a:t>Concluding Remarks</a:t>
+            </a:r>
+            <a:endParaRPr lang="en-US" dirty="0"/>
+          </a:p>
+        </p:txBody>
+      </p:sp>
+      <p:sp>
+        <p:nvSpPr>
+          <p:cNvPr id="5" name="Slide Number Placeholder 4"/>
+          <p:cNvSpPr>
+            <a:spLocks noGrp="1"/>
+          </p:cNvSpPr>
+          <p:nvPr>
+            <p:ph type="sldNum" sz="quarter" idx="10"/>
+          </p:nvPr>
+        </p:nvSpPr>
+        <p:spPr/>
+        <p:txBody>
+          <a:bodyPr/>
+          <a:lstStyle/>
+          <a:p>
+            <a:pPr>
+              <a:defRPr/>
+            </a:pPr>
+            <a:fld id="{2647E525-4182-4002-B656-FEA25787BC0B}" type="slidenum">
+              <a:rPr lang="en-US" smtClean="0"/>
+              <a:pPr>
+                <a:defRPr/>
+              </a:pPr>
+              <a:t>35</a:t>
             </a:fld>
             <a:endParaRPr lang="en-US" dirty="0"/>
           </a:p>

--- a/sandbox/ISMP_Berlin_2012_GDXRRW.pptx
+++ b/sandbox/ISMP_Berlin_2012_GDXRRW.pptx
@@ -5,10 +5,10 @@
     <p:sldMasterId id="2147483692" r:id="rId1"/>
   </p:sldMasterIdLst>
   <p:notesMasterIdLst>
-    <p:notesMasterId r:id="rId37"/>
+    <p:notesMasterId r:id="rId27"/>
   </p:notesMasterIdLst>
   <p:handoutMasterIdLst>
-    <p:handoutMasterId r:id="rId38"/>
+    <p:handoutMasterId r:id="rId28"/>
   </p:handoutMasterIdLst>
   <p:sldIdLst>
     <p:sldId id="458" r:id="rId2"/>
@@ -31,26 +31,16 @@
     <p:sldId id="539" r:id="rId19"/>
     <p:sldId id="542" r:id="rId20"/>
     <p:sldId id="543" r:id="rId21"/>
-    <p:sldId id="535" r:id="rId22"/>
-    <p:sldId id="514" r:id="rId23"/>
-    <p:sldId id="517" r:id="rId24"/>
-    <p:sldId id="515" r:id="rId25"/>
-    <p:sldId id="518" r:id="rId26"/>
-    <p:sldId id="519" r:id="rId27"/>
-    <p:sldId id="520" r:id="rId28"/>
-    <p:sldId id="521" r:id="rId29"/>
-    <p:sldId id="522" r:id="rId30"/>
-    <p:sldId id="523" r:id="rId31"/>
-    <p:sldId id="530" r:id="rId32"/>
-    <p:sldId id="506" r:id="rId33"/>
-    <p:sldId id="544" r:id="rId34"/>
-    <p:sldId id="545" r:id="rId35"/>
-    <p:sldId id="474" r:id="rId36"/>
+    <p:sldId id="506" r:id="rId22"/>
+    <p:sldId id="544" r:id="rId23"/>
+    <p:sldId id="545" r:id="rId24"/>
+    <p:sldId id="546" r:id="rId25"/>
+    <p:sldId id="474" r:id="rId26"/>
   </p:sldIdLst>
   <p:sldSz cx="9144000" cy="6858000" type="screen4x3"/>
   <p:notesSz cx="6858000" cy="9296400"/>
   <p:custDataLst>
-    <p:tags r:id="rId39"/>
+    <p:tags r:id="rId29"/>
   </p:custDataLst>
   <p:defaultTextStyle>
     <a:defPPr>
@@ -1627,94 +1617,6 @@
       </p:grpSpPr>
       <p:sp>
         <p:nvSpPr>
-          <p:cNvPr id="35842" name="Rectangle 7"/>
-          <p:cNvSpPr>
-            <a:spLocks noGrp="1" noChangeArrowheads="1"/>
-          </p:cNvSpPr>
-          <p:nvPr>
-            <p:ph type="sldNum" sz="quarter" idx="5"/>
-          </p:nvPr>
-        </p:nvSpPr>
-        <p:spPr>
-          <a:noFill/>
-        </p:spPr>
-        <p:txBody>
-          <a:bodyPr/>
-          <a:lstStyle/>
-          <a:p>
-            <a:fld id="{15C9845E-6654-4524-B433-E645B748048F}" type="slidenum">
-              <a:rPr lang="en-US"/>
-              <a:pPr/>
-              <a:t>32</a:t>
-            </a:fld>
-            <a:endParaRPr lang="en-US"/>
-          </a:p>
-        </p:txBody>
-      </p:sp>
-      <p:sp>
-        <p:nvSpPr>
-          <p:cNvPr id="35843" name="Rectangle 2"/>
-          <p:cNvSpPr>
-            <a:spLocks noGrp="1" noRot="1" noChangeAspect="1" noChangeArrowheads="1" noTextEdit="1"/>
-          </p:cNvSpPr>
-          <p:nvPr>
-            <p:ph type="sldImg"/>
-          </p:nvPr>
-        </p:nvSpPr>
-        <p:spPr>
-          <a:ln/>
-        </p:spPr>
-      </p:sp>
-      <p:sp>
-        <p:nvSpPr>
-          <p:cNvPr id="35844" name="Rectangle 3"/>
-          <p:cNvSpPr>
-            <a:spLocks noGrp="1" noChangeArrowheads="1"/>
-          </p:cNvSpPr>
-          <p:nvPr>
-            <p:ph type="body" idx="1"/>
-          </p:nvPr>
-        </p:nvSpPr>
-        <p:spPr>
-          <a:noFill/>
-          <a:ln/>
-        </p:spPr>
-        <p:txBody>
-          <a:bodyPr/>
-          <a:lstStyle/>
-          <a:p>
-            <a:pPr eaLnBrk="1" hangingPunct="1"/>
-            <a:endParaRPr lang="en-US" dirty="0" smtClean="0"/>
-          </a:p>
-        </p:txBody>
-      </p:sp>
-    </p:spTree>
-  </p:cSld>
-  <p:clrMapOvr>
-    <a:masterClrMapping/>
-  </p:clrMapOvr>
-</p:notes>
-</file>
-
-<file path=ppt/notesSlides/notesSlide9.xml><?xml version="1.0" encoding="utf-8"?>
-<p:notes xmlns:a="http://schemas.openxmlformats.org/drawingml/2006/main" xmlns:r="http://schemas.openxmlformats.org/officeDocument/2006/relationships" xmlns:p="http://schemas.openxmlformats.org/presentationml/2006/main">
-  <p:cSld>
-    <p:spTree>
-      <p:nvGrpSpPr>
-        <p:cNvPr id="1" name=""/>
-        <p:cNvGrpSpPr/>
-        <p:nvPr/>
-      </p:nvGrpSpPr>
-      <p:grpSpPr>
-        <a:xfrm>
-          <a:off x="0" y="0"/>
-          <a:ext cx="0" cy="0"/>
-          <a:chOff x="0" y="0"/>
-          <a:chExt cx="0" cy="0"/>
-        </a:xfrm>
-      </p:grpSpPr>
-      <p:sp>
-        <p:nvSpPr>
           <p:cNvPr id="2" name="Slide Image Placeholder 1"/>
           <p:cNvSpPr>
             <a:spLocks noGrp="1" noRot="1" noChangeAspect="1"/>
@@ -1777,7 +1679,7 @@
               <a:pPr>
                 <a:defRPr/>
               </a:pPr>
-              <a:t>35</a:t>
+              <a:t>25</a:t>
             </a:fld>
             <a:endParaRPr lang="en-US"/>
           </a:p>
@@ -3389,7 +3291,7 @@
             <a:pPr lvl="1"/>
             <a:r>
               <a:rPr lang="en-US" dirty="0" smtClean="0"/>
-              <a:t>List: collections of potentially unrelated objects</a:t>
+              <a:t>List: collections of potentially dissimilar objects</a:t>
             </a:r>
           </a:p>
           <a:p>
@@ -3447,7 +3349,7 @@
             <a:pPr lvl="1"/>
             <a:r>
               <a:rPr lang="en-US" dirty="0" smtClean="0"/>
-              <a:t>e.g. accessing a list via order or by name</a:t>
+              <a:t>e.g. accessing a list via index position or name</a:t>
             </a:r>
           </a:p>
           <a:p>
@@ -3934,7 +3836,7 @@
           <a:graphicData uri="http://schemas.openxmlformats.org/presentationml/2006/ole">
             <mc:AlternateContent xmlns:mc="http://schemas.openxmlformats.org/markup-compatibility/2006">
               <mc:Choice xmlns:v="urn:schemas-microsoft-com:vml" Requires="v">
-                <p:oleObj spid="_x0000_s540694" r:id="rId13" imgW="0" imgH="0" progId="">
+                <p:oleObj spid="_x0000_s540704" r:id="rId13" imgW="0" imgH="0" progId="">
                   <p:embed/>
                 </p:oleObj>
               </mc:Choice>
@@ -4093,7 +3995,7 @@
         <p:spPr>
           <a:xfrm>
             <a:off x="2524125" y="2692400"/>
-            <a:ext cx="4504438" cy="1698927"/>
+            <a:ext cx="3388748" cy="1698927"/>
           </a:xfrm>
           <a:noFill/>
         </p:spPr>
@@ -4141,16 +4043,15 @@
               <a:spcBef>
                 <a:spcPct val="80000"/>
               </a:spcBef>
-              <a:buFontTx/>
               <a:buNone/>
             </a:pPr>
             <a:r>
-              <a:rPr lang="en-US" dirty="0" err="1" smtClean="0">
+              <a:rPr lang="en-US" dirty="0">
                 <a:solidFill>
                   <a:schemeClr val="tx2"/>
                 </a:solidFill>
               </a:rPr>
-              <a:t>writegdx</a:t>
+              <a:t>Example use </a:t>
             </a:r>
             <a:r>
               <a:rPr lang="en-US" dirty="0" smtClean="0">
@@ -4158,7 +4059,7 @@
                   <a:schemeClr val="tx2"/>
                 </a:solidFill>
               </a:rPr>
-              <a:t>: overview and examples</a:t>
+              <a:t>cases</a:t>
             </a:r>
           </a:p>
         </p:txBody>
@@ -4987,7 +4888,11 @@
             </a:r>
             <a:r>
               <a:rPr lang="en-US" dirty="0" err="1" smtClean="0"/>
-              <a:t>full’,compressed</a:t>
+              <a:t>full’,</a:t>
+            </a:r>
+            <a:r>
+              <a:rPr lang="en-US" dirty="0" err="1" smtClean="0"/>
+              <a:t>compress</a:t>
             </a:r>
             <a:r>
               <a:rPr lang="en-US" dirty="0" smtClean="0"/>
@@ -5121,36 +5026,47 @@
                 <a:latin typeface="Courier New" pitchFamily="49" charset="0"/>
                 <a:cs typeface="Courier New" pitchFamily="49" charset="0"/>
               </a:rPr>
-              <a:t>i2 &lt;- c("</a:t>
-            </a:r>
-            <a:r>
-              <a:rPr lang="en-US" b="1" dirty="0" err="1">
+              <a:t>i2 &lt;- c</a:t>
+            </a:r>
+            <a:r>
+              <a:rPr lang="en-US" b="1" dirty="0" smtClean="0">
+                <a:latin typeface="Courier New" pitchFamily="49" charset="0"/>
+                <a:cs typeface="Courier New" pitchFamily="49" charset="0"/>
+              </a:rPr>
+              <a:t>(“</a:t>
+            </a:r>
+            <a:r>
+              <a:rPr lang="en-US" b="1" dirty="0" err="1" smtClean="0">
+                <a:latin typeface="Courier New" pitchFamily="49" charset="0"/>
+                <a:cs typeface="Courier New" pitchFamily="49" charset="0"/>
+              </a:rPr>
+              <a:t>zoe</a:t>
+            </a:r>
+            <a:r>
+              <a:rPr lang="en-US" b="1" dirty="0" smtClean="0">
+                <a:latin typeface="Courier New" pitchFamily="49" charset="0"/>
+                <a:cs typeface="Courier New" pitchFamily="49" charset="0"/>
+              </a:rPr>
+              <a:t>",“</a:t>
+            </a:r>
+            <a:r>
+              <a:rPr lang="en-US" b="1" dirty="0" err="1" smtClean="0">
                 <a:latin typeface="Courier New" pitchFamily="49" charset="0"/>
                 <a:cs typeface="Courier New" pitchFamily="49" charset="0"/>
               </a:rPr>
               <a:t>annie</a:t>
             </a:r>
             <a:r>
-              <a:rPr lang="en-US" b="1" dirty="0">
-                <a:latin typeface="Courier New" pitchFamily="49" charset="0"/>
-                <a:cs typeface="Courier New" pitchFamily="49" charset="0"/>
-              </a:rPr>
-              <a:t>","</a:t>
-            </a:r>
-            <a:r>
-              <a:rPr lang="en-US" b="1" dirty="0" err="1">
-                <a:latin typeface="Courier New" pitchFamily="49" charset="0"/>
-                <a:cs typeface="Courier New" pitchFamily="49" charset="0"/>
-              </a:rPr>
-              <a:t>zoe</a:t>
-            </a:r>
-            <a:r>
-              <a:rPr lang="en-US" b="1" dirty="0">
+              <a:rPr lang="en-US" b="1" dirty="0" smtClean="0">
                 <a:latin typeface="Courier New" pitchFamily="49" charset="0"/>
                 <a:cs typeface="Courier New" pitchFamily="49" charset="0"/>
               </a:rPr>
               <a:t>")</a:t>
             </a:r>
+            <a:endParaRPr lang="en-US" b="1" dirty="0">
+              <a:latin typeface="Courier New" pitchFamily="49" charset="0"/>
+              <a:cs typeface="Courier New" pitchFamily="49" charset="0"/>
+            </a:endParaRPr>
           </a:p>
           <a:p>
             <a:r>
@@ -5262,6 +5178,15 @@
                 <a:cs typeface="Courier New" pitchFamily="49" charset="0"/>
               </a:rPr>
               <a:t>option</a:t>
+            </a:r>
+          </a:p>
+          <a:p>
+            <a:pPr lvl="1"/>
+            <a:r>
+              <a:rPr lang="en-US" dirty="0" smtClean="0">
+                <a:cs typeface="Courier New" pitchFamily="49" charset="0"/>
+              </a:rPr>
+              <a:t>Each dimension has its own filter</a:t>
             </a:r>
             <a:endParaRPr lang="en-US" dirty="0" smtClean="0"/>
           </a:p>
@@ -6191,6 +6116,13 @@
           <a:p>
             <a:pPr lvl="1"/>
             <a:r>
+              <a:rPr lang="en-US" dirty="0" smtClean="0"/>
+              <a:t>The universe can be used: no filtering or reordering</a:t>
+            </a:r>
+          </a:p>
+          <a:p>
+            <a:pPr lvl="1"/>
+            <a:r>
               <a:rPr lang="en-US" dirty="0" smtClean="0">
                 <a:cs typeface="Courier New" pitchFamily="49" charset="0"/>
               </a:rPr>
@@ -6912,7 +6844,7 @@
           <a:graphicData uri="http://schemas.openxmlformats.org/presentationml/2006/ole">
             <mc:AlternateContent xmlns:mc="http://schemas.openxmlformats.org/markup-compatibility/2006">
               <mc:Choice xmlns:v="urn:schemas-microsoft-com:vml" Requires="v">
-                <p:oleObj spid="_x0000_s532501" r:id="rId13" imgW="0" imgH="0" progId="">
+                <p:oleObj spid="_x0000_s532511" r:id="rId13" imgW="0" imgH="0" progId="">
                   <p:embed/>
                 </p:oleObj>
               </mc:Choice>
@@ -7071,7 +7003,7 @@
         <p:spPr>
           <a:xfrm>
             <a:off x="2524125" y="2692400"/>
-            <a:ext cx="4624664" cy="1698927"/>
+            <a:ext cx="3388748" cy="1698927"/>
           </a:xfrm>
           <a:noFill/>
         </p:spPr>
@@ -7106,21 +7038,18 @@
               <a:buNone/>
             </a:pPr>
             <a:r>
-              <a:rPr lang="en-US" dirty="0" err="1" smtClean="0">
+              <a:rPr lang="en-US" dirty="0">
                 <a:solidFill>
                   <a:schemeClr val="tx2"/>
                 </a:solidFill>
               </a:rPr>
-              <a:t>readgdx</a:t>
-            </a:r>
-            <a:r>
-              <a:rPr lang="en-US" dirty="0" smtClean="0">
-                <a:solidFill>
-                  <a:schemeClr val="tx2"/>
-                </a:solidFill>
-              </a:rPr>
-              <a:t>: overview and examples</a:t>
-            </a:r>
+              <a:t>Data mapping issues</a:t>
+            </a:r>
+            <a:endParaRPr lang="en-US" dirty="0" smtClean="0">
+              <a:solidFill>
+                <a:schemeClr val="tx2"/>
+              </a:solidFill>
+            </a:endParaRPr>
           </a:p>
           <a:p>
             <a:pPr marL="0" indent="0" eaLnBrk="1" hangingPunct="1">
@@ -7130,21 +7059,18 @@
               <a:buNone/>
             </a:pPr>
             <a:r>
-              <a:rPr lang="en-US" dirty="0" err="1" smtClean="0">
+              <a:rPr lang="en-US" dirty="0">
                 <a:solidFill>
                   <a:schemeClr val="tx2"/>
                 </a:solidFill>
               </a:rPr>
-              <a:t>writegdx</a:t>
-            </a:r>
-            <a:r>
-              <a:rPr lang="en-US" dirty="0" smtClean="0">
-                <a:solidFill>
-                  <a:schemeClr val="tx2"/>
-                </a:solidFill>
-              </a:rPr>
-              <a:t>: overview and examples</a:t>
-            </a:r>
+              <a:t>Example use cases</a:t>
+            </a:r>
+            <a:endParaRPr lang="en-US" dirty="0" smtClean="0">
+              <a:solidFill>
+                <a:schemeClr val="tx2"/>
+              </a:solidFill>
+            </a:endParaRPr>
           </a:p>
         </p:txBody>
       </p:sp>
@@ -7350,7 +7276,11 @@
           <a:p>
             <a:r>
               <a:rPr lang="en-US" dirty="0" smtClean="0"/>
-              <a:t>Possible options include compression, filtering.</a:t>
+              <a:t>Possible options </a:t>
+            </a:r>
+            <a:r>
+              <a:rPr lang="en-US" smtClean="0"/>
+              <a:t>include compression.</a:t>
             </a:r>
             <a:endParaRPr lang="en-US" dirty="0"/>
           </a:p>
@@ -7483,9 +7413,7 @@
             <a:avLst/>
           </a:prstGeom>
           <a:solidFill>
-            <a:schemeClr val="accent4">
-              <a:lumMod val="50000"/>
-            </a:schemeClr>
+            <a:schemeClr val="accent4"/>
           </a:solidFill>
           <a:ln w="9525" algn="ctr">
             <a:noFill/>
@@ -7588,9 +7516,7 @@
             <a:avLst/>
           </a:prstGeom>
           <a:solidFill>
-            <a:schemeClr val="accent4">
-              <a:lumMod val="50000"/>
-            </a:schemeClr>
+            <a:schemeClr val="accent4"/>
           </a:solidFill>
           <a:ln w="9525" algn="ctr">
             <a:noFill/>
@@ -7665,3740 +7591,7 @@
           <a:graphicData uri="http://schemas.openxmlformats.org/presentationml/2006/ole">
             <mc:AlternateContent xmlns:mc="http://schemas.openxmlformats.org/markup-compatibility/2006">
               <mc:Choice xmlns:v="urn:schemas-microsoft-com:vml" Requires="v">
-                <p:oleObj spid="_x0000_s542733" r:id="rId13" imgW="0" imgH="0" progId="">
-                  <p:embed/>
-                </p:oleObj>
-              </mc:Choice>
-              <mc:Fallback>
-                <p:oleObj r:id="rId13" imgW="0" imgH="0" progId="">
-                  <p:embed/>
-                  <p:pic>
-                    <p:nvPicPr>
-                      <p:cNvPr id="0" name=""/>
-                      <p:cNvPicPr preferRelativeResize="0">
-                        <a:picLocks noChangeArrowheads="1"/>
-                      </p:cNvPicPr>
-                      <p:nvPr/>
-                    </p:nvPicPr>
-                    <p:blipFill>
-                      <a:blip>
-                        <a:extLst>
-                          <a:ext uri="{28A0092B-C50C-407E-A947-70E740481C1C}">
-                            <a14:useLocalDpi xmlns:a14="http://schemas.microsoft.com/office/drawing/2010/main" val="0"/>
-                          </a:ext>
-                        </a:extLst>
-                      </a:blip>
-                      <a:srcRect/>
-                      <a:stretch>
-                        <a:fillRect/>
-                      </a:stretch>
-                    </p:blipFill>
-                    <p:spPr bwMode="auto">
-                      <a:xfrm>
-                        <a:off x="0" y="0"/>
-                        <a:ext cx="158750" cy="158750"/>
-                      </a:xfrm>
-                      <a:prstGeom prst="rect">
-                        <a:avLst/>
-                      </a:prstGeom>
-                      <a:noFill/>
-                      <a:ln>
-                        <a:noFill/>
-                      </a:ln>
-                      <a:extLst>
-                        <a:ext uri="{909E8E84-426E-40DD-AFC4-6F175D3DCCD1}">
-                          <a14:hiddenFill xmlns:a14="http://schemas.microsoft.com/office/drawing/2010/main">
-                            <a:solidFill>
-                              <a:srgbClr val="FFFFFF"/>
-                            </a:solidFill>
-                          </a14:hiddenFill>
-                        </a:ext>
-                        <a:ext uri="{91240B29-F687-4F45-9708-019B960494DF}">
-                          <a14:hiddenLine xmlns:a14="http://schemas.microsoft.com/office/drawing/2010/main" w="9525">
-                            <a:solidFill>
-                              <a:srgbClr val="000000"/>
-                            </a:solidFill>
-                            <a:miter lim="800000"/>
-                            <a:headEnd/>
-                            <a:tailEnd/>
-                          </a14:hiddenLine>
-                        </a:ext>
-                      </a:extLst>
-                    </p:spPr>
-                  </p:pic>
-                </p:oleObj>
-              </mc:Fallback>
-            </mc:AlternateContent>
-          </a:graphicData>
-        </a:graphic>
-      </p:graphicFrame>
-      <p:sp>
-        <p:nvSpPr>
-          <p:cNvPr id="1034" name="Rectangle 9"/>
-          <p:cNvSpPr>
-            <a:spLocks noChangeArrowheads="1"/>
-          </p:cNvSpPr>
-          <p:nvPr>
-            <p:custDataLst>
-              <p:tags r:id="rId8"/>
-            </p:custDataLst>
-          </p:nvPr>
-        </p:nvSpPr>
-        <p:spPr bwMode="auto">
-          <a:xfrm>
-            <a:off x="2230438" y="3790950"/>
-            <a:ext cx="5678487" cy="612775"/>
-          </a:xfrm>
-          <a:prstGeom prst="rect">
-            <a:avLst/>
-          </a:prstGeom>
-          <a:solidFill>
-            <a:schemeClr val="accent4"/>
-          </a:solidFill>
-          <a:ln w="9525" algn="ctr">
-            <a:noFill/>
-            <a:miter lim="800000"/>
-            <a:headEnd/>
-            <a:tailEnd/>
-          </a:ln>
-        </p:spPr>
-        <p:txBody>
-          <a:bodyPr wrap="none" anchor="ctr"/>
-          <a:lstStyle/>
-          <a:p>
-            <a:endParaRPr lang="en-US"/>
-          </a:p>
-        </p:txBody>
-      </p:sp>
-      <p:sp>
-        <p:nvSpPr>
-          <p:cNvPr id="1036" name="Rectangle 11"/>
-          <p:cNvSpPr>
-            <a:spLocks noChangeArrowheads="1"/>
-          </p:cNvSpPr>
-          <p:nvPr>
-            <p:custDataLst>
-              <p:tags r:id="rId9"/>
-            </p:custDataLst>
-          </p:nvPr>
-        </p:nvSpPr>
-        <p:spPr bwMode="auto">
-          <a:xfrm>
-            <a:off x="1833563" y="3790950"/>
-            <a:ext cx="339725" cy="612775"/>
-          </a:xfrm>
-          <a:prstGeom prst="rect">
-            <a:avLst/>
-          </a:prstGeom>
-          <a:solidFill>
-            <a:schemeClr val="accent4"/>
-          </a:solidFill>
-          <a:ln w="9525" algn="ctr">
-            <a:noFill/>
-            <a:miter lim="800000"/>
-            <a:headEnd/>
-            <a:tailEnd/>
-          </a:ln>
-        </p:spPr>
-        <p:txBody>
-          <a:bodyPr wrap="none" anchor="ctr"/>
-          <a:lstStyle/>
-          <a:p>
-            <a:endParaRPr lang="en-US"/>
-          </a:p>
-        </p:txBody>
-      </p:sp>
-      <p:sp>
-        <p:nvSpPr>
-          <p:cNvPr id="1037" name="Rectangle 12"/>
-          <p:cNvSpPr>
-            <a:spLocks noGrp="1" noChangeArrowheads="1"/>
-          </p:cNvSpPr>
-          <p:nvPr>
-            <p:ph type="body" idx="1"/>
-            <p:custDataLst>
-              <p:tags r:id="rId10"/>
-            </p:custDataLst>
-          </p:nvPr>
-        </p:nvSpPr>
-        <p:spPr>
-          <a:xfrm>
-            <a:off x="2524125" y="2692400"/>
-            <a:ext cx="4504438" cy="1698927"/>
-          </a:xfrm>
-          <a:noFill/>
-        </p:spPr>
-        <p:txBody>
-          <a:bodyPr wrap="none">
-            <a:spAutoFit/>
-          </a:bodyPr>
-          <a:lstStyle/>
-          <a:p>
-            <a:pPr marL="0" indent="0" eaLnBrk="1" hangingPunct="1">
-              <a:spcBef>
-                <a:spcPct val="80000"/>
-              </a:spcBef>
-              <a:buFontTx/>
-              <a:buNone/>
-            </a:pPr>
-            <a:r>
-              <a:rPr lang="en-US" dirty="0" smtClean="0">
-                <a:solidFill>
-                  <a:schemeClr val="tx2"/>
-                </a:solidFill>
-              </a:rPr>
-              <a:t>Background: why &amp; what</a:t>
-            </a:r>
-          </a:p>
-          <a:p>
-            <a:pPr marL="0" indent="0" eaLnBrk="1" hangingPunct="1">
-              <a:spcBef>
-                <a:spcPct val="80000"/>
-              </a:spcBef>
-              <a:buFontTx/>
-              <a:buNone/>
-            </a:pPr>
-            <a:r>
-              <a:rPr lang="en-US" dirty="0" err="1" smtClean="0">
-                <a:solidFill>
-                  <a:schemeClr val="tx2"/>
-                </a:solidFill>
-              </a:rPr>
-              <a:t>readgdx</a:t>
-            </a:r>
-            <a:r>
-              <a:rPr lang="en-US" dirty="0" smtClean="0">
-                <a:solidFill>
-                  <a:schemeClr val="tx2"/>
-                </a:solidFill>
-              </a:rPr>
-              <a:t>: overview and examples</a:t>
-            </a:r>
-          </a:p>
-          <a:p>
-            <a:pPr marL="0" indent="0" eaLnBrk="1" hangingPunct="1">
-              <a:spcBef>
-                <a:spcPct val="80000"/>
-              </a:spcBef>
-              <a:buFontTx/>
-              <a:buNone/>
-            </a:pPr>
-            <a:r>
-              <a:rPr lang="en-US" dirty="0" err="1" smtClean="0">
-                <a:solidFill>
-                  <a:schemeClr val="tx2"/>
-                </a:solidFill>
-              </a:rPr>
-              <a:t>writegdx</a:t>
-            </a:r>
-            <a:r>
-              <a:rPr lang="en-US" dirty="0" smtClean="0">
-                <a:solidFill>
-                  <a:schemeClr val="tx2"/>
-                </a:solidFill>
-              </a:rPr>
-              <a:t>: overview and examples</a:t>
-            </a:r>
-          </a:p>
-        </p:txBody>
-      </p:sp>
-    </p:spTree>
-    <p:extLst>
-      <p:ext uri="{BB962C8B-B14F-4D97-AF65-F5344CB8AC3E}">
-        <p14:creationId xmlns:p14="http://schemas.microsoft.com/office/powerpoint/2010/main" val="1055795929"/>
-      </p:ext>
-    </p:extLst>
-  </p:cSld>
-  <p:clrMapOvr>
-    <a:masterClrMapping/>
-  </p:clrMapOvr>
-  <p:transition spd="med"/>
-  <p:timing>
-    <p:tnLst>
-      <p:par>
-        <p:cTn id="1" dur="indefinite" restart="never" nodeType="tmRoot"/>
-      </p:par>
-    </p:tnLst>
-  </p:timing>
-</p:sld>
-</file>
-
-<file path=ppt/slides/slide22.xml><?xml version="1.0" encoding="utf-8"?>
-<p:sld xmlns:a="http://schemas.openxmlformats.org/drawingml/2006/main" xmlns:r="http://schemas.openxmlformats.org/officeDocument/2006/relationships" xmlns:p="http://schemas.openxmlformats.org/presentationml/2006/main">
-  <p:cSld>
-    <p:spTree>
-      <p:nvGrpSpPr>
-        <p:cNvPr id="1" name=""/>
-        <p:cNvGrpSpPr/>
-        <p:nvPr/>
-      </p:nvGrpSpPr>
-      <p:grpSpPr>
-        <a:xfrm>
-          <a:off x="0" y="0"/>
-          <a:ext cx="0" cy="0"/>
-          <a:chOff x="0" y="0"/>
-          <a:chExt cx="0" cy="0"/>
-        </a:xfrm>
-      </p:grpSpPr>
-      <p:sp>
-        <p:nvSpPr>
-          <p:cNvPr id="4" name="Content Placeholder 3"/>
-          <p:cNvSpPr>
-            <a:spLocks noGrp="1"/>
-          </p:cNvSpPr>
-          <p:nvPr>
-            <p:ph idx="1"/>
-          </p:nvPr>
-        </p:nvSpPr>
-        <p:spPr/>
-        <p:txBody>
-          <a:bodyPr/>
-          <a:lstStyle/>
-          <a:p>
-            <a:r>
-              <a:rPr lang="en-US" b="1" dirty="0" smtClean="0">
-                <a:latin typeface="Courier New" pitchFamily="49" charset="0"/>
-                <a:cs typeface="Courier New" pitchFamily="49" charset="0"/>
-              </a:rPr>
-              <a:t>r = </a:t>
-            </a:r>
-            <a:r>
-              <a:rPr lang="en-US" b="1" dirty="0" err="1" smtClean="0">
-                <a:latin typeface="Courier New" pitchFamily="49" charset="0"/>
-                <a:cs typeface="Courier New" pitchFamily="49" charset="0"/>
-              </a:rPr>
-              <a:t>rgdx</a:t>
-            </a:r>
-            <a:r>
-              <a:rPr lang="en-US" b="1" dirty="0" smtClean="0">
-                <a:latin typeface="Courier New" pitchFamily="49" charset="0"/>
-                <a:cs typeface="Courier New" pitchFamily="49" charset="0"/>
-              </a:rPr>
-              <a:t>(‘</a:t>
-            </a:r>
-            <a:r>
-              <a:rPr lang="en-US" b="1" dirty="0" err="1" smtClean="0">
-                <a:latin typeface="Courier New" pitchFamily="49" charset="0"/>
-                <a:cs typeface="Courier New" pitchFamily="49" charset="0"/>
-              </a:rPr>
-              <a:t>filename.gdx’,o</a:t>
-            </a:r>
-            <a:r>
-              <a:rPr lang="en-US" b="1" dirty="0" smtClean="0">
-                <a:latin typeface="Courier New" pitchFamily="49" charset="0"/>
-                <a:cs typeface="Courier New" pitchFamily="49" charset="0"/>
-              </a:rPr>
-              <a:t>)</a:t>
-            </a:r>
-            <a:r>
-              <a:rPr lang="en-US" dirty="0" smtClean="0"/>
-              <a:t>, where</a:t>
-            </a:r>
-          </a:p>
-          <a:p>
-            <a:pPr lvl="1"/>
-            <a:r>
-              <a:rPr lang="en-US" b="1" dirty="0" smtClean="0">
-                <a:latin typeface="Courier New" pitchFamily="49" charset="0"/>
-                <a:cs typeface="Courier New" pitchFamily="49" charset="0"/>
-              </a:rPr>
-              <a:t>r</a:t>
-            </a:r>
-            <a:r>
-              <a:rPr lang="en-US" dirty="0" smtClean="0"/>
-              <a:t> is a structure containing the result, i.e. output data</a:t>
-            </a:r>
-          </a:p>
-          <a:p>
-            <a:pPr lvl="1"/>
-            <a:r>
-              <a:rPr lang="en-US" b="1" dirty="0" smtClean="0">
-                <a:latin typeface="Courier New" pitchFamily="49" charset="0"/>
-                <a:cs typeface="Courier New" pitchFamily="49" charset="0"/>
-              </a:rPr>
-              <a:t>o</a:t>
-            </a:r>
-            <a:r>
-              <a:rPr lang="en-US" dirty="0" smtClean="0"/>
-              <a:t> is a structure of options controlling the read</a:t>
-            </a:r>
-          </a:p>
-          <a:p>
-            <a:r>
-              <a:rPr lang="en-US" dirty="0" smtClean="0"/>
-              <a:t>Each call reads a single set or parameter</a:t>
-            </a:r>
-          </a:p>
-          <a:p>
-            <a:pPr lvl="1"/>
-            <a:r>
-              <a:rPr lang="en-US" dirty="0" smtClean="0"/>
-              <a:t>Reading GDX this way is efficient and simple</a:t>
-            </a:r>
-          </a:p>
-          <a:p>
-            <a:r>
-              <a:rPr lang="en-US" dirty="0" smtClean="0"/>
-              <a:t>Option fields include</a:t>
-            </a:r>
-          </a:p>
-          <a:p>
-            <a:pPr lvl="1"/>
-            <a:r>
-              <a:rPr lang="en-US" b="1" dirty="0" smtClean="0">
-                <a:latin typeface="Courier New" pitchFamily="49" charset="0"/>
-                <a:cs typeface="Courier New" pitchFamily="49" charset="0"/>
-              </a:rPr>
-              <a:t>name= ‘</a:t>
-            </a:r>
-            <a:r>
-              <a:rPr lang="en-US" b="1" dirty="0" err="1" smtClean="0">
-                <a:latin typeface="Courier New" pitchFamily="49" charset="0"/>
-                <a:cs typeface="Courier New" pitchFamily="49" charset="0"/>
-              </a:rPr>
-              <a:t>xxxxx</a:t>
-            </a:r>
-            <a:r>
-              <a:rPr lang="en-US" b="1" dirty="0" smtClean="0">
-                <a:latin typeface="Courier New" pitchFamily="49" charset="0"/>
-                <a:cs typeface="Courier New" pitchFamily="49" charset="0"/>
-              </a:rPr>
-              <a:t>’</a:t>
-            </a:r>
-            <a:r>
-              <a:rPr lang="en-US" dirty="0" smtClean="0"/>
-              <a:t> – required, symbol name in GDX</a:t>
-            </a:r>
-          </a:p>
-          <a:p>
-            <a:pPr lvl="1"/>
-            <a:r>
-              <a:rPr lang="en-US" b="1" dirty="0" smtClean="0">
-                <a:latin typeface="Courier New" pitchFamily="49" charset="0"/>
-                <a:cs typeface="Courier New" pitchFamily="49" charset="0"/>
-              </a:rPr>
-              <a:t>form= ‘full’</a:t>
-            </a:r>
-            <a:r>
-              <a:rPr lang="en-US" dirty="0" smtClean="0"/>
-              <a:t> or </a:t>
-            </a:r>
-            <a:r>
-              <a:rPr lang="en-US" b="1" dirty="0" smtClean="0">
-                <a:latin typeface="Courier New" pitchFamily="49" charset="0"/>
-                <a:cs typeface="Courier New" pitchFamily="49" charset="0"/>
-              </a:rPr>
-              <a:t>‘sparse’</a:t>
-            </a:r>
-            <a:r>
-              <a:rPr lang="en-US" dirty="0" smtClean="0"/>
-              <a:t> – default sparse</a:t>
-            </a:r>
-          </a:p>
-          <a:p>
-            <a:pPr lvl="1"/>
-            <a:r>
-              <a:rPr lang="en-US" b="1" dirty="0" smtClean="0">
-                <a:latin typeface="Courier New" pitchFamily="49" charset="0"/>
-                <a:cs typeface="Courier New" pitchFamily="49" charset="0"/>
-              </a:rPr>
-              <a:t>compress= ‘true’</a:t>
-            </a:r>
-            <a:r>
-              <a:rPr lang="en-US" dirty="0" smtClean="0"/>
-              <a:t> or </a:t>
-            </a:r>
-            <a:r>
-              <a:rPr lang="en-US" b="1" dirty="0" smtClean="0">
-                <a:latin typeface="Courier New" pitchFamily="49" charset="0"/>
-                <a:cs typeface="Courier New" pitchFamily="49" charset="0"/>
-              </a:rPr>
-              <a:t>‘false’</a:t>
-            </a:r>
-            <a:r>
-              <a:rPr lang="en-US" dirty="0" smtClean="0"/>
-              <a:t> – default </a:t>
-            </a:r>
-            <a:r>
-              <a:rPr lang="en-US" dirty="0" smtClean="0">
-                <a:cs typeface="Courier New" pitchFamily="49" charset="0"/>
-              </a:rPr>
-              <a:t>false</a:t>
-            </a:r>
-          </a:p>
-          <a:p>
-            <a:pPr lvl="1"/>
-            <a:r>
-              <a:rPr lang="en-US" b="1" dirty="0" err="1" smtClean="0">
-                <a:latin typeface="Courier New" pitchFamily="49" charset="0"/>
-                <a:cs typeface="Courier New" pitchFamily="49" charset="0"/>
-              </a:rPr>
-              <a:t>uels</a:t>
-            </a:r>
-            <a:r>
-              <a:rPr lang="en-US" dirty="0" smtClean="0"/>
-              <a:t>: optional filter/mapping for each dimension</a:t>
-            </a:r>
-          </a:p>
-          <a:p>
-            <a:r>
-              <a:rPr lang="en-US" dirty="0" smtClean="0"/>
-              <a:t>Result fields include</a:t>
-            </a:r>
-          </a:p>
-          <a:p>
-            <a:pPr lvl="1"/>
-            <a:r>
-              <a:rPr lang="en-US" b="1" dirty="0" err="1" smtClean="0">
-                <a:latin typeface="Courier New" pitchFamily="49" charset="0"/>
-                <a:cs typeface="Courier New" pitchFamily="49" charset="0"/>
-              </a:rPr>
-              <a:t>val</a:t>
-            </a:r>
-            <a:r>
-              <a:rPr lang="en-US" dirty="0" smtClean="0"/>
-              <a:t>: the </a:t>
-            </a:r>
-            <a:r>
-              <a:rPr lang="en-US" dirty="0" err="1" smtClean="0"/>
-              <a:t>Matlab</a:t>
-            </a:r>
-            <a:r>
-              <a:rPr lang="en-US" dirty="0" smtClean="0"/>
-              <a:t> matrix, in full or sparse form</a:t>
-            </a:r>
-          </a:p>
-          <a:p>
-            <a:pPr lvl="1"/>
-            <a:r>
-              <a:rPr lang="en-US" b="1" dirty="0" err="1" smtClean="0">
-                <a:latin typeface="Courier New" pitchFamily="49" charset="0"/>
-                <a:cs typeface="Courier New" pitchFamily="49" charset="0"/>
-              </a:rPr>
-              <a:t>uels</a:t>
-            </a:r>
-            <a:r>
-              <a:rPr lang="en-US" dirty="0" smtClean="0"/>
-              <a:t>: the GAMS labels mapped to each dimension</a:t>
-            </a:r>
-            <a:endParaRPr lang="en-US" dirty="0"/>
-          </a:p>
-        </p:txBody>
-      </p:sp>
-      <p:sp>
-        <p:nvSpPr>
-          <p:cNvPr id="2" name="Title 1"/>
-          <p:cNvSpPr>
-            <a:spLocks noGrp="1"/>
-          </p:cNvSpPr>
-          <p:nvPr>
-            <p:ph type="title"/>
-          </p:nvPr>
-        </p:nvSpPr>
-        <p:spPr/>
-        <p:txBody>
-          <a:bodyPr/>
-          <a:lstStyle/>
-          <a:p>
-            <a:r>
-              <a:rPr lang="en-US" dirty="0" err="1" smtClean="0"/>
-              <a:t>Readgdx</a:t>
-            </a:r>
-            <a:r>
-              <a:rPr lang="en-US" dirty="0" smtClean="0"/>
-              <a:t>  – basic syntax</a:t>
-            </a:r>
-            <a:endParaRPr lang="en-US" dirty="0"/>
-          </a:p>
-        </p:txBody>
-      </p:sp>
-      <p:sp>
-        <p:nvSpPr>
-          <p:cNvPr id="3" name="Slide Number Placeholder 2"/>
-          <p:cNvSpPr>
-            <a:spLocks noGrp="1"/>
-          </p:cNvSpPr>
-          <p:nvPr>
-            <p:ph type="sldNum" sz="quarter" idx="10"/>
-          </p:nvPr>
-        </p:nvSpPr>
-        <p:spPr/>
-        <p:txBody>
-          <a:bodyPr/>
-          <a:lstStyle/>
-          <a:p>
-            <a:pPr>
-              <a:defRPr/>
-            </a:pPr>
-            <a:fld id="{2647E525-4182-4002-B656-FEA25787BC0B}" type="slidenum">
-              <a:rPr lang="en-US" smtClean="0"/>
-              <a:pPr>
-                <a:defRPr/>
-              </a:pPr>
-              <a:t>22</a:t>
-            </a:fld>
-            <a:endParaRPr lang="en-US" dirty="0"/>
-          </a:p>
-        </p:txBody>
-      </p:sp>
-    </p:spTree>
-  </p:cSld>
-  <p:clrMapOvr>
-    <a:masterClrMapping/>
-  </p:clrMapOvr>
-  <p:transition spd="med"/>
-  <p:timing>
-    <p:tnLst>
-      <p:par>
-        <p:cTn id="1" dur="indefinite" restart="never" nodeType="tmRoot"/>
-      </p:par>
-    </p:tnLst>
-  </p:timing>
-</p:sld>
-</file>
-
-<file path=ppt/slides/slide23.xml><?xml version="1.0" encoding="utf-8"?>
-<p:sld xmlns:a="http://schemas.openxmlformats.org/drawingml/2006/main" xmlns:r="http://schemas.openxmlformats.org/officeDocument/2006/relationships" xmlns:p="http://schemas.openxmlformats.org/presentationml/2006/main">
-  <p:cSld>
-    <p:spTree>
-      <p:nvGrpSpPr>
-        <p:cNvPr id="1" name=""/>
-        <p:cNvGrpSpPr/>
-        <p:nvPr/>
-      </p:nvGrpSpPr>
-      <p:grpSpPr>
-        <a:xfrm>
-          <a:off x="0" y="0"/>
-          <a:ext cx="0" cy="0"/>
-          <a:chOff x="0" y="0"/>
-          <a:chExt cx="0" cy="0"/>
-        </a:xfrm>
-      </p:grpSpPr>
-      <p:sp>
-        <p:nvSpPr>
-          <p:cNvPr id="4" name="Content Placeholder 3"/>
-          <p:cNvSpPr>
-            <a:spLocks noGrp="1"/>
-          </p:cNvSpPr>
-          <p:nvPr>
-            <p:ph idx="1"/>
-          </p:nvPr>
-        </p:nvSpPr>
-        <p:spPr>
-          <a:xfrm>
-            <a:off x="847674" y="1785915"/>
-            <a:ext cx="7996347" cy="2263806"/>
-          </a:xfrm>
-        </p:spPr>
-        <p:txBody>
-          <a:bodyPr/>
-          <a:lstStyle/>
-          <a:p>
-            <a:r>
-              <a:rPr lang="en-US" dirty="0" smtClean="0"/>
-              <a:t>The interesting results are the values and UELs</a:t>
-            </a:r>
-          </a:p>
-          <a:p>
-            <a:pPr>
-              <a:buNone/>
-            </a:pPr>
-            <a:r>
-              <a:rPr lang="en-US" b="1" dirty="0" smtClean="0">
-                <a:latin typeface="Courier New" pitchFamily="49" charset="0"/>
-                <a:cs typeface="Courier New" pitchFamily="49" charset="0"/>
-              </a:rPr>
-              <a:t>Set </a:t>
-            </a:r>
-            <a:r>
-              <a:rPr lang="en-US" b="1" dirty="0" err="1" smtClean="0">
-                <a:latin typeface="Courier New" pitchFamily="49" charset="0"/>
-                <a:cs typeface="Courier New" pitchFamily="49" charset="0"/>
-              </a:rPr>
-              <a:t>i</a:t>
-            </a:r>
-            <a:r>
-              <a:rPr lang="en-US" b="1" dirty="0" smtClean="0">
-                <a:latin typeface="Courier New" pitchFamily="49" charset="0"/>
-                <a:cs typeface="Courier New" pitchFamily="49" charset="0"/>
-              </a:rPr>
-              <a:t> / </a:t>
-            </a:r>
-            <a:r>
-              <a:rPr lang="en-US" b="1" dirty="0" err="1" smtClean="0">
-                <a:latin typeface="Courier New" pitchFamily="49" charset="0"/>
-                <a:cs typeface="Courier New" pitchFamily="49" charset="0"/>
-              </a:rPr>
-              <a:t>seattle</a:t>
-            </a:r>
-            <a:r>
-              <a:rPr lang="en-US" b="1" dirty="0" smtClean="0">
-                <a:latin typeface="Courier New" pitchFamily="49" charset="0"/>
-                <a:cs typeface="Courier New" pitchFamily="49" charset="0"/>
-              </a:rPr>
-              <a:t>, </a:t>
-            </a:r>
-            <a:r>
-              <a:rPr lang="en-US" b="1" dirty="0" err="1" smtClean="0">
-                <a:latin typeface="Courier New" pitchFamily="49" charset="0"/>
-                <a:cs typeface="Courier New" pitchFamily="49" charset="0"/>
-              </a:rPr>
-              <a:t>sandiego</a:t>
-            </a:r>
-            <a:r>
-              <a:rPr lang="en-US" b="1" dirty="0" smtClean="0">
-                <a:latin typeface="Courier New" pitchFamily="49" charset="0"/>
-                <a:cs typeface="Courier New" pitchFamily="49" charset="0"/>
-              </a:rPr>
-              <a:t> /</a:t>
-            </a:r>
-          </a:p>
-          <a:p>
-            <a:pPr>
-              <a:buNone/>
-            </a:pPr>
-            <a:r>
-              <a:rPr lang="en-US" b="1" dirty="0" smtClean="0">
-                <a:latin typeface="Courier New" pitchFamily="49" charset="0"/>
-                <a:cs typeface="Courier New" pitchFamily="49" charset="0"/>
-              </a:rPr>
-              <a:t>    j / </a:t>
-            </a:r>
-            <a:r>
-              <a:rPr lang="en-US" b="1" dirty="0" err="1" smtClean="0">
-                <a:latin typeface="Courier New" pitchFamily="49" charset="0"/>
-                <a:cs typeface="Courier New" pitchFamily="49" charset="0"/>
-              </a:rPr>
-              <a:t>topeka</a:t>
-            </a:r>
-            <a:r>
-              <a:rPr lang="en-US" b="1" dirty="0" smtClean="0">
-                <a:latin typeface="Courier New" pitchFamily="49" charset="0"/>
-                <a:cs typeface="Courier New" pitchFamily="49" charset="0"/>
-              </a:rPr>
-              <a:t>, </a:t>
-            </a:r>
-            <a:r>
-              <a:rPr lang="en-US" b="1" dirty="0" err="1" smtClean="0">
-                <a:latin typeface="Courier New" pitchFamily="49" charset="0"/>
-                <a:cs typeface="Courier New" pitchFamily="49" charset="0"/>
-              </a:rPr>
-              <a:t>chicago</a:t>
-            </a:r>
-            <a:r>
-              <a:rPr lang="en-US" b="1" dirty="0" smtClean="0">
-                <a:latin typeface="Courier New" pitchFamily="49" charset="0"/>
-                <a:cs typeface="Courier New" pitchFamily="49" charset="0"/>
-              </a:rPr>
-              <a:t> /;</a:t>
-            </a:r>
-          </a:p>
-          <a:p>
-            <a:pPr>
-              <a:buNone/>
-            </a:pPr>
-            <a:r>
-              <a:rPr lang="en-US" b="1" dirty="0" smtClean="0">
-                <a:latin typeface="Courier New" pitchFamily="49" charset="0"/>
-                <a:cs typeface="Courier New" pitchFamily="49" charset="0"/>
-              </a:rPr>
-              <a:t>Set link(</a:t>
-            </a:r>
-            <a:r>
-              <a:rPr lang="en-US" b="1" dirty="0" err="1" smtClean="0">
-                <a:latin typeface="Courier New" pitchFamily="49" charset="0"/>
-                <a:cs typeface="Courier New" pitchFamily="49" charset="0"/>
-              </a:rPr>
-              <a:t>i,j</a:t>
-            </a:r>
-            <a:r>
-              <a:rPr lang="en-US" b="1" dirty="0" smtClean="0">
-                <a:latin typeface="Courier New" pitchFamily="49" charset="0"/>
-                <a:cs typeface="Courier New" pitchFamily="49" charset="0"/>
-              </a:rPr>
-              <a:t>) ‘</a:t>
-            </a:r>
-            <a:r>
-              <a:rPr lang="en-US" b="1" dirty="0" smtClean="0">
-                <a:solidFill>
-                  <a:srgbClr val="C00000"/>
-                </a:solidFill>
-                <a:latin typeface="Courier New" pitchFamily="49" charset="0"/>
-                <a:cs typeface="Courier New" pitchFamily="49" charset="0"/>
-              </a:rPr>
-              <a:t>set to read</a:t>
-            </a:r>
-            <a:r>
-              <a:rPr lang="en-US" b="1" dirty="0" smtClean="0">
-                <a:latin typeface="Courier New" pitchFamily="49" charset="0"/>
-                <a:cs typeface="Courier New" pitchFamily="49" charset="0"/>
-              </a:rPr>
-              <a:t>’ /</a:t>
-            </a:r>
-          </a:p>
-          <a:p>
-            <a:pPr>
-              <a:buNone/>
-            </a:pPr>
-            <a:r>
-              <a:rPr lang="en-US" b="1" dirty="0" smtClean="0">
-                <a:latin typeface="Courier New" pitchFamily="49" charset="0"/>
-                <a:cs typeface="Courier New" pitchFamily="49" charset="0"/>
-              </a:rPr>
-              <a:t>  </a:t>
-            </a:r>
-            <a:r>
-              <a:rPr lang="en-US" b="1" dirty="0" err="1" smtClean="0">
-                <a:latin typeface="Courier New" pitchFamily="49" charset="0"/>
-                <a:cs typeface="Courier New" pitchFamily="49" charset="0"/>
-              </a:rPr>
-              <a:t>seattle.topeka</a:t>
-            </a:r>
-            <a:r>
-              <a:rPr lang="en-US" b="1" dirty="0" smtClean="0">
-                <a:latin typeface="Courier New" pitchFamily="49" charset="0"/>
-                <a:cs typeface="Courier New" pitchFamily="49" charset="0"/>
-              </a:rPr>
-              <a:t>, </a:t>
-            </a:r>
-            <a:r>
-              <a:rPr lang="en-US" b="1" dirty="0" err="1" smtClean="0">
-                <a:latin typeface="Courier New" pitchFamily="49" charset="0"/>
-                <a:cs typeface="Courier New" pitchFamily="49" charset="0"/>
-              </a:rPr>
-              <a:t>seattle.chicago</a:t>
-            </a:r>
-            <a:r>
-              <a:rPr lang="en-US" b="1" dirty="0" smtClean="0">
-                <a:latin typeface="Courier New" pitchFamily="49" charset="0"/>
-                <a:cs typeface="Courier New" pitchFamily="49" charset="0"/>
-              </a:rPr>
-              <a:t>,</a:t>
-            </a:r>
-          </a:p>
-          <a:p>
-            <a:pPr>
-              <a:buNone/>
-            </a:pPr>
-            <a:r>
-              <a:rPr lang="en-US" b="1" dirty="0" smtClean="0">
-                <a:latin typeface="Courier New" pitchFamily="49" charset="0"/>
-                <a:cs typeface="Courier New" pitchFamily="49" charset="0"/>
-              </a:rPr>
-              <a:t>  </a:t>
-            </a:r>
-            <a:r>
-              <a:rPr lang="en-US" b="1" dirty="0" err="1" smtClean="0">
-                <a:latin typeface="Courier New" pitchFamily="49" charset="0"/>
-                <a:cs typeface="Courier New" pitchFamily="49" charset="0"/>
-              </a:rPr>
-              <a:t>sandiego.topeka</a:t>
-            </a:r>
-            <a:r>
-              <a:rPr lang="en-US" b="1" dirty="0" smtClean="0">
-                <a:latin typeface="Courier New" pitchFamily="49" charset="0"/>
-                <a:cs typeface="Courier New" pitchFamily="49" charset="0"/>
-              </a:rPr>
-              <a:t>, </a:t>
-            </a:r>
-            <a:r>
-              <a:rPr lang="en-US" b="1" dirty="0" err="1" smtClean="0">
-                <a:latin typeface="Courier New" pitchFamily="49" charset="0"/>
-                <a:cs typeface="Courier New" pitchFamily="49" charset="0"/>
-              </a:rPr>
-              <a:t>sandiego.chicago</a:t>
-            </a:r>
-            <a:r>
-              <a:rPr lang="en-US" b="1" dirty="0" smtClean="0">
-                <a:latin typeface="Courier New" pitchFamily="49" charset="0"/>
-                <a:cs typeface="Courier New" pitchFamily="49" charset="0"/>
-              </a:rPr>
-              <a:t> /;</a:t>
-            </a:r>
-          </a:p>
-          <a:p>
-            <a:pPr>
-              <a:buNone/>
-            </a:pPr>
-            <a:endParaRPr lang="en-US" dirty="0"/>
-          </a:p>
-        </p:txBody>
-      </p:sp>
-      <p:sp>
-        <p:nvSpPr>
-          <p:cNvPr id="2" name="Title 1"/>
-          <p:cNvSpPr>
-            <a:spLocks noGrp="1"/>
-          </p:cNvSpPr>
-          <p:nvPr>
-            <p:ph type="title"/>
-          </p:nvPr>
-        </p:nvSpPr>
-        <p:spPr/>
-        <p:txBody>
-          <a:bodyPr/>
-          <a:lstStyle/>
-          <a:p>
-            <a:r>
-              <a:rPr lang="en-US" dirty="0" err="1" smtClean="0"/>
-              <a:t>Readgdx</a:t>
-            </a:r>
-            <a:r>
-              <a:rPr lang="en-US" dirty="0" smtClean="0"/>
-              <a:t> – r.val and </a:t>
-            </a:r>
-            <a:r>
-              <a:rPr lang="en-US" dirty="0" err="1" smtClean="0"/>
-              <a:t>r.uels</a:t>
-            </a:r>
-            <a:endParaRPr lang="en-US" dirty="0"/>
-          </a:p>
-        </p:txBody>
-      </p:sp>
-      <p:sp>
-        <p:nvSpPr>
-          <p:cNvPr id="3" name="Slide Number Placeholder 2"/>
-          <p:cNvSpPr>
-            <a:spLocks noGrp="1"/>
-          </p:cNvSpPr>
-          <p:nvPr>
-            <p:ph type="sldNum" sz="quarter" idx="10"/>
-          </p:nvPr>
-        </p:nvSpPr>
-        <p:spPr/>
-        <p:txBody>
-          <a:bodyPr/>
-          <a:lstStyle/>
-          <a:p>
-            <a:pPr>
-              <a:defRPr/>
-            </a:pPr>
-            <a:fld id="{2647E525-4182-4002-B656-FEA25787BC0B}" type="slidenum">
-              <a:rPr lang="en-US" smtClean="0"/>
-              <a:pPr>
-                <a:defRPr/>
-              </a:pPr>
-              <a:t>23</a:t>
-            </a:fld>
-            <a:endParaRPr lang="en-US" dirty="0"/>
-          </a:p>
-        </p:txBody>
-      </p:sp>
-      <p:pic>
-        <p:nvPicPr>
-          <p:cNvPr id="551938" name="Picture 2"/>
-          <p:cNvPicPr>
-            <a:picLocks noChangeAspect="1" noChangeArrowheads="1"/>
-          </p:cNvPicPr>
-          <p:nvPr/>
-        </p:nvPicPr>
-        <p:blipFill>
-          <a:blip r:embed="rId2" cstate="print"/>
-          <a:srcRect l="5134" t="24639" r="54759" b="45627"/>
-          <a:stretch>
-            <a:fillRect/>
-          </a:stretch>
-        </p:blipFill>
-        <p:spPr bwMode="auto">
-          <a:xfrm>
-            <a:off x="701622" y="4451706"/>
-            <a:ext cx="2993709" cy="2080899"/>
-          </a:xfrm>
-          <a:prstGeom prst="rect">
-            <a:avLst/>
-          </a:prstGeom>
-          <a:noFill/>
-          <a:ln w="9525">
-            <a:noFill/>
-            <a:miter lim="800000"/>
-            <a:headEnd/>
-            <a:tailEnd/>
-          </a:ln>
-        </p:spPr>
-      </p:pic>
-      <p:pic>
-        <p:nvPicPr>
-          <p:cNvPr id="7" name="Picture 2"/>
-          <p:cNvPicPr>
-            <a:picLocks noChangeAspect="1" noChangeArrowheads="1"/>
-          </p:cNvPicPr>
-          <p:nvPr/>
-        </p:nvPicPr>
-        <p:blipFill>
-          <a:blip r:embed="rId2" cstate="print"/>
-          <a:srcRect l="5134" t="60228" r="20535" b="10951"/>
-          <a:stretch>
-            <a:fillRect/>
-          </a:stretch>
-        </p:blipFill>
-        <p:spPr bwMode="auto">
-          <a:xfrm>
-            <a:off x="3841383" y="4706955"/>
-            <a:ext cx="5177082" cy="1882018"/>
-          </a:xfrm>
-          <a:prstGeom prst="rect">
-            <a:avLst/>
-          </a:prstGeom>
-          <a:noFill/>
-          <a:ln w="9525">
-            <a:noFill/>
-            <a:miter lim="800000"/>
-            <a:headEnd/>
-            <a:tailEnd/>
-          </a:ln>
-        </p:spPr>
-      </p:pic>
-    </p:spTree>
-  </p:cSld>
-  <p:clrMapOvr>
-    <a:masterClrMapping/>
-  </p:clrMapOvr>
-  <p:transition spd="med"/>
-  <p:timing>
-    <p:tnLst>
-      <p:par>
-        <p:cTn id="1" dur="indefinite" restart="never" nodeType="tmRoot"/>
-      </p:par>
-    </p:tnLst>
-  </p:timing>
-</p:sld>
-</file>
-
-<file path=ppt/slides/slide24.xml><?xml version="1.0" encoding="utf-8"?>
-<p:sld xmlns:a="http://schemas.openxmlformats.org/drawingml/2006/main" xmlns:r="http://schemas.openxmlformats.org/officeDocument/2006/relationships" xmlns:p="http://schemas.openxmlformats.org/presentationml/2006/main">
-  <p:cSld>
-    <p:spTree>
-      <p:nvGrpSpPr>
-        <p:cNvPr id="1" name=""/>
-        <p:cNvGrpSpPr/>
-        <p:nvPr/>
-      </p:nvGrpSpPr>
-      <p:grpSpPr>
-        <a:xfrm>
-          <a:off x="0" y="0"/>
-          <a:ext cx="0" cy="0"/>
-          <a:chOff x="0" y="0"/>
-          <a:chExt cx="0" cy="0"/>
-        </a:xfrm>
-      </p:grpSpPr>
-      <p:sp>
-        <p:nvSpPr>
-          <p:cNvPr id="4" name="Content Placeholder 3"/>
-          <p:cNvSpPr>
-            <a:spLocks noGrp="1"/>
-          </p:cNvSpPr>
-          <p:nvPr>
-            <p:ph idx="1"/>
-          </p:nvPr>
-        </p:nvSpPr>
-        <p:spPr>
-          <a:xfrm>
-            <a:off x="847674" y="1785915"/>
-            <a:ext cx="7996347" cy="1497033"/>
-          </a:xfrm>
-        </p:spPr>
-        <p:txBody>
-          <a:bodyPr/>
-          <a:lstStyle/>
-          <a:p>
-            <a:pPr>
-              <a:buNone/>
-            </a:pPr>
-            <a:r>
-              <a:rPr lang="en-US" dirty="0" smtClean="0"/>
-              <a:t> </a:t>
-            </a:r>
-            <a:r>
-              <a:rPr lang="en-US" b="1" dirty="0" smtClean="0">
-                <a:latin typeface="Courier New" pitchFamily="49" charset="0"/>
-                <a:cs typeface="Courier New" pitchFamily="49" charset="0"/>
-              </a:rPr>
-              <a:t>link(</a:t>
-            </a:r>
-            <a:r>
-              <a:rPr lang="en-US" b="1" dirty="0" err="1" smtClean="0">
-                <a:latin typeface="Courier New" pitchFamily="49" charset="0"/>
-                <a:cs typeface="Courier New" pitchFamily="49" charset="0"/>
-              </a:rPr>
-              <a:t>i,j</a:t>
-            </a:r>
-            <a:r>
-              <a:rPr lang="en-US" b="1" dirty="0" smtClean="0">
-                <a:latin typeface="Courier New" pitchFamily="49" charset="0"/>
-                <a:cs typeface="Courier New" pitchFamily="49" charset="0"/>
-              </a:rPr>
-              <a:t>) ‘set to read’ /</a:t>
-            </a:r>
-          </a:p>
-          <a:p>
-            <a:pPr>
-              <a:buNone/>
-            </a:pPr>
-            <a:r>
-              <a:rPr lang="en-US" b="1" dirty="0" smtClean="0">
-                <a:latin typeface="Courier New" pitchFamily="49" charset="0"/>
-                <a:cs typeface="Courier New" pitchFamily="49" charset="0"/>
-              </a:rPr>
-              <a:t>  </a:t>
-            </a:r>
-            <a:r>
-              <a:rPr lang="en-US" b="1" dirty="0" err="1" smtClean="0">
-                <a:latin typeface="Courier New" pitchFamily="49" charset="0"/>
-                <a:cs typeface="Courier New" pitchFamily="49" charset="0"/>
-              </a:rPr>
-              <a:t>seattle.topeka</a:t>
-            </a:r>
-            <a:r>
-              <a:rPr lang="en-US" b="1" dirty="0" smtClean="0">
-                <a:latin typeface="Courier New" pitchFamily="49" charset="0"/>
-                <a:cs typeface="Courier New" pitchFamily="49" charset="0"/>
-              </a:rPr>
-              <a:t>, </a:t>
-            </a:r>
-            <a:r>
-              <a:rPr lang="en-US" b="1" dirty="0" err="1" smtClean="0">
-                <a:latin typeface="Courier New" pitchFamily="49" charset="0"/>
-                <a:cs typeface="Courier New" pitchFamily="49" charset="0"/>
-              </a:rPr>
-              <a:t>seattle.chicago</a:t>
-            </a:r>
-            <a:r>
-              <a:rPr lang="en-US" b="1" dirty="0" smtClean="0">
-                <a:latin typeface="Courier New" pitchFamily="49" charset="0"/>
-                <a:cs typeface="Courier New" pitchFamily="49" charset="0"/>
-              </a:rPr>
-              <a:t>,</a:t>
-            </a:r>
-          </a:p>
-          <a:p>
-            <a:pPr>
-              <a:buNone/>
-            </a:pPr>
-            <a:r>
-              <a:rPr lang="en-US" b="1" dirty="0" smtClean="0">
-                <a:latin typeface="Courier New" pitchFamily="49" charset="0"/>
-                <a:cs typeface="Courier New" pitchFamily="49" charset="0"/>
-              </a:rPr>
-              <a:t>  </a:t>
-            </a:r>
-            <a:r>
-              <a:rPr lang="en-US" b="1" dirty="0" err="1" smtClean="0">
-                <a:latin typeface="Courier New" pitchFamily="49" charset="0"/>
-                <a:cs typeface="Courier New" pitchFamily="49" charset="0"/>
-              </a:rPr>
-              <a:t>sandiego.topeka</a:t>
-            </a:r>
-            <a:r>
-              <a:rPr lang="en-US" b="1" dirty="0" smtClean="0">
-                <a:latin typeface="Courier New" pitchFamily="49" charset="0"/>
-                <a:cs typeface="Courier New" pitchFamily="49" charset="0"/>
-              </a:rPr>
-              <a:t>, </a:t>
-            </a:r>
-            <a:r>
-              <a:rPr lang="en-US" b="1" dirty="0" err="1" smtClean="0">
-                <a:latin typeface="Courier New" pitchFamily="49" charset="0"/>
-                <a:cs typeface="Courier New" pitchFamily="49" charset="0"/>
-              </a:rPr>
-              <a:t>sandiego.chicago</a:t>
-            </a:r>
-            <a:r>
-              <a:rPr lang="en-US" b="1" dirty="0" smtClean="0">
-                <a:latin typeface="Courier New" pitchFamily="49" charset="0"/>
-                <a:cs typeface="Courier New" pitchFamily="49" charset="0"/>
-              </a:rPr>
-              <a:t> /;</a:t>
-            </a:r>
-          </a:p>
-          <a:p>
-            <a:pPr>
-              <a:buNone/>
-            </a:pPr>
-            <a:r>
-              <a:rPr lang="en-US" dirty="0" smtClean="0">
-                <a:latin typeface="Courier New" pitchFamily="49" charset="0"/>
-                <a:cs typeface="Courier New" pitchFamily="49" charset="0"/>
-              </a:rPr>
-              <a:t> </a:t>
-            </a:r>
-          </a:p>
-        </p:txBody>
-      </p:sp>
-      <p:sp>
-        <p:nvSpPr>
-          <p:cNvPr id="2" name="Title 1"/>
-          <p:cNvSpPr>
-            <a:spLocks noGrp="1"/>
-          </p:cNvSpPr>
-          <p:nvPr>
-            <p:ph type="title"/>
-          </p:nvPr>
-        </p:nvSpPr>
-        <p:spPr/>
-        <p:txBody>
-          <a:bodyPr/>
-          <a:lstStyle/>
-          <a:p>
-            <a:r>
-              <a:rPr lang="en-US" dirty="0" err="1" smtClean="0"/>
-              <a:t>Readgdx</a:t>
-            </a:r>
-            <a:r>
-              <a:rPr lang="en-US" dirty="0" smtClean="0"/>
-              <a:t> – full vs. sparse</a:t>
-            </a:r>
-            <a:endParaRPr lang="en-US" dirty="0"/>
-          </a:p>
-        </p:txBody>
-      </p:sp>
-      <p:sp>
-        <p:nvSpPr>
-          <p:cNvPr id="3" name="Slide Number Placeholder 2"/>
-          <p:cNvSpPr>
-            <a:spLocks noGrp="1"/>
-          </p:cNvSpPr>
-          <p:nvPr>
-            <p:ph type="sldNum" sz="quarter" idx="10"/>
-          </p:nvPr>
-        </p:nvSpPr>
-        <p:spPr/>
-        <p:txBody>
-          <a:bodyPr/>
-          <a:lstStyle/>
-          <a:p>
-            <a:pPr>
-              <a:defRPr/>
-            </a:pPr>
-            <a:fld id="{2647E525-4182-4002-B656-FEA25787BC0B}" type="slidenum">
-              <a:rPr lang="en-US" smtClean="0"/>
-              <a:pPr>
-                <a:defRPr/>
-              </a:pPr>
-              <a:t>24</a:t>
-            </a:fld>
-            <a:endParaRPr lang="en-US" dirty="0"/>
-          </a:p>
-        </p:txBody>
-      </p:sp>
-      <p:pic>
-        <p:nvPicPr>
-          <p:cNvPr id="550916" name="Picture 4"/>
-          <p:cNvPicPr>
-            <a:picLocks noChangeAspect="1" noChangeArrowheads="1"/>
-          </p:cNvPicPr>
-          <p:nvPr/>
-        </p:nvPicPr>
-        <p:blipFill>
-          <a:blip r:embed="rId2" cstate="print"/>
-          <a:srcRect l="5783" t="60488" r="23133" b="14634"/>
-          <a:stretch>
-            <a:fillRect/>
-          </a:stretch>
-        </p:blipFill>
-        <p:spPr bwMode="auto">
-          <a:xfrm>
-            <a:off x="541275" y="3794130"/>
-            <a:ext cx="3872304" cy="2008215"/>
-          </a:xfrm>
-          <a:prstGeom prst="rect">
-            <a:avLst/>
-          </a:prstGeom>
-          <a:noFill/>
-          <a:ln w="9525">
-            <a:noFill/>
-            <a:miter lim="800000"/>
-            <a:headEnd/>
-            <a:tailEnd/>
-          </a:ln>
-        </p:spPr>
-      </p:pic>
-      <p:sp>
-        <p:nvSpPr>
-          <p:cNvPr id="10" name="TextBox 9"/>
-          <p:cNvSpPr txBox="1"/>
-          <p:nvPr/>
-        </p:nvSpPr>
-        <p:spPr>
-          <a:xfrm>
-            <a:off x="884187" y="6094449"/>
-            <a:ext cx="3103605" cy="350865"/>
-          </a:xfrm>
-          <a:prstGeom prst="rect">
-            <a:avLst/>
-          </a:prstGeom>
-          <a:solidFill>
-            <a:schemeClr val="bg1"/>
-          </a:solidFill>
-        </p:spPr>
-        <p:txBody>
-          <a:bodyPr wrap="square" rtlCol="0">
-            <a:spAutoFit/>
-          </a:bodyPr>
-          <a:lstStyle/>
-          <a:p>
-            <a:r>
-              <a:rPr lang="en-US" sz="2400" b="0" dirty="0" smtClean="0">
-                <a:solidFill>
-                  <a:schemeClr val="tx1"/>
-                </a:solidFill>
-              </a:rPr>
-              <a:t>Full (</a:t>
-            </a:r>
-            <a:r>
-              <a:rPr lang="en-US" sz="2400" b="0" dirty="0" err="1" smtClean="0">
-                <a:solidFill>
-                  <a:schemeClr val="tx1"/>
-                </a:solidFill>
-              </a:rPr>
-              <a:t>i.e</a:t>
-            </a:r>
-            <a:r>
-              <a:rPr lang="en-US" sz="2400" b="0" dirty="0" smtClean="0">
-                <a:solidFill>
-                  <a:schemeClr val="tx1"/>
-                </a:solidFill>
-              </a:rPr>
-              <a:t> dense) result</a:t>
-            </a:r>
-            <a:r>
-              <a:rPr lang="en-US" sz="2400" dirty="0" smtClean="0">
-                <a:solidFill>
-                  <a:schemeClr val="tx1"/>
-                </a:solidFill>
-              </a:rPr>
-              <a:t> </a:t>
-            </a:r>
-            <a:endParaRPr lang="en-US" sz="2400" dirty="0">
-              <a:solidFill>
-                <a:schemeClr val="tx1"/>
-              </a:solidFill>
-            </a:endParaRPr>
-          </a:p>
-        </p:txBody>
-      </p:sp>
-      <p:sp>
-        <p:nvSpPr>
-          <p:cNvPr id="12" name="TextBox 11"/>
-          <p:cNvSpPr txBox="1"/>
-          <p:nvPr/>
-        </p:nvSpPr>
-        <p:spPr>
-          <a:xfrm>
-            <a:off x="5192721" y="6079333"/>
-            <a:ext cx="3103605" cy="356251"/>
-          </a:xfrm>
-          <a:prstGeom prst="rect">
-            <a:avLst/>
-          </a:prstGeom>
-          <a:solidFill>
-            <a:schemeClr val="bg1"/>
-          </a:solidFill>
-        </p:spPr>
-        <p:txBody>
-          <a:bodyPr wrap="square" rtlCol="0">
-            <a:spAutoFit/>
-          </a:bodyPr>
-          <a:lstStyle/>
-          <a:p>
-            <a:r>
-              <a:rPr lang="en-US" sz="2400" b="0" dirty="0" smtClean="0">
-                <a:solidFill>
-                  <a:schemeClr val="tx1"/>
-                </a:solidFill>
-              </a:rPr>
-              <a:t>Sparse result</a:t>
-            </a:r>
-            <a:r>
-              <a:rPr lang="en-US" sz="2400" dirty="0" smtClean="0">
-                <a:solidFill>
-                  <a:schemeClr val="tx1"/>
-                </a:solidFill>
-              </a:rPr>
-              <a:t> </a:t>
-            </a:r>
-            <a:endParaRPr lang="en-US" sz="2400" dirty="0">
-              <a:solidFill>
-                <a:schemeClr val="tx1"/>
-              </a:solidFill>
-            </a:endParaRPr>
-          </a:p>
-        </p:txBody>
-      </p:sp>
-      <p:pic>
-        <p:nvPicPr>
-          <p:cNvPr id="550918" name="Picture 6"/>
-          <p:cNvPicPr>
-            <a:picLocks noChangeAspect="1" noChangeArrowheads="1"/>
-          </p:cNvPicPr>
-          <p:nvPr/>
-        </p:nvPicPr>
-        <p:blipFill>
-          <a:blip r:embed="rId3" cstate="print"/>
-          <a:srcRect l="6254" t="51089" r="46906" b="16634"/>
-          <a:stretch>
-            <a:fillRect/>
-          </a:stretch>
-        </p:blipFill>
-        <p:spPr bwMode="auto">
-          <a:xfrm>
-            <a:off x="5594365" y="3713158"/>
-            <a:ext cx="2424592" cy="2198726"/>
-          </a:xfrm>
-          <a:prstGeom prst="rect">
-            <a:avLst/>
-          </a:prstGeom>
-          <a:noFill/>
-          <a:ln w="9525">
-            <a:noFill/>
-            <a:miter lim="800000"/>
-            <a:headEnd/>
-            <a:tailEnd/>
-          </a:ln>
-        </p:spPr>
-      </p:pic>
-    </p:spTree>
-  </p:cSld>
-  <p:clrMapOvr>
-    <a:masterClrMapping/>
-  </p:clrMapOvr>
-  <p:transition spd="med"/>
-  <p:timing>
-    <p:tnLst>
-      <p:par>
-        <p:cTn id="1" dur="indefinite" restart="never" nodeType="tmRoot"/>
-      </p:par>
-    </p:tnLst>
-  </p:timing>
-</p:sld>
-</file>
-
-<file path=ppt/slides/slide25.xml><?xml version="1.0" encoding="utf-8"?>
-<p:sld xmlns:a="http://schemas.openxmlformats.org/drawingml/2006/main" xmlns:r="http://schemas.openxmlformats.org/officeDocument/2006/relationships" xmlns:p="http://schemas.openxmlformats.org/presentationml/2006/main">
-  <p:cSld>
-    <p:spTree>
-      <p:nvGrpSpPr>
-        <p:cNvPr id="1" name=""/>
-        <p:cNvGrpSpPr/>
-        <p:nvPr/>
-      </p:nvGrpSpPr>
-      <p:grpSpPr>
-        <a:xfrm>
-          <a:off x="0" y="0"/>
-          <a:ext cx="0" cy="0"/>
-          <a:chOff x="0" y="0"/>
-          <a:chExt cx="0" cy="0"/>
-        </a:xfrm>
-      </p:grpSpPr>
-      <p:sp>
-        <p:nvSpPr>
-          <p:cNvPr id="5" name="Content Placeholder 4"/>
-          <p:cNvSpPr>
-            <a:spLocks noGrp="1"/>
-          </p:cNvSpPr>
-          <p:nvPr>
-            <p:ph idx="1"/>
-          </p:nvPr>
-        </p:nvSpPr>
-        <p:spPr/>
-        <p:txBody>
-          <a:bodyPr/>
-          <a:lstStyle/>
-          <a:p>
-            <a:r>
-              <a:rPr lang="en-US" dirty="0" smtClean="0"/>
-              <a:t>A filter is a list of labels - values whose labels are outside of this list are ignored.</a:t>
-            </a:r>
-          </a:p>
-          <a:p>
-            <a:r>
-              <a:rPr lang="en-US" dirty="0" smtClean="0"/>
-              <a:t>Filters are specified using the </a:t>
-            </a:r>
-            <a:r>
-              <a:rPr lang="en-US" b="1" dirty="0" err="1" smtClean="0">
-                <a:latin typeface="Courier New" pitchFamily="49" charset="0"/>
-                <a:cs typeface="Courier New" pitchFamily="49" charset="0"/>
-              </a:rPr>
-              <a:t>uels</a:t>
-            </a:r>
-            <a:r>
-              <a:rPr lang="en-US" dirty="0" smtClean="0">
-                <a:cs typeface="Courier New" pitchFamily="49" charset="0"/>
-              </a:rPr>
-              <a:t> field of the options</a:t>
-            </a:r>
-            <a:endParaRPr lang="en-US" dirty="0" smtClean="0"/>
-          </a:p>
-          <a:p>
-            <a:pPr lvl="1"/>
-            <a:r>
-              <a:rPr lang="en-US" dirty="0" smtClean="0"/>
-              <a:t>Each dimension has its own filter</a:t>
-            </a:r>
-          </a:p>
-          <a:p>
-            <a:pPr lvl="1"/>
-            <a:r>
-              <a:rPr lang="en-US" dirty="0" smtClean="0"/>
-              <a:t>To filter nothing out, use the universe as a filter</a:t>
-            </a:r>
-          </a:p>
-          <a:p>
-            <a:pPr lvl="1"/>
-            <a:r>
-              <a:rPr lang="en-US" dirty="0" smtClean="0"/>
-              <a:t>The result </a:t>
-            </a:r>
-            <a:r>
-              <a:rPr lang="en-US" b="1" dirty="0" err="1" smtClean="0">
-                <a:latin typeface="Courier New" pitchFamily="49" charset="0"/>
-                <a:cs typeface="Courier New" pitchFamily="49" charset="0"/>
-              </a:rPr>
-              <a:t>uels</a:t>
-            </a:r>
-            <a:r>
-              <a:rPr lang="en-US" dirty="0" smtClean="0">
-                <a:cs typeface="Courier New" pitchFamily="49" charset="0"/>
-              </a:rPr>
-              <a:t> field duplicates the input options</a:t>
-            </a:r>
-            <a:endParaRPr lang="en-US" dirty="0" smtClean="0"/>
-          </a:p>
-          <a:p>
-            <a:r>
-              <a:rPr lang="en-US" dirty="0" smtClean="0"/>
-              <a:t>Filters provide additional flexibility</a:t>
-            </a:r>
-          </a:p>
-          <a:p>
-            <a:pPr lvl="1"/>
-            <a:r>
-              <a:rPr lang="en-US" dirty="0" smtClean="0"/>
-              <a:t>E.g. compressed reads remove all zero rows/cols</a:t>
-            </a:r>
-          </a:p>
-          <a:p>
-            <a:pPr lvl="1"/>
-            <a:r>
-              <a:rPr lang="en-US" dirty="0" smtClean="0"/>
-              <a:t>Filters can reorder data as well as filter it</a:t>
-            </a:r>
-            <a:endParaRPr lang="en-US" dirty="0"/>
-          </a:p>
-        </p:txBody>
-      </p:sp>
-      <p:sp>
-        <p:nvSpPr>
-          <p:cNvPr id="2" name="Title 1"/>
-          <p:cNvSpPr>
-            <a:spLocks noGrp="1"/>
-          </p:cNvSpPr>
-          <p:nvPr>
-            <p:ph type="title"/>
-          </p:nvPr>
-        </p:nvSpPr>
-        <p:spPr/>
-        <p:txBody>
-          <a:bodyPr/>
-          <a:lstStyle/>
-          <a:p>
-            <a:r>
-              <a:rPr lang="en-US" dirty="0" err="1" smtClean="0"/>
-              <a:t>Readgdx</a:t>
-            </a:r>
-            <a:r>
-              <a:rPr lang="en-US" dirty="0" smtClean="0"/>
-              <a:t> – filtered reads</a:t>
-            </a:r>
-            <a:endParaRPr lang="en-US" dirty="0"/>
-          </a:p>
-        </p:txBody>
-      </p:sp>
-      <p:sp>
-        <p:nvSpPr>
-          <p:cNvPr id="3" name="Slide Number Placeholder 2"/>
-          <p:cNvSpPr>
-            <a:spLocks noGrp="1"/>
-          </p:cNvSpPr>
-          <p:nvPr>
-            <p:ph type="sldNum" sz="quarter" idx="10"/>
-          </p:nvPr>
-        </p:nvSpPr>
-        <p:spPr/>
-        <p:txBody>
-          <a:bodyPr/>
-          <a:lstStyle/>
-          <a:p>
-            <a:pPr>
-              <a:defRPr/>
-            </a:pPr>
-            <a:fld id="{2647E525-4182-4002-B656-FEA25787BC0B}" type="slidenum">
-              <a:rPr lang="en-US" smtClean="0"/>
-              <a:pPr>
-                <a:defRPr/>
-              </a:pPr>
-              <a:t>25</a:t>
-            </a:fld>
-            <a:endParaRPr lang="en-US" dirty="0"/>
-          </a:p>
-        </p:txBody>
-      </p:sp>
-    </p:spTree>
-  </p:cSld>
-  <p:clrMapOvr>
-    <a:masterClrMapping/>
-  </p:clrMapOvr>
-  <p:transition spd="med"/>
-  <p:timing>
-    <p:tnLst>
-      <p:par>
-        <p:cTn id="1" dur="indefinite" restart="never" nodeType="tmRoot"/>
-      </p:par>
-    </p:tnLst>
-  </p:timing>
-</p:sld>
-</file>
-
-<file path=ppt/slides/slide26.xml><?xml version="1.0" encoding="utf-8"?>
-<p:sld xmlns:a="http://schemas.openxmlformats.org/drawingml/2006/main" xmlns:r="http://schemas.openxmlformats.org/officeDocument/2006/relationships" xmlns:p="http://schemas.openxmlformats.org/presentationml/2006/main">
-  <p:cSld>
-    <p:spTree>
-      <p:nvGrpSpPr>
-        <p:cNvPr id="1" name=""/>
-        <p:cNvGrpSpPr/>
-        <p:nvPr/>
-      </p:nvGrpSpPr>
-      <p:grpSpPr>
-        <a:xfrm>
-          <a:off x="0" y="0"/>
-          <a:ext cx="0" cy="0"/>
-          <a:chOff x="0" y="0"/>
-          <a:chExt cx="0" cy="0"/>
-        </a:xfrm>
-      </p:grpSpPr>
-      <p:sp>
-        <p:nvSpPr>
-          <p:cNvPr id="4" name="Content Placeholder 3"/>
-          <p:cNvSpPr>
-            <a:spLocks noGrp="1"/>
-          </p:cNvSpPr>
-          <p:nvPr>
-            <p:ph idx="1"/>
-          </p:nvPr>
-        </p:nvSpPr>
-        <p:spPr/>
-        <p:txBody>
-          <a:bodyPr/>
-          <a:lstStyle/>
-          <a:p>
-            <a:r>
-              <a:rPr lang="en-US" dirty="0" smtClean="0"/>
-              <a:t>The </a:t>
-            </a:r>
-            <a:r>
-              <a:rPr lang="en-US" dirty="0" err="1" smtClean="0"/>
-              <a:t>Matlab</a:t>
-            </a:r>
-            <a:r>
-              <a:rPr lang="en-US" dirty="0" smtClean="0"/>
-              <a:t> code below does a filtered read on our example data, returning an empty set.</a:t>
-            </a:r>
-          </a:p>
-          <a:p>
-            <a:endParaRPr lang="en-US" dirty="0" smtClean="0"/>
-          </a:p>
-          <a:p>
-            <a:pPr>
-              <a:buNone/>
-            </a:pPr>
-            <a:r>
-              <a:rPr lang="en-US" b="1" dirty="0" smtClean="0">
-                <a:latin typeface="Courier New" pitchFamily="49" charset="0"/>
-                <a:cs typeface="Courier New" pitchFamily="49" charset="0"/>
-              </a:rPr>
-              <a:t>o.name = 'link';</a:t>
-            </a:r>
-          </a:p>
-          <a:p>
-            <a:pPr>
-              <a:buNone/>
-            </a:pPr>
-            <a:r>
-              <a:rPr lang="en-US" b="1" dirty="0" err="1" smtClean="0">
-                <a:latin typeface="Courier New" pitchFamily="49" charset="0"/>
-                <a:cs typeface="Courier New" pitchFamily="49" charset="0"/>
-              </a:rPr>
-              <a:t>dom</a:t>
-            </a:r>
-            <a:r>
-              <a:rPr lang="en-US" b="1" dirty="0" smtClean="0">
-                <a:latin typeface="Courier New" pitchFamily="49" charset="0"/>
-                <a:cs typeface="Courier New" pitchFamily="49" charset="0"/>
-              </a:rPr>
-              <a:t> = cell(1,2);</a:t>
-            </a:r>
-          </a:p>
-          <a:p>
-            <a:pPr>
-              <a:buNone/>
-            </a:pPr>
-            <a:r>
-              <a:rPr lang="en-US" b="1" dirty="0" err="1" smtClean="0">
-                <a:latin typeface="Courier New" pitchFamily="49" charset="0"/>
-                <a:cs typeface="Courier New" pitchFamily="49" charset="0"/>
-              </a:rPr>
-              <a:t>dom</a:t>
-            </a:r>
-            <a:r>
-              <a:rPr lang="en-US" b="1" dirty="0" smtClean="0">
-                <a:latin typeface="Courier New" pitchFamily="49" charset="0"/>
-                <a:cs typeface="Courier New" pitchFamily="49" charset="0"/>
-              </a:rPr>
-              <a:t>{1} = { '</a:t>
-            </a:r>
-            <a:r>
-              <a:rPr lang="en-US" b="1" dirty="0" err="1" smtClean="0">
-                <a:latin typeface="Courier New" pitchFamily="49" charset="0"/>
-                <a:cs typeface="Courier New" pitchFamily="49" charset="0"/>
-              </a:rPr>
-              <a:t>chicago','topeka</a:t>
-            </a:r>
-            <a:r>
-              <a:rPr lang="en-US" b="1" dirty="0" smtClean="0">
-                <a:latin typeface="Courier New" pitchFamily="49" charset="0"/>
-                <a:cs typeface="Courier New" pitchFamily="49" charset="0"/>
-              </a:rPr>
-              <a:t>' };</a:t>
-            </a:r>
-          </a:p>
-          <a:p>
-            <a:pPr>
-              <a:buNone/>
-            </a:pPr>
-            <a:r>
-              <a:rPr lang="en-US" b="1" dirty="0" err="1" smtClean="0">
-                <a:latin typeface="Courier New" pitchFamily="49" charset="0"/>
-                <a:cs typeface="Courier New" pitchFamily="49" charset="0"/>
-              </a:rPr>
-              <a:t>dom</a:t>
-            </a:r>
-            <a:r>
-              <a:rPr lang="en-US" b="1" dirty="0" smtClean="0">
-                <a:latin typeface="Courier New" pitchFamily="49" charset="0"/>
-                <a:cs typeface="Courier New" pitchFamily="49" charset="0"/>
-              </a:rPr>
-              <a:t>{2} = { '</a:t>
-            </a:r>
-            <a:r>
-              <a:rPr lang="en-US" b="1" dirty="0" err="1" smtClean="0">
-                <a:latin typeface="Courier New" pitchFamily="49" charset="0"/>
-                <a:cs typeface="Courier New" pitchFamily="49" charset="0"/>
-              </a:rPr>
-              <a:t>seattle','sandiego</a:t>
-            </a:r>
-            <a:r>
-              <a:rPr lang="en-US" b="1" dirty="0" smtClean="0">
-                <a:latin typeface="Courier New" pitchFamily="49" charset="0"/>
-                <a:cs typeface="Courier New" pitchFamily="49" charset="0"/>
-              </a:rPr>
-              <a:t>' };</a:t>
-            </a:r>
-          </a:p>
-          <a:p>
-            <a:pPr>
-              <a:buNone/>
-            </a:pPr>
-            <a:r>
-              <a:rPr lang="en-US" b="1" dirty="0" err="1" smtClean="0">
-                <a:latin typeface="Courier New" pitchFamily="49" charset="0"/>
-                <a:cs typeface="Courier New" pitchFamily="49" charset="0"/>
-              </a:rPr>
-              <a:t>o.uels</a:t>
-            </a:r>
-            <a:r>
-              <a:rPr lang="en-US" b="1" dirty="0" smtClean="0">
-                <a:latin typeface="Courier New" pitchFamily="49" charset="0"/>
-                <a:cs typeface="Courier New" pitchFamily="49" charset="0"/>
-              </a:rPr>
-              <a:t> = </a:t>
-            </a:r>
-            <a:r>
-              <a:rPr lang="en-US" b="1" dirty="0" err="1" smtClean="0">
-                <a:latin typeface="Courier New" pitchFamily="49" charset="0"/>
-                <a:cs typeface="Courier New" pitchFamily="49" charset="0"/>
-              </a:rPr>
-              <a:t>dom</a:t>
-            </a:r>
-            <a:r>
-              <a:rPr lang="en-US" b="1" dirty="0" smtClean="0">
-                <a:latin typeface="Courier New" pitchFamily="49" charset="0"/>
-                <a:cs typeface="Courier New" pitchFamily="49" charset="0"/>
-              </a:rPr>
-              <a:t>;</a:t>
-            </a:r>
-          </a:p>
-          <a:p>
-            <a:pPr>
-              <a:buNone/>
-            </a:pPr>
-            <a:r>
-              <a:rPr lang="en-US" b="1" dirty="0" smtClean="0">
-                <a:latin typeface="Courier New" pitchFamily="49" charset="0"/>
-                <a:cs typeface="Courier New" pitchFamily="49" charset="0"/>
-              </a:rPr>
-              <a:t>r = </a:t>
-            </a:r>
-            <a:r>
-              <a:rPr lang="en-US" b="1" dirty="0" err="1" smtClean="0">
-                <a:latin typeface="Courier New" pitchFamily="49" charset="0"/>
-                <a:cs typeface="Courier New" pitchFamily="49" charset="0"/>
-              </a:rPr>
-              <a:t>rgdx</a:t>
-            </a:r>
-            <a:r>
-              <a:rPr lang="en-US" b="1" dirty="0" smtClean="0">
-                <a:latin typeface="Courier New" pitchFamily="49" charset="0"/>
-                <a:cs typeface="Courier New" pitchFamily="49" charset="0"/>
-              </a:rPr>
-              <a:t>('</a:t>
-            </a:r>
-            <a:r>
-              <a:rPr lang="en-US" b="1" dirty="0" err="1" smtClean="0">
-                <a:latin typeface="Courier New" pitchFamily="49" charset="0"/>
-                <a:cs typeface="Courier New" pitchFamily="49" charset="0"/>
-              </a:rPr>
-              <a:t>rgdx.gdx',o</a:t>
-            </a:r>
-            <a:r>
-              <a:rPr lang="en-US" b="1" dirty="0" smtClean="0">
-                <a:latin typeface="Courier New" pitchFamily="49" charset="0"/>
-                <a:cs typeface="Courier New" pitchFamily="49" charset="0"/>
-              </a:rPr>
-              <a:t>);</a:t>
-            </a:r>
-          </a:p>
-          <a:p>
-            <a:pPr>
-              <a:buNone/>
-            </a:pPr>
-            <a:r>
-              <a:rPr lang="en-US" smtClean="0"/>
-              <a:t> </a:t>
-            </a:r>
-            <a:endParaRPr lang="en-US" dirty="0"/>
-          </a:p>
-        </p:txBody>
-      </p:sp>
-      <p:sp>
-        <p:nvSpPr>
-          <p:cNvPr id="2" name="Title 1"/>
-          <p:cNvSpPr>
-            <a:spLocks noGrp="1"/>
-          </p:cNvSpPr>
-          <p:nvPr>
-            <p:ph type="title"/>
-          </p:nvPr>
-        </p:nvSpPr>
-        <p:spPr/>
-        <p:txBody>
-          <a:bodyPr/>
-          <a:lstStyle/>
-          <a:p>
-            <a:r>
-              <a:rPr lang="en-US" dirty="0" err="1" smtClean="0"/>
-              <a:t>Readgdx</a:t>
-            </a:r>
-            <a:r>
-              <a:rPr lang="en-US" dirty="0" smtClean="0"/>
-              <a:t> – filtered reads</a:t>
-            </a:r>
-            <a:endParaRPr lang="en-US" dirty="0"/>
-          </a:p>
-        </p:txBody>
-      </p:sp>
-      <p:sp>
-        <p:nvSpPr>
-          <p:cNvPr id="3" name="Slide Number Placeholder 2"/>
-          <p:cNvSpPr>
-            <a:spLocks noGrp="1"/>
-          </p:cNvSpPr>
-          <p:nvPr>
-            <p:ph type="sldNum" sz="quarter" idx="10"/>
-          </p:nvPr>
-        </p:nvSpPr>
-        <p:spPr/>
-        <p:txBody>
-          <a:bodyPr/>
-          <a:lstStyle/>
-          <a:p>
-            <a:pPr>
-              <a:defRPr/>
-            </a:pPr>
-            <a:fld id="{2647E525-4182-4002-B656-FEA25787BC0B}" type="slidenum">
-              <a:rPr lang="en-US" smtClean="0"/>
-              <a:pPr>
-                <a:defRPr/>
-              </a:pPr>
-              <a:t>26</a:t>
-            </a:fld>
-            <a:endParaRPr lang="en-US" dirty="0"/>
-          </a:p>
-        </p:txBody>
-      </p:sp>
-    </p:spTree>
-  </p:cSld>
-  <p:clrMapOvr>
-    <a:masterClrMapping/>
-  </p:clrMapOvr>
-  <p:transition spd="med"/>
-  <p:timing>
-    <p:tnLst>
-      <p:par>
-        <p:cTn id="1" dur="indefinite" restart="never" nodeType="tmRoot"/>
-      </p:par>
-    </p:tnLst>
-  </p:timing>
-</p:sld>
-</file>
-
-<file path=ppt/slides/slide27.xml><?xml version="1.0" encoding="utf-8"?>
-<p:sld xmlns:a="http://schemas.openxmlformats.org/drawingml/2006/main" xmlns:r="http://schemas.openxmlformats.org/officeDocument/2006/relationships" xmlns:p="http://schemas.openxmlformats.org/presentationml/2006/main">
-  <p:cSld>
-    <p:spTree>
-      <p:nvGrpSpPr>
-        <p:cNvPr id="1" name=""/>
-        <p:cNvGrpSpPr/>
-        <p:nvPr/>
-      </p:nvGrpSpPr>
-      <p:grpSpPr>
-        <a:xfrm>
-          <a:off x="0" y="0"/>
-          <a:ext cx="0" cy="0"/>
-          <a:chOff x="0" y="0"/>
-          <a:chExt cx="0" cy="0"/>
-        </a:xfrm>
-      </p:grpSpPr>
-      <p:sp>
-        <p:nvSpPr>
-          <p:cNvPr id="2" name="Title 1"/>
-          <p:cNvSpPr>
-            <a:spLocks noGrp="1"/>
-          </p:cNvSpPr>
-          <p:nvPr>
-            <p:ph type="title"/>
-          </p:nvPr>
-        </p:nvSpPr>
-        <p:spPr/>
-        <p:txBody>
-          <a:bodyPr/>
-          <a:lstStyle/>
-          <a:p>
-            <a:r>
-              <a:rPr lang="en-US" dirty="0" smtClean="0"/>
-              <a:t>A Difficult Model</a:t>
-            </a:r>
-            <a:endParaRPr lang="en-US" dirty="0"/>
-          </a:p>
-        </p:txBody>
-      </p:sp>
-      <p:sp>
-        <p:nvSpPr>
-          <p:cNvPr id="3" name="Slide Number Placeholder 2"/>
-          <p:cNvSpPr>
-            <a:spLocks noGrp="1"/>
-          </p:cNvSpPr>
-          <p:nvPr>
-            <p:ph type="sldNum" sz="quarter" idx="10"/>
-          </p:nvPr>
-        </p:nvSpPr>
-        <p:spPr/>
-        <p:txBody>
-          <a:bodyPr/>
-          <a:lstStyle/>
-          <a:p>
-            <a:pPr>
-              <a:defRPr/>
-            </a:pPr>
-            <a:fld id="{2647E525-4182-4002-B656-FEA25787BC0B}" type="slidenum">
-              <a:rPr lang="en-US" smtClean="0"/>
-              <a:pPr>
-                <a:defRPr/>
-              </a:pPr>
-              <a:t>27</a:t>
-            </a:fld>
-            <a:endParaRPr lang="en-US" dirty="0"/>
-          </a:p>
-        </p:txBody>
-      </p:sp>
-      <p:pic>
-        <p:nvPicPr>
-          <p:cNvPr id="558082" name="Picture 2"/>
-          <p:cNvPicPr>
-            <a:picLocks noChangeAspect="1" noChangeArrowheads="1"/>
-          </p:cNvPicPr>
-          <p:nvPr/>
-        </p:nvPicPr>
-        <p:blipFill>
-          <a:blip r:embed="rId2" cstate="print"/>
-          <a:srcRect l="5486" t="14629" r="26743" b="8229"/>
-          <a:stretch>
-            <a:fillRect/>
-          </a:stretch>
-        </p:blipFill>
-        <p:spPr bwMode="auto">
-          <a:xfrm>
-            <a:off x="1504906" y="1555752"/>
-            <a:ext cx="6207211" cy="5299256"/>
-          </a:xfrm>
-          <a:prstGeom prst="rect">
-            <a:avLst/>
-          </a:prstGeom>
-          <a:noFill/>
-          <a:ln w="9525">
-            <a:noFill/>
-            <a:miter lim="800000"/>
-            <a:headEnd/>
-            <a:tailEnd/>
-          </a:ln>
-        </p:spPr>
-      </p:pic>
-    </p:spTree>
-  </p:cSld>
-  <p:clrMapOvr>
-    <a:masterClrMapping/>
-  </p:clrMapOvr>
-  <p:transition spd="med"/>
-</p:sld>
-</file>
-
-<file path=ppt/slides/slide28.xml><?xml version="1.0" encoding="utf-8"?>
-<p:sld xmlns:a="http://schemas.openxmlformats.org/drawingml/2006/main" xmlns:r="http://schemas.openxmlformats.org/officeDocument/2006/relationships" xmlns:p="http://schemas.openxmlformats.org/presentationml/2006/main">
-  <p:cSld>
-    <p:spTree>
-      <p:nvGrpSpPr>
-        <p:cNvPr id="1" name=""/>
-        <p:cNvGrpSpPr/>
-        <p:nvPr/>
-      </p:nvGrpSpPr>
-      <p:grpSpPr>
-        <a:xfrm>
-          <a:off x="0" y="0"/>
-          <a:ext cx="0" cy="0"/>
-          <a:chOff x="0" y="0"/>
-          <a:chExt cx="0" cy="0"/>
-        </a:xfrm>
-      </p:grpSpPr>
-      <p:sp>
-        <p:nvSpPr>
-          <p:cNvPr id="4" name="Content Placeholder 3"/>
-          <p:cNvSpPr>
-            <a:spLocks noGrp="1"/>
-          </p:cNvSpPr>
-          <p:nvPr>
-            <p:ph idx="1"/>
-          </p:nvPr>
-        </p:nvSpPr>
-        <p:spPr/>
-        <p:txBody>
-          <a:bodyPr/>
-          <a:lstStyle/>
-          <a:p>
-            <a:r>
-              <a:rPr lang="en-US" dirty="0" smtClean="0"/>
-              <a:t>Use CONVERT to dump the </a:t>
-            </a:r>
-            <a:r>
-              <a:rPr lang="en-US" dirty="0" err="1" smtClean="0"/>
-              <a:t>Jacobian</a:t>
-            </a:r>
-            <a:r>
-              <a:rPr lang="en-US" dirty="0" smtClean="0"/>
-              <a:t> to GDX</a:t>
-            </a:r>
-          </a:p>
-          <a:p>
-            <a:r>
-              <a:rPr lang="en-US" dirty="0" smtClean="0"/>
-              <a:t>A few </a:t>
-            </a:r>
-            <a:r>
-              <a:rPr lang="en-US" dirty="0" err="1" smtClean="0"/>
-              <a:t>Matlab</a:t>
-            </a:r>
-            <a:r>
-              <a:rPr lang="en-US" dirty="0" smtClean="0"/>
-              <a:t> lines give us an interesting picture</a:t>
-            </a:r>
-          </a:p>
-          <a:p>
-            <a:pPr>
-              <a:buNone/>
-            </a:pPr>
-            <a:endParaRPr lang="en-US" dirty="0" smtClean="0"/>
-          </a:p>
-          <a:p>
-            <a:pPr>
-              <a:buNone/>
-            </a:pPr>
-            <a:r>
-              <a:rPr lang="en-US" sz="2000" b="1" dirty="0" smtClean="0">
-                <a:latin typeface="Courier New" pitchFamily="49" charset="0"/>
-                <a:cs typeface="Courier New" pitchFamily="49" charset="0"/>
-              </a:rPr>
-              <a:t>u = </a:t>
-            </a:r>
-            <a:r>
-              <a:rPr lang="en-US" sz="2000" b="1" dirty="0" err="1" smtClean="0">
-                <a:latin typeface="Courier New" pitchFamily="49" charset="0"/>
-                <a:cs typeface="Courier New" pitchFamily="49" charset="0"/>
-              </a:rPr>
-              <a:t>readgdx</a:t>
-            </a:r>
-            <a:r>
-              <a:rPr lang="en-US" sz="2000" b="1" dirty="0" smtClean="0">
-                <a:latin typeface="Courier New" pitchFamily="49" charset="0"/>
-                <a:cs typeface="Courier New" pitchFamily="49" charset="0"/>
-              </a:rPr>
-              <a:t>('dyngame.gdx');     universe = </a:t>
-            </a:r>
-            <a:r>
-              <a:rPr lang="en-US" sz="2000" b="1" dirty="0" err="1" smtClean="0">
-                <a:latin typeface="Courier New" pitchFamily="49" charset="0"/>
-                <a:cs typeface="Courier New" pitchFamily="49" charset="0"/>
-              </a:rPr>
-              <a:t>u.uels</a:t>
-            </a:r>
-            <a:r>
-              <a:rPr lang="en-US" sz="2000" b="1" dirty="0" smtClean="0">
-                <a:latin typeface="Courier New" pitchFamily="49" charset="0"/>
-                <a:cs typeface="Courier New" pitchFamily="49" charset="0"/>
-              </a:rPr>
-              <a:t>;</a:t>
-            </a:r>
-          </a:p>
-          <a:p>
-            <a:pPr>
-              <a:buNone/>
-            </a:pPr>
-            <a:r>
-              <a:rPr lang="en-US" sz="2000" b="1" dirty="0" smtClean="0">
-                <a:latin typeface="Courier New" pitchFamily="49" charset="0"/>
-                <a:cs typeface="Courier New" pitchFamily="49" charset="0"/>
-              </a:rPr>
-              <a:t>rFlags.name = 'I';</a:t>
-            </a:r>
-          </a:p>
-          <a:p>
-            <a:pPr>
-              <a:buNone/>
-            </a:pPr>
-            <a:r>
-              <a:rPr lang="en-US" sz="2000" b="1" dirty="0" err="1" smtClean="0">
-                <a:latin typeface="Courier New" pitchFamily="49" charset="0"/>
-                <a:cs typeface="Courier New" pitchFamily="49" charset="0"/>
-              </a:rPr>
-              <a:t>i</a:t>
-            </a:r>
-            <a:r>
-              <a:rPr lang="en-US" sz="2000" b="1" dirty="0" smtClean="0">
-                <a:latin typeface="Courier New" pitchFamily="49" charset="0"/>
-                <a:cs typeface="Courier New" pitchFamily="49" charset="0"/>
-              </a:rPr>
-              <a:t> = </a:t>
-            </a:r>
-            <a:r>
-              <a:rPr lang="en-US" sz="2000" b="1" dirty="0" err="1" smtClean="0">
-                <a:latin typeface="Courier New" pitchFamily="49" charset="0"/>
-                <a:cs typeface="Courier New" pitchFamily="49" charset="0"/>
-              </a:rPr>
-              <a:t>readgdx</a:t>
-            </a:r>
-            <a:r>
-              <a:rPr lang="en-US" sz="2000" b="1" dirty="0" smtClean="0">
-                <a:latin typeface="Courier New" pitchFamily="49" charset="0"/>
-                <a:cs typeface="Courier New" pitchFamily="49" charset="0"/>
-              </a:rPr>
-              <a:t>('</a:t>
-            </a:r>
-            <a:r>
-              <a:rPr lang="en-US" sz="2000" b="1" dirty="0" err="1" smtClean="0">
-                <a:latin typeface="Courier New" pitchFamily="49" charset="0"/>
-                <a:cs typeface="Courier New" pitchFamily="49" charset="0"/>
-              </a:rPr>
-              <a:t>dyngame.gdx',rFlags</a:t>
-            </a:r>
-            <a:r>
-              <a:rPr lang="en-US" sz="2000" b="1" dirty="0" smtClean="0">
-                <a:latin typeface="Courier New" pitchFamily="49" charset="0"/>
-                <a:cs typeface="Courier New" pitchFamily="49" charset="0"/>
-              </a:rPr>
-              <a:t>);</a:t>
-            </a:r>
-          </a:p>
-          <a:p>
-            <a:pPr>
-              <a:buNone/>
-            </a:pPr>
-            <a:r>
-              <a:rPr lang="en-US" sz="2000" b="1" dirty="0" smtClean="0">
-                <a:latin typeface="Courier New" pitchFamily="49" charset="0"/>
-                <a:cs typeface="Courier New" pitchFamily="49" charset="0"/>
-              </a:rPr>
-              <a:t>rFlags.name = 'J';</a:t>
-            </a:r>
-          </a:p>
-          <a:p>
-            <a:pPr>
-              <a:buNone/>
-            </a:pPr>
-            <a:r>
-              <a:rPr lang="en-US" sz="2000" b="1" dirty="0" smtClean="0">
-                <a:latin typeface="Courier New" pitchFamily="49" charset="0"/>
-                <a:cs typeface="Courier New" pitchFamily="49" charset="0"/>
-              </a:rPr>
-              <a:t>j = </a:t>
-            </a:r>
-            <a:r>
-              <a:rPr lang="en-US" sz="2000" b="1" dirty="0" err="1" smtClean="0">
-                <a:latin typeface="Courier New" pitchFamily="49" charset="0"/>
-                <a:cs typeface="Courier New" pitchFamily="49" charset="0"/>
-              </a:rPr>
-              <a:t>readgdx</a:t>
-            </a:r>
-            <a:r>
-              <a:rPr lang="en-US" sz="2000" b="1" dirty="0" smtClean="0">
-                <a:latin typeface="Courier New" pitchFamily="49" charset="0"/>
-                <a:cs typeface="Courier New" pitchFamily="49" charset="0"/>
-              </a:rPr>
-              <a:t>('</a:t>
-            </a:r>
-            <a:r>
-              <a:rPr lang="en-US" sz="2000" b="1" dirty="0" err="1" smtClean="0">
-                <a:latin typeface="Courier New" pitchFamily="49" charset="0"/>
-                <a:cs typeface="Courier New" pitchFamily="49" charset="0"/>
-              </a:rPr>
-              <a:t>dyngame.gdx',rFlags</a:t>
-            </a:r>
-            <a:r>
-              <a:rPr lang="en-US" sz="2000" b="1" dirty="0" smtClean="0">
-                <a:latin typeface="Courier New" pitchFamily="49" charset="0"/>
-                <a:cs typeface="Courier New" pitchFamily="49" charset="0"/>
-              </a:rPr>
-              <a:t>);</a:t>
-            </a:r>
-          </a:p>
-          <a:p>
-            <a:pPr>
-              <a:buNone/>
-            </a:pPr>
-            <a:r>
-              <a:rPr lang="en-US" sz="2000" b="1" dirty="0" err="1" smtClean="0">
-                <a:latin typeface="Courier New" pitchFamily="49" charset="0"/>
-                <a:cs typeface="Courier New" pitchFamily="49" charset="0"/>
-              </a:rPr>
-              <a:t>Adom</a:t>
-            </a:r>
-            <a:r>
-              <a:rPr lang="en-US" sz="2000" b="1" dirty="0" smtClean="0">
-                <a:latin typeface="Courier New" pitchFamily="49" charset="0"/>
-                <a:cs typeface="Courier New" pitchFamily="49" charset="0"/>
-              </a:rPr>
-              <a:t>{1} = {universe{i.val}};</a:t>
-            </a:r>
-          </a:p>
-          <a:p>
-            <a:pPr>
-              <a:buNone/>
-            </a:pPr>
-            <a:r>
-              <a:rPr lang="en-US" sz="2000" b="1" dirty="0" err="1" smtClean="0">
-                <a:latin typeface="Courier New" pitchFamily="49" charset="0"/>
-                <a:cs typeface="Courier New" pitchFamily="49" charset="0"/>
-              </a:rPr>
-              <a:t>Adom</a:t>
-            </a:r>
-            <a:r>
-              <a:rPr lang="en-US" sz="2000" b="1" dirty="0" smtClean="0">
-                <a:latin typeface="Courier New" pitchFamily="49" charset="0"/>
-                <a:cs typeface="Courier New" pitchFamily="49" charset="0"/>
-              </a:rPr>
-              <a:t>{2} = {universe{j.val}};</a:t>
-            </a:r>
-          </a:p>
-          <a:p>
-            <a:pPr>
-              <a:buNone/>
-            </a:pPr>
-            <a:r>
-              <a:rPr lang="en-US" sz="2000" b="1" dirty="0" smtClean="0">
-                <a:latin typeface="Courier New" pitchFamily="49" charset="0"/>
-                <a:cs typeface="Courier New" pitchFamily="49" charset="0"/>
-              </a:rPr>
-              <a:t>rFlags.name = 'A';</a:t>
-            </a:r>
-          </a:p>
-          <a:p>
-            <a:pPr>
-              <a:buNone/>
-            </a:pPr>
-            <a:r>
-              <a:rPr lang="en-US" sz="2000" b="1" dirty="0" err="1" smtClean="0">
-                <a:latin typeface="Courier New" pitchFamily="49" charset="0"/>
-                <a:cs typeface="Courier New" pitchFamily="49" charset="0"/>
-              </a:rPr>
-              <a:t>rFlags.uels</a:t>
-            </a:r>
-            <a:r>
-              <a:rPr lang="en-US" sz="2000" b="1" dirty="0" smtClean="0">
-                <a:latin typeface="Courier New" pitchFamily="49" charset="0"/>
-                <a:cs typeface="Courier New" pitchFamily="49" charset="0"/>
-              </a:rPr>
-              <a:t> = </a:t>
-            </a:r>
-            <a:r>
-              <a:rPr lang="en-US" sz="2000" b="1" dirty="0" err="1" smtClean="0">
-                <a:latin typeface="Courier New" pitchFamily="49" charset="0"/>
-                <a:cs typeface="Courier New" pitchFamily="49" charset="0"/>
-              </a:rPr>
-              <a:t>Adom</a:t>
-            </a:r>
-            <a:r>
-              <a:rPr lang="en-US" sz="2000" b="1" dirty="0" smtClean="0">
-                <a:latin typeface="Courier New" pitchFamily="49" charset="0"/>
-                <a:cs typeface="Courier New" pitchFamily="49" charset="0"/>
-              </a:rPr>
-              <a:t>;</a:t>
-            </a:r>
-          </a:p>
-          <a:p>
-            <a:pPr>
-              <a:buNone/>
-            </a:pPr>
-            <a:r>
-              <a:rPr lang="en-US" sz="2000" b="1" dirty="0" err="1" smtClean="0">
-                <a:latin typeface="Courier New" pitchFamily="49" charset="0"/>
-                <a:cs typeface="Courier New" pitchFamily="49" charset="0"/>
-              </a:rPr>
-              <a:t>rFlags.form</a:t>
-            </a:r>
-            <a:r>
-              <a:rPr lang="en-US" sz="2000" b="1" dirty="0" smtClean="0">
-                <a:latin typeface="Courier New" pitchFamily="49" charset="0"/>
-                <a:cs typeface="Courier New" pitchFamily="49" charset="0"/>
-              </a:rPr>
-              <a:t> = 'full';</a:t>
-            </a:r>
-          </a:p>
-          <a:p>
-            <a:pPr>
-              <a:buNone/>
-            </a:pPr>
-            <a:r>
-              <a:rPr lang="en-US" sz="2000" b="1" dirty="0" smtClean="0">
-                <a:latin typeface="Courier New" pitchFamily="49" charset="0"/>
-                <a:cs typeface="Courier New" pitchFamily="49" charset="0"/>
-              </a:rPr>
-              <a:t>A = </a:t>
-            </a:r>
-            <a:r>
-              <a:rPr lang="en-US" sz="2000" b="1" dirty="0" err="1" smtClean="0">
-                <a:latin typeface="Courier New" pitchFamily="49" charset="0"/>
-                <a:cs typeface="Courier New" pitchFamily="49" charset="0"/>
-              </a:rPr>
-              <a:t>readgdx</a:t>
-            </a:r>
-            <a:r>
-              <a:rPr lang="en-US" sz="2000" b="1" dirty="0" smtClean="0">
-                <a:latin typeface="Courier New" pitchFamily="49" charset="0"/>
-                <a:cs typeface="Courier New" pitchFamily="49" charset="0"/>
-              </a:rPr>
-              <a:t>('</a:t>
-            </a:r>
-            <a:r>
-              <a:rPr lang="en-US" sz="2000" b="1" dirty="0" err="1" smtClean="0">
-                <a:latin typeface="Courier New" pitchFamily="49" charset="0"/>
-                <a:cs typeface="Courier New" pitchFamily="49" charset="0"/>
-              </a:rPr>
-              <a:t>dyngame.gdx',rFlags</a:t>
-            </a:r>
-            <a:r>
-              <a:rPr lang="en-US" sz="2000" b="1" dirty="0" smtClean="0">
-                <a:latin typeface="Courier New" pitchFamily="49" charset="0"/>
-                <a:cs typeface="Courier New" pitchFamily="49" charset="0"/>
-              </a:rPr>
-              <a:t>);</a:t>
-            </a:r>
-          </a:p>
-          <a:p>
-            <a:pPr>
-              <a:buNone/>
-            </a:pPr>
-            <a:r>
-              <a:rPr lang="en-US" sz="2000" b="1" dirty="0" smtClean="0">
-                <a:latin typeface="Courier New" pitchFamily="49" charset="0"/>
-                <a:cs typeface="Courier New" pitchFamily="49" charset="0"/>
-              </a:rPr>
-              <a:t>% spy(A.val)</a:t>
-            </a:r>
-          </a:p>
-          <a:p>
-            <a:pPr>
-              <a:buNone/>
-            </a:pPr>
-            <a:endParaRPr lang="en-US" dirty="0"/>
-          </a:p>
-        </p:txBody>
-      </p:sp>
-      <p:sp>
-        <p:nvSpPr>
-          <p:cNvPr id="2" name="Title 1"/>
-          <p:cNvSpPr>
-            <a:spLocks noGrp="1"/>
-          </p:cNvSpPr>
-          <p:nvPr>
-            <p:ph type="title"/>
-          </p:nvPr>
-        </p:nvSpPr>
-        <p:spPr/>
-        <p:txBody>
-          <a:bodyPr/>
-          <a:lstStyle/>
-          <a:p>
-            <a:r>
-              <a:rPr lang="en-US" dirty="0" err="1" smtClean="0"/>
-              <a:t>Readgdx</a:t>
-            </a:r>
-            <a:r>
-              <a:rPr lang="en-US" dirty="0" smtClean="0"/>
-              <a:t> - Visualizing the </a:t>
-            </a:r>
-            <a:r>
-              <a:rPr lang="en-US" dirty="0" err="1" smtClean="0"/>
-              <a:t>Jacobian</a:t>
-            </a:r>
-            <a:endParaRPr lang="en-US" dirty="0"/>
-          </a:p>
-        </p:txBody>
-      </p:sp>
-      <p:sp>
-        <p:nvSpPr>
-          <p:cNvPr id="3" name="Slide Number Placeholder 2"/>
-          <p:cNvSpPr>
-            <a:spLocks noGrp="1"/>
-          </p:cNvSpPr>
-          <p:nvPr>
-            <p:ph type="sldNum" sz="quarter" idx="10"/>
-          </p:nvPr>
-        </p:nvSpPr>
-        <p:spPr/>
-        <p:txBody>
-          <a:bodyPr/>
-          <a:lstStyle/>
-          <a:p>
-            <a:pPr>
-              <a:defRPr/>
-            </a:pPr>
-            <a:fld id="{2647E525-4182-4002-B656-FEA25787BC0B}" type="slidenum">
-              <a:rPr lang="en-US" smtClean="0"/>
-              <a:pPr>
-                <a:defRPr/>
-              </a:pPr>
-              <a:t>28</a:t>
-            </a:fld>
-            <a:endParaRPr lang="en-US" dirty="0"/>
-          </a:p>
-        </p:txBody>
-      </p:sp>
-    </p:spTree>
-  </p:cSld>
-  <p:clrMapOvr>
-    <a:masterClrMapping/>
-  </p:clrMapOvr>
-  <p:transition spd="med"/>
-</p:sld>
-</file>
-
-<file path=ppt/slides/slide29.xml><?xml version="1.0" encoding="utf-8"?>
-<p:sld xmlns:a="http://schemas.openxmlformats.org/drawingml/2006/main" xmlns:r="http://schemas.openxmlformats.org/officeDocument/2006/relationships" xmlns:p="http://schemas.openxmlformats.org/presentationml/2006/main">
-  <p:cSld>
-    <p:spTree>
-      <p:nvGrpSpPr>
-        <p:cNvPr id="1" name=""/>
-        <p:cNvGrpSpPr/>
-        <p:nvPr/>
-      </p:nvGrpSpPr>
-      <p:grpSpPr>
-        <a:xfrm>
-          <a:off x="0" y="0"/>
-          <a:ext cx="0" cy="0"/>
-          <a:chOff x="0" y="0"/>
-          <a:chExt cx="0" cy="0"/>
-        </a:xfrm>
-      </p:grpSpPr>
-      <p:pic>
-        <p:nvPicPr>
-          <p:cNvPr id="5" name="Content Placeholder 4" descr="dyngams.png"/>
-          <p:cNvPicPr>
-            <a:picLocks noGrp="1" noChangeAspect="1"/>
-          </p:cNvPicPr>
-          <p:nvPr>
-            <p:ph idx="1"/>
-          </p:nvPr>
-        </p:nvPicPr>
-        <p:blipFill>
-          <a:blip r:embed="rId2" cstate="print"/>
-          <a:stretch>
-            <a:fillRect/>
-          </a:stretch>
-        </p:blipFill>
-        <p:spPr>
-          <a:xfrm>
-            <a:off x="1030239" y="1611081"/>
-            <a:ext cx="6995893" cy="5246919"/>
-          </a:xfrm>
-        </p:spPr>
-      </p:pic>
-      <p:sp>
-        <p:nvSpPr>
-          <p:cNvPr id="2" name="Title 1"/>
-          <p:cNvSpPr>
-            <a:spLocks noGrp="1"/>
-          </p:cNvSpPr>
-          <p:nvPr>
-            <p:ph type="title"/>
-          </p:nvPr>
-        </p:nvSpPr>
-        <p:spPr/>
-        <p:txBody>
-          <a:bodyPr/>
-          <a:lstStyle/>
-          <a:p>
-            <a:r>
-              <a:rPr lang="en-US" dirty="0" smtClean="0"/>
-              <a:t>The </a:t>
-            </a:r>
-            <a:r>
-              <a:rPr lang="en-US" dirty="0" err="1" smtClean="0"/>
-              <a:t>Jacobian</a:t>
-            </a:r>
-            <a:r>
-              <a:rPr lang="en-US" dirty="0" smtClean="0"/>
-              <a:t> Revealed</a:t>
-            </a:r>
-            <a:endParaRPr lang="en-US" dirty="0"/>
-          </a:p>
-        </p:txBody>
-      </p:sp>
-      <p:sp>
-        <p:nvSpPr>
-          <p:cNvPr id="3" name="Slide Number Placeholder 2"/>
-          <p:cNvSpPr>
-            <a:spLocks noGrp="1"/>
-          </p:cNvSpPr>
-          <p:nvPr>
-            <p:ph type="sldNum" sz="quarter" idx="10"/>
-          </p:nvPr>
-        </p:nvSpPr>
-        <p:spPr/>
-        <p:txBody>
-          <a:bodyPr/>
-          <a:lstStyle/>
-          <a:p>
-            <a:pPr>
-              <a:defRPr/>
-            </a:pPr>
-            <a:fld id="{2647E525-4182-4002-B656-FEA25787BC0B}" type="slidenum">
-              <a:rPr lang="en-US" smtClean="0"/>
-              <a:pPr>
-                <a:defRPr/>
-              </a:pPr>
-              <a:t>29</a:t>
-            </a:fld>
-            <a:endParaRPr lang="en-US" dirty="0"/>
-          </a:p>
-        </p:txBody>
-      </p:sp>
-    </p:spTree>
-  </p:cSld>
-  <p:clrMapOvr>
-    <a:masterClrMapping/>
-  </p:clrMapOvr>
-  <p:transition spd="med"/>
-</p:sld>
-</file>
-
-<file path=ppt/slides/slide3.xml><?xml version="1.0" encoding="utf-8"?>
-<p:sld xmlns:a="http://schemas.openxmlformats.org/drawingml/2006/main" xmlns:r="http://schemas.openxmlformats.org/officeDocument/2006/relationships" xmlns:p="http://schemas.openxmlformats.org/presentationml/2006/main">
-  <p:cSld>
-    <p:spTree>
-      <p:nvGrpSpPr>
-        <p:cNvPr id="1" name=""/>
-        <p:cNvGrpSpPr/>
-        <p:nvPr/>
-      </p:nvGrpSpPr>
-      <p:grpSpPr>
-        <a:xfrm>
-          <a:off x="0" y="0"/>
-          <a:ext cx="0" cy="0"/>
-          <a:chOff x="0" y="0"/>
-          <a:chExt cx="0" cy="0"/>
-        </a:xfrm>
-      </p:grpSpPr>
-      <p:sp>
-        <p:nvSpPr>
-          <p:cNvPr id="4" name="Content Placeholder 3"/>
-          <p:cNvSpPr>
-            <a:spLocks noGrp="1"/>
-          </p:cNvSpPr>
-          <p:nvPr>
-            <p:ph idx="1"/>
-          </p:nvPr>
-        </p:nvSpPr>
-        <p:spPr/>
-        <p:txBody>
-          <a:bodyPr/>
-          <a:lstStyle/>
-          <a:p>
-            <a:r>
-              <a:rPr lang="en-US" dirty="0" smtClean="0"/>
-              <a:t>Layered architecture with separation of:</a:t>
-            </a:r>
-          </a:p>
-          <a:p>
-            <a:pPr lvl="1"/>
-            <a:r>
-              <a:rPr lang="en-US" dirty="0" smtClean="0"/>
-              <a:t>Model and data</a:t>
-            </a:r>
-          </a:p>
-          <a:p>
-            <a:pPr lvl="1"/>
-            <a:r>
-              <a:rPr lang="en-US" dirty="0" smtClean="0"/>
-              <a:t>Model and user interface</a:t>
-            </a:r>
-          </a:p>
-          <a:p>
-            <a:r>
-              <a:rPr lang="en-US" dirty="0" smtClean="0"/>
-              <a:t>Open architecture and interfaces to other systems</a:t>
-            </a:r>
-          </a:p>
-          <a:p>
-            <a:pPr lvl="1"/>
-            <a:r>
-              <a:rPr lang="en-US" dirty="0" smtClean="0"/>
-              <a:t>GDX (</a:t>
-            </a:r>
-            <a:r>
-              <a:rPr lang="en-US" dirty="0" err="1" smtClean="0"/>
-              <a:t>Gams</a:t>
-            </a:r>
-            <a:r>
-              <a:rPr lang="en-US" dirty="0" smtClean="0"/>
-              <a:t> Data </a:t>
-            </a:r>
-            <a:r>
-              <a:rPr lang="en-US" dirty="0" err="1" smtClean="0"/>
-              <a:t>eXchange</a:t>
-            </a:r>
-            <a:r>
-              <a:rPr lang="en-US" dirty="0" smtClean="0"/>
-              <a:t>) – data hugely important</a:t>
-            </a:r>
-          </a:p>
-          <a:p>
-            <a:pPr lvl="1"/>
-            <a:r>
-              <a:rPr lang="en-US" dirty="0" smtClean="0"/>
-              <a:t>GDX tools (from GAMS and 3</a:t>
-            </a:r>
-            <a:r>
-              <a:rPr lang="en-US" baseline="30000" dirty="0" smtClean="0"/>
-              <a:t>rd</a:t>
-            </a:r>
-            <a:r>
-              <a:rPr lang="en-US" dirty="0" smtClean="0"/>
-              <a:t> parties)</a:t>
-            </a:r>
-          </a:p>
-          <a:p>
-            <a:pPr lvl="1"/>
-            <a:r>
-              <a:rPr lang="en-US" dirty="0" smtClean="0"/>
-              <a:t>GDX API to exchange data with other apps</a:t>
-            </a:r>
-          </a:p>
-          <a:p>
-            <a:pPr>
-              <a:buNone/>
-            </a:pPr>
-            <a:endParaRPr lang="en-US" dirty="0" smtClean="0"/>
-          </a:p>
-          <a:p>
-            <a:pPr lvl="1"/>
-            <a:endParaRPr lang="en-US" dirty="0" smtClean="0"/>
-          </a:p>
-        </p:txBody>
-      </p:sp>
-      <p:sp>
-        <p:nvSpPr>
-          <p:cNvPr id="2" name="Title 1"/>
-          <p:cNvSpPr>
-            <a:spLocks noGrp="1"/>
-          </p:cNvSpPr>
-          <p:nvPr>
-            <p:ph type="title"/>
-          </p:nvPr>
-        </p:nvSpPr>
-        <p:spPr/>
-        <p:txBody>
-          <a:bodyPr/>
-          <a:lstStyle/>
-          <a:p>
-            <a:r>
-              <a:rPr lang="en-US" dirty="0" smtClean="0"/>
-              <a:t>GAMS Philosophy 101</a:t>
-            </a:r>
-            <a:endParaRPr lang="en-US" dirty="0"/>
-          </a:p>
-        </p:txBody>
-      </p:sp>
-      <p:sp>
-        <p:nvSpPr>
-          <p:cNvPr id="3" name="Slide Number Placeholder 2"/>
-          <p:cNvSpPr>
-            <a:spLocks noGrp="1"/>
-          </p:cNvSpPr>
-          <p:nvPr>
-            <p:ph type="sldNum" sz="quarter" idx="10"/>
-          </p:nvPr>
-        </p:nvSpPr>
-        <p:spPr/>
-        <p:txBody>
-          <a:bodyPr/>
-          <a:lstStyle/>
-          <a:p>
-            <a:pPr>
-              <a:defRPr/>
-            </a:pPr>
-            <a:fld id="{2647E525-4182-4002-B656-FEA25787BC0B}" type="slidenum">
-              <a:rPr lang="en-US" smtClean="0"/>
-              <a:pPr>
-                <a:defRPr/>
-              </a:pPr>
-              <a:t>3</a:t>
-            </a:fld>
-            <a:endParaRPr lang="en-US" dirty="0"/>
-          </a:p>
-        </p:txBody>
-      </p:sp>
-    </p:spTree>
-  </p:cSld>
-  <p:clrMapOvr>
-    <a:masterClrMapping/>
-  </p:clrMapOvr>
-  <p:transition spd="med"/>
-  <p:timing>
-    <p:tnLst>
-      <p:par>
-        <p:cTn id="1" dur="indefinite" restart="never" nodeType="tmRoot"/>
-      </p:par>
-    </p:tnLst>
-  </p:timing>
-</p:sld>
-</file>
-
-<file path=ppt/slides/slide30.xml><?xml version="1.0" encoding="utf-8"?>
-<p:sld xmlns:a="http://schemas.openxmlformats.org/drawingml/2006/main" xmlns:r="http://schemas.openxmlformats.org/officeDocument/2006/relationships" xmlns:p="http://schemas.openxmlformats.org/presentationml/2006/main">
-  <p:cSld>
-    <p:spTree>
-      <p:nvGrpSpPr>
-        <p:cNvPr id="1" name=""/>
-        <p:cNvGrpSpPr/>
-        <p:nvPr/>
-      </p:nvGrpSpPr>
-      <p:grpSpPr>
-        <a:xfrm>
-          <a:off x="0" y="0"/>
-          <a:ext cx="0" cy="0"/>
-          <a:chOff x="0" y="0"/>
-          <a:chExt cx="0" cy="0"/>
-        </a:xfrm>
-      </p:grpSpPr>
-      <p:sp>
-        <p:nvSpPr>
-          <p:cNvPr id="4" name="Content Placeholder 3"/>
-          <p:cNvSpPr>
-            <a:spLocks noGrp="1"/>
-          </p:cNvSpPr>
-          <p:nvPr>
-            <p:ph idx="1"/>
-          </p:nvPr>
-        </p:nvSpPr>
-        <p:spPr>
-          <a:xfrm>
-            <a:off x="847674" y="1785915"/>
-            <a:ext cx="3322683" cy="2701962"/>
-          </a:xfrm>
-        </p:spPr>
-        <p:txBody>
-          <a:bodyPr/>
-          <a:lstStyle/>
-          <a:p>
-            <a:pPr>
-              <a:buNone/>
-            </a:pPr>
-            <a:r>
-              <a:rPr lang="en-US" b="1" dirty="0" smtClean="0">
-                <a:latin typeface="Courier New" pitchFamily="49" charset="0"/>
-                <a:cs typeface="Courier New" pitchFamily="49" charset="0"/>
-              </a:rPr>
-              <a:t>o.name = 'A';</a:t>
-            </a:r>
-          </a:p>
-          <a:p>
-            <a:pPr>
-              <a:buNone/>
-            </a:pPr>
-            <a:r>
-              <a:rPr lang="en-US" b="1" dirty="0" err="1" smtClean="0">
-                <a:latin typeface="Courier New" pitchFamily="49" charset="0"/>
-                <a:cs typeface="Courier New" pitchFamily="49" charset="0"/>
-              </a:rPr>
-              <a:t>o.form</a:t>
-            </a:r>
-            <a:r>
-              <a:rPr lang="en-US" b="1" dirty="0" smtClean="0">
-                <a:latin typeface="Courier New" pitchFamily="49" charset="0"/>
-                <a:cs typeface="Courier New" pitchFamily="49" charset="0"/>
-              </a:rPr>
-              <a:t> = 'full';</a:t>
-            </a:r>
-          </a:p>
-          <a:p>
-            <a:pPr>
-              <a:buNone/>
-            </a:pPr>
-            <a:r>
-              <a:rPr lang="en-US" b="1" dirty="0" err="1" smtClean="0">
-                <a:latin typeface="Courier New" pitchFamily="49" charset="0"/>
-                <a:cs typeface="Courier New" pitchFamily="49" charset="0"/>
-              </a:rPr>
-              <a:t>o.compress</a:t>
-            </a:r>
-            <a:r>
-              <a:rPr lang="en-US" b="1" dirty="0" smtClean="0">
-                <a:latin typeface="Courier New" pitchFamily="49" charset="0"/>
-                <a:cs typeface="Courier New" pitchFamily="49" charset="0"/>
-              </a:rPr>
-              <a:t>='true';</a:t>
-            </a:r>
-          </a:p>
-          <a:p>
-            <a:pPr>
-              <a:buNone/>
-            </a:pPr>
-            <a:r>
-              <a:rPr lang="en-US" b="1" dirty="0" smtClean="0">
-                <a:latin typeface="Courier New" pitchFamily="49" charset="0"/>
-                <a:cs typeface="Courier New" pitchFamily="49" charset="0"/>
-              </a:rPr>
-              <a:t>A = </a:t>
-            </a:r>
-            <a:r>
-              <a:rPr lang="en-US" b="1" dirty="0" err="1" smtClean="0">
-                <a:latin typeface="Courier New" pitchFamily="49" charset="0"/>
-                <a:cs typeface="Courier New" pitchFamily="49" charset="0"/>
-              </a:rPr>
-              <a:t>rgdx</a:t>
-            </a:r>
-            <a:r>
-              <a:rPr lang="en-US" b="1" dirty="0" smtClean="0">
-                <a:latin typeface="Courier New" pitchFamily="49" charset="0"/>
-                <a:cs typeface="Courier New" pitchFamily="49" charset="0"/>
-              </a:rPr>
-              <a:t>(‘</a:t>
-            </a:r>
-            <a:r>
-              <a:rPr lang="en-US" b="1" dirty="0" err="1" smtClean="0">
-                <a:latin typeface="Courier New" pitchFamily="49" charset="0"/>
-                <a:cs typeface="Courier New" pitchFamily="49" charset="0"/>
-              </a:rPr>
-              <a:t>jac’,o</a:t>
-            </a:r>
-            <a:r>
-              <a:rPr lang="en-US" b="1" dirty="0" smtClean="0">
-                <a:latin typeface="Courier New" pitchFamily="49" charset="0"/>
-                <a:cs typeface="Courier New" pitchFamily="49" charset="0"/>
-              </a:rPr>
-              <a:t>);</a:t>
-            </a:r>
-          </a:p>
-          <a:p>
-            <a:pPr>
-              <a:buNone/>
-            </a:pPr>
-            <a:r>
-              <a:rPr lang="en-US" b="1" dirty="0" smtClean="0">
-                <a:latin typeface="Courier New" pitchFamily="49" charset="0"/>
-                <a:cs typeface="Courier New" pitchFamily="49" charset="0"/>
-              </a:rPr>
-              <a:t>spy(A.val);</a:t>
-            </a:r>
-          </a:p>
-          <a:p>
-            <a:pPr>
-              <a:buNone/>
-            </a:pPr>
-            <a:endParaRPr lang="en-US" b="1" dirty="0">
-              <a:latin typeface="Courier New" pitchFamily="49" charset="0"/>
-              <a:cs typeface="Courier New" pitchFamily="49" charset="0"/>
-            </a:endParaRPr>
-          </a:p>
-        </p:txBody>
-      </p:sp>
-      <p:sp>
-        <p:nvSpPr>
-          <p:cNvPr id="2" name="Title 1"/>
-          <p:cNvSpPr>
-            <a:spLocks noGrp="1"/>
-          </p:cNvSpPr>
-          <p:nvPr>
-            <p:ph type="title"/>
-          </p:nvPr>
-        </p:nvSpPr>
-        <p:spPr/>
-        <p:txBody>
-          <a:bodyPr/>
-          <a:lstStyle/>
-          <a:p>
-            <a:r>
-              <a:rPr lang="en-US" dirty="0" smtClean="0"/>
-              <a:t>Another Model, Another </a:t>
-            </a:r>
-            <a:r>
-              <a:rPr lang="en-US" dirty="0" err="1" smtClean="0"/>
-              <a:t>Jacobian</a:t>
-            </a:r>
-            <a:endParaRPr lang="en-US" dirty="0"/>
-          </a:p>
-        </p:txBody>
-      </p:sp>
-      <p:sp>
-        <p:nvSpPr>
-          <p:cNvPr id="3" name="Slide Number Placeholder 2"/>
-          <p:cNvSpPr>
-            <a:spLocks noGrp="1"/>
-          </p:cNvSpPr>
-          <p:nvPr>
-            <p:ph type="sldNum" sz="quarter" idx="10"/>
-          </p:nvPr>
-        </p:nvSpPr>
-        <p:spPr/>
-        <p:txBody>
-          <a:bodyPr/>
-          <a:lstStyle/>
-          <a:p>
-            <a:pPr>
-              <a:defRPr/>
-            </a:pPr>
-            <a:fld id="{2647E525-4182-4002-B656-FEA25787BC0B}" type="slidenum">
-              <a:rPr lang="en-US" smtClean="0"/>
-              <a:pPr>
-                <a:defRPr/>
-              </a:pPr>
-              <a:t>30</a:t>
-            </a:fld>
-            <a:endParaRPr lang="en-US" dirty="0"/>
-          </a:p>
-        </p:txBody>
-      </p:sp>
-      <p:pic>
-        <p:nvPicPr>
-          <p:cNvPr id="5" name="Picture 4" descr="arrowhead_65.png"/>
-          <p:cNvPicPr>
-            <a:picLocks noChangeAspect="1"/>
-          </p:cNvPicPr>
-          <p:nvPr/>
-        </p:nvPicPr>
-        <p:blipFill>
-          <a:blip r:embed="rId2" cstate="print"/>
-          <a:srcRect l="15430" t="4572" r="15430" b="2286"/>
-          <a:stretch>
-            <a:fillRect/>
-          </a:stretch>
-        </p:blipFill>
-        <p:spPr>
-          <a:xfrm>
-            <a:off x="3914766" y="1696002"/>
-            <a:ext cx="5148333" cy="5201734"/>
-          </a:xfrm>
-          <a:prstGeom prst="rect">
-            <a:avLst/>
-          </a:prstGeom>
-        </p:spPr>
-      </p:pic>
-    </p:spTree>
-  </p:cSld>
-  <p:clrMapOvr>
-    <a:masterClrMapping/>
-  </p:clrMapOvr>
-  <p:transition spd="med"/>
-</p:sld>
-</file>
-
-<file path=ppt/slides/slide31.xml><?xml version="1.0" encoding="utf-8"?>
-<p:sld xmlns:a="http://schemas.openxmlformats.org/drawingml/2006/main" xmlns:r="http://schemas.openxmlformats.org/officeDocument/2006/relationships" xmlns:p="http://schemas.openxmlformats.org/presentationml/2006/main">
-  <p:cSld>
-    <p:spTree>
-      <p:nvGrpSpPr>
-        <p:cNvPr id="1" name=""/>
-        <p:cNvGrpSpPr/>
-        <p:nvPr/>
-      </p:nvGrpSpPr>
-      <p:grpSpPr>
-        <a:xfrm>
-          <a:off x="0" y="0"/>
-          <a:ext cx="0" cy="0"/>
-          <a:chOff x="0" y="0"/>
-          <a:chExt cx="0" cy="0"/>
-        </a:xfrm>
-      </p:grpSpPr>
-      <p:sp>
-        <p:nvSpPr>
-          <p:cNvPr id="4" name="Content Placeholder 3"/>
-          <p:cNvSpPr>
-            <a:spLocks noGrp="1"/>
-          </p:cNvSpPr>
-          <p:nvPr>
-            <p:ph idx="1"/>
-          </p:nvPr>
-        </p:nvSpPr>
-        <p:spPr>
-          <a:xfrm>
-            <a:off x="847674" y="1785915"/>
-            <a:ext cx="3176631" cy="4935560"/>
-          </a:xfrm>
-        </p:spPr>
-        <p:txBody>
-          <a:bodyPr/>
-          <a:lstStyle/>
-          <a:p>
-            <a:pPr>
-              <a:buNone/>
-            </a:pPr>
-            <a:r>
-              <a:rPr lang="en-US" sz="2000" b="1" dirty="0" err="1" smtClean="0">
-                <a:latin typeface="Courier New" pitchFamily="49" charset="0"/>
-                <a:cs typeface="Courier New" pitchFamily="49" charset="0"/>
-              </a:rPr>
-              <a:t>fname</a:t>
-            </a:r>
-            <a:r>
-              <a:rPr lang="en-US" sz="2000" b="1" dirty="0" smtClean="0">
-                <a:latin typeface="Courier New" pitchFamily="49" charset="0"/>
-                <a:cs typeface="Courier New" pitchFamily="49" charset="0"/>
-              </a:rPr>
-              <a:t> = '</a:t>
-            </a:r>
-            <a:r>
-              <a:rPr lang="en-US" sz="2000" b="1" dirty="0" err="1" smtClean="0">
-                <a:latin typeface="Courier New" pitchFamily="49" charset="0"/>
-                <a:cs typeface="Courier New" pitchFamily="49" charset="0"/>
-              </a:rPr>
-              <a:t>bratu</a:t>
-            </a:r>
-            <a:r>
-              <a:rPr lang="en-US" sz="2000" b="1" dirty="0" smtClean="0">
-                <a:latin typeface="Courier New" pitchFamily="49" charset="0"/>
-                <a:cs typeface="Courier New" pitchFamily="49" charset="0"/>
-              </a:rPr>
-              <a:t>';</a:t>
-            </a:r>
-          </a:p>
-          <a:p>
-            <a:pPr>
-              <a:buNone/>
-            </a:pPr>
-            <a:r>
-              <a:rPr lang="en-US" sz="2000" b="1" dirty="0" smtClean="0">
-                <a:latin typeface="Courier New" pitchFamily="49" charset="0"/>
-                <a:cs typeface="Courier New" pitchFamily="49" charset="0"/>
-              </a:rPr>
-              <a:t>u = </a:t>
-            </a:r>
-            <a:r>
-              <a:rPr lang="en-US" sz="2000" b="1" dirty="0" err="1" smtClean="0">
-                <a:latin typeface="Courier New" pitchFamily="49" charset="0"/>
-                <a:cs typeface="Courier New" pitchFamily="49" charset="0"/>
-              </a:rPr>
-              <a:t>rgdx</a:t>
-            </a:r>
-            <a:r>
-              <a:rPr lang="en-US" sz="2000" b="1" dirty="0" smtClean="0">
-                <a:latin typeface="Courier New" pitchFamily="49" charset="0"/>
-                <a:cs typeface="Courier New" pitchFamily="49" charset="0"/>
-              </a:rPr>
-              <a:t>(</a:t>
-            </a:r>
-            <a:r>
-              <a:rPr lang="en-US" sz="2000" b="1" dirty="0" err="1" smtClean="0">
-                <a:latin typeface="Courier New" pitchFamily="49" charset="0"/>
-                <a:cs typeface="Courier New" pitchFamily="49" charset="0"/>
-              </a:rPr>
-              <a:t>fname</a:t>
-            </a:r>
-            <a:r>
-              <a:rPr lang="en-US" sz="2000" b="1" dirty="0" smtClean="0">
-                <a:latin typeface="Courier New" pitchFamily="49" charset="0"/>
-                <a:cs typeface="Courier New" pitchFamily="49" charset="0"/>
-              </a:rPr>
-              <a:t>);</a:t>
-            </a:r>
-          </a:p>
-          <a:p>
-            <a:pPr>
-              <a:buNone/>
-            </a:pPr>
-            <a:r>
-              <a:rPr lang="en-US" sz="2000" b="1" dirty="0" err="1" smtClean="0">
-                <a:latin typeface="Courier New" pitchFamily="49" charset="0"/>
-                <a:cs typeface="Courier New" pitchFamily="49" charset="0"/>
-              </a:rPr>
-              <a:t>uni</a:t>
-            </a:r>
-            <a:r>
-              <a:rPr lang="en-US" sz="2000" b="1" dirty="0" smtClean="0">
-                <a:latin typeface="Courier New" pitchFamily="49" charset="0"/>
-                <a:cs typeface="Courier New" pitchFamily="49" charset="0"/>
-              </a:rPr>
-              <a:t> = </a:t>
-            </a:r>
-            <a:r>
-              <a:rPr lang="en-US" sz="2000" b="1" dirty="0" err="1" smtClean="0">
-                <a:latin typeface="Courier New" pitchFamily="49" charset="0"/>
-                <a:cs typeface="Courier New" pitchFamily="49" charset="0"/>
-              </a:rPr>
-              <a:t>u.uels</a:t>
-            </a:r>
-            <a:r>
-              <a:rPr lang="en-US" sz="2000" b="1" dirty="0" smtClean="0">
-                <a:latin typeface="Courier New" pitchFamily="49" charset="0"/>
-                <a:cs typeface="Courier New" pitchFamily="49" charset="0"/>
-              </a:rPr>
-              <a:t>;</a:t>
-            </a:r>
-          </a:p>
-          <a:p>
-            <a:pPr>
-              <a:buNone/>
-            </a:pPr>
-            <a:r>
-              <a:rPr lang="en-US" sz="2000" b="1" dirty="0" smtClean="0">
-                <a:latin typeface="Courier New" pitchFamily="49" charset="0"/>
-                <a:cs typeface="Courier New" pitchFamily="49" charset="0"/>
-              </a:rPr>
-              <a:t>o.name = 'I';</a:t>
-            </a:r>
-          </a:p>
-          <a:p>
-            <a:pPr>
-              <a:buNone/>
-            </a:pPr>
-            <a:r>
-              <a:rPr lang="en-US" sz="2000" b="1" dirty="0" err="1" smtClean="0">
-                <a:latin typeface="Courier New" pitchFamily="49" charset="0"/>
-                <a:cs typeface="Courier New" pitchFamily="49" charset="0"/>
-              </a:rPr>
-              <a:t>i</a:t>
-            </a:r>
-            <a:r>
-              <a:rPr lang="en-US" sz="2000" b="1" dirty="0" smtClean="0">
-                <a:latin typeface="Courier New" pitchFamily="49" charset="0"/>
-                <a:cs typeface="Courier New" pitchFamily="49" charset="0"/>
-              </a:rPr>
-              <a:t> = </a:t>
-            </a:r>
-            <a:r>
-              <a:rPr lang="en-US" sz="2000" b="1" dirty="0" err="1" smtClean="0">
-                <a:latin typeface="Courier New" pitchFamily="49" charset="0"/>
-                <a:cs typeface="Courier New" pitchFamily="49" charset="0"/>
-              </a:rPr>
-              <a:t>rgdx</a:t>
-            </a:r>
-            <a:r>
-              <a:rPr lang="en-US" sz="2000" b="1" dirty="0" smtClean="0">
-                <a:latin typeface="Courier New" pitchFamily="49" charset="0"/>
-                <a:cs typeface="Courier New" pitchFamily="49" charset="0"/>
-              </a:rPr>
-              <a:t>(</a:t>
-            </a:r>
-            <a:r>
-              <a:rPr lang="en-US" sz="2000" b="1" dirty="0" err="1" smtClean="0">
-                <a:latin typeface="Courier New" pitchFamily="49" charset="0"/>
-                <a:cs typeface="Courier New" pitchFamily="49" charset="0"/>
-              </a:rPr>
-              <a:t>fname,o</a:t>
-            </a:r>
-            <a:r>
-              <a:rPr lang="en-US" sz="2000" b="1" dirty="0" smtClean="0">
-                <a:latin typeface="Courier New" pitchFamily="49" charset="0"/>
-                <a:cs typeface="Courier New" pitchFamily="49" charset="0"/>
-              </a:rPr>
-              <a:t>);</a:t>
-            </a:r>
-          </a:p>
-          <a:p>
-            <a:pPr>
-              <a:buNone/>
-            </a:pPr>
-            <a:r>
-              <a:rPr lang="en-US" sz="2000" b="1" dirty="0" smtClean="0">
-                <a:latin typeface="Courier New" pitchFamily="49" charset="0"/>
-                <a:cs typeface="Courier New" pitchFamily="49" charset="0"/>
-              </a:rPr>
-              <a:t>o.name = ‘J';</a:t>
-            </a:r>
-          </a:p>
-          <a:p>
-            <a:pPr>
-              <a:buNone/>
-            </a:pPr>
-            <a:r>
-              <a:rPr lang="en-US" sz="2000" b="1" dirty="0" smtClean="0">
-                <a:latin typeface="Courier New" pitchFamily="49" charset="0"/>
-                <a:cs typeface="Courier New" pitchFamily="49" charset="0"/>
-              </a:rPr>
-              <a:t>j = </a:t>
-            </a:r>
-            <a:r>
-              <a:rPr lang="en-US" sz="2000" b="1" dirty="0" err="1" smtClean="0">
-                <a:latin typeface="Courier New" pitchFamily="49" charset="0"/>
-                <a:cs typeface="Courier New" pitchFamily="49" charset="0"/>
-              </a:rPr>
-              <a:t>rgdx</a:t>
-            </a:r>
-            <a:r>
-              <a:rPr lang="en-US" sz="2000" b="1" dirty="0" smtClean="0">
-                <a:latin typeface="Courier New" pitchFamily="49" charset="0"/>
-                <a:cs typeface="Courier New" pitchFamily="49" charset="0"/>
-              </a:rPr>
-              <a:t>(</a:t>
-            </a:r>
-            <a:r>
-              <a:rPr lang="en-US" sz="2000" b="1" dirty="0" err="1" smtClean="0">
-                <a:latin typeface="Courier New" pitchFamily="49" charset="0"/>
-                <a:cs typeface="Courier New" pitchFamily="49" charset="0"/>
-              </a:rPr>
-              <a:t>fname,o</a:t>
-            </a:r>
-            <a:r>
-              <a:rPr lang="en-US" sz="2000" b="1" dirty="0" smtClean="0">
-                <a:latin typeface="Courier New" pitchFamily="49" charset="0"/>
-                <a:cs typeface="Courier New" pitchFamily="49" charset="0"/>
-              </a:rPr>
-              <a:t>);</a:t>
-            </a:r>
-          </a:p>
-          <a:p>
-            <a:pPr>
-              <a:buNone/>
-            </a:pPr>
-            <a:r>
-              <a:rPr lang="en-US" sz="2000" b="1" dirty="0" smtClean="0">
-                <a:latin typeface="Courier New" pitchFamily="49" charset="0"/>
-                <a:cs typeface="Courier New" pitchFamily="49" charset="0"/>
-              </a:rPr>
-              <a:t>o.name = '</a:t>
-            </a:r>
-            <a:r>
-              <a:rPr lang="en-US" sz="2000" b="1" dirty="0" err="1" smtClean="0">
-                <a:latin typeface="Courier New" pitchFamily="49" charset="0"/>
-                <a:cs typeface="Courier New" pitchFamily="49" charset="0"/>
-              </a:rPr>
-              <a:t>vsol</a:t>
-            </a:r>
-            <a:r>
-              <a:rPr lang="en-US" sz="2000" b="1" dirty="0" smtClean="0">
-                <a:latin typeface="Courier New" pitchFamily="49" charset="0"/>
-                <a:cs typeface="Courier New" pitchFamily="49" charset="0"/>
-              </a:rPr>
-              <a:t>';</a:t>
-            </a:r>
-          </a:p>
-          <a:p>
-            <a:pPr>
-              <a:buNone/>
-            </a:pPr>
-            <a:r>
-              <a:rPr lang="en-US" sz="2000" b="1" dirty="0" err="1" smtClean="0">
-                <a:latin typeface="Courier New" pitchFamily="49" charset="0"/>
-                <a:cs typeface="Courier New" pitchFamily="49" charset="0"/>
-              </a:rPr>
-              <a:t>o.form</a:t>
-            </a:r>
-            <a:r>
-              <a:rPr lang="en-US" sz="2000" b="1" dirty="0" smtClean="0">
-                <a:latin typeface="Courier New" pitchFamily="49" charset="0"/>
-                <a:cs typeface="Courier New" pitchFamily="49" charset="0"/>
-              </a:rPr>
-              <a:t> = 'full';</a:t>
-            </a:r>
-          </a:p>
-          <a:p>
-            <a:pPr>
-              <a:buNone/>
-            </a:pPr>
-            <a:r>
-              <a:rPr lang="en-US" sz="2000" b="1" dirty="0" smtClean="0">
-                <a:latin typeface="Courier New" pitchFamily="49" charset="0"/>
-                <a:cs typeface="Courier New" pitchFamily="49" charset="0"/>
-              </a:rPr>
-              <a:t>d{1} = {</a:t>
-            </a:r>
-            <a:r>
-              <a:rPr lang="en-US" sz="2000" b="1" dirty="0" err="1" smtClean="0">
-                <a:latin typeface="Courier New" pitchFamily="49" charset="0"/>
-                <a:cs typeface="Courier New" pitchFamily="49" charset="0"/>
-              </a:rPr>
-              <a:t>uni</a:t>
-            </a:r>
-            <a:r>
-              <a:rPr lang="en-US" sz="2000" b="1" dirty="0" smtClean="0">
-                <a:latin typeface="Courier New" pitchFamily="49" charset="0"/>
-                <a:cs typeface="Courier New" pitchFamily="49" charset="0"/>
-              </a:rPr>
-              <a:t>{i.val}};</a:t>
-            </a:r>
-          </a:p>
-          <a:p>
-            <a:pPr>
-              <a:buNone/>
-            </a:pPr>
-            <a:r>
-              <a:rPr lang="en-US" sz="2000" b="1" dirty="0" smtClean="0">
-                <a:latin typeface="Courier New" pitchFamily="49" charset="0"/>
-                <a:cs typeface="Courier New" pitchFamily="49" charset="0"/>
-              </a:rPr>
-              <a:t>d{2} = {</a:t>
-            </a:r>
-            <a:r>
-              <a:rPr lang="en-US" sz="2000" b="1" dirty="0" err="1" smtClean="0">
-                <a:latin typeface="Courier New" pitchFamily="49" charset="0"/>
-                <a:cs typeface="Courier New" pitchFamily="49" charset="0"/>
-              </a:rPr>
-              <a:t>uni</a:t>
-            </a:r>
-            <a:r>
-              <a:rPr lang="en-US" sz="2000" b="1" dirty="0" smtClean="0">
-                <a:latin typeface="Courier New" pitchFamily="49" charset="0"/>
-                <a:cs typeface="Courier New" pitchFamily="49" charset="0"/>
-              </a:rPr>
-              <a:t>{j.val}};</a:t>
-            </a:r>
-          </a:p>
-          <a:p>
-            <a:pPr>
-              <a:buNone/>
-            </a:pPr>
-            <a:r>
-              <a:rPr lang="en-US" sz="2000" b="1" dirty="0" err="1" smtClean="0">
-                <a:latin typeface="Courier New" pitchFamily="49" charset="0"/>
-                <a:cs typeface="Courier New" pitchFamily="49" charset="0"/>
-              </a:rPr>
-              <a:t>o.uels</a:t>
-            </a:r>
-            <a:r>
-              <a:rPr lang="en-US" sz="2000" b="1" dirty="0" smtClean="0">
-                <a:latin typeface="Courier New" pitchFamily="49" charset="0"/>
-                <a:cs typeface="Courier New" pitchFamily="49" charset="0"/>
-              </a:rPr>
-              <a:t> = </a:t>
-            </a:r>
-            <a:r>
-              <a:rPr lang="en-US" sz="2000" b="1" dirty="0" err="1" smtClean="0">
-                <a:latin typeface="Courier New" pitchFamily="49" charset="0"/>
-                <a:cs typeface="Courier New" pitchFamily="49" charset="0"/>
-              </a:rPr>
-              <a:t>dom</a:t>
-            </a:r>
-            <a:r>
-              <a:rPr lang="en-US" sz="2000" b="1" dirty="0" smtClean="0">
-                <a:latin typeface="Courier New" pitchFamily="49" charset="0"/>
-                <a:cs typeface="Courier New" pitchFamily="49" charset="0"/>
-              </a:rPr>
-              <a:t>;</a:t>
-            </a:r>
-          </a:p>
-          <a:p>
-            <a:pPr>
-              <a:buNone/>
-            </a:pPr>
-            <a:r>
-              <a:rPr lang="en-US" sz="2000" b="1" dirty="0" smtClean="0">
-                <a:latin typeface="Courier New" pitchFamily="49" charset="0"/>
-                <a:cs typeface="Courier New" pitchFamily="49" charset="0"/>
-              </a:rPr>
-              <a:t>v = </a:t>
-            </a:r>
-            <a:r>
-              <a:rPr lang="en-US" sz="2000" b="1" dirty="0" err="1" smtClean="0">
-                <a:latin typeface="Courier New" pitchFamily="49" charset="0"/>
-                <a:cs typeface="Courier New" pitchFamily="49" charset="0"/>
-              </a:rPr>
-              <a:t>rgdx</a:t>
-            </a:r>
-            <a:r>
-              <a:rPr lang="en-US" sz="2000" b="1" dirty="0" smtClean="0">
-                <a:latin typeface="Courier New" pitchFamily="49" charset="0"/>
-                <a:cs typeface="Courier New" pitchFamily="49" charset="0"/>
-              </a:rPr>
-              <a:t>(</a:t>
-            </a:r>
-            <a:r>
-              <a:rPr lang="en-US" sz="2000" b="1" dirty="0" err="1" smtClean="0">
-                <a:latin typeface="Courier New" pitchFamily="49" charset="0"/>
-                <a:cs typeface="Courier New" pitchFamily="49" charset="0"/>
-              </a:rPr>
-              <a:t>fname,o</a:t>
-            </a:r>
-            <a:r>
-              <a:rPr lang="en-US" sz="2000" b="1" dirty="0" smtClean="0">
-                <a:latin typeface="Courier New" pitchFamily="49" charset="0"/>
-                <a:cs typeface="Courier New" pitchFamily="49" charset="0"/>
-              </a:rPr>
-              <a:t>);</a:t>
-            </a:r>
-          </a:p>
-          <a:p>
-            <a:pPr>
-              <a:buNone/>
-            </a:pPr>
-            <a:r>
-              <a:rPr lang="en-US" sz="2000" b="1" dirty="0" smtClean="0">
-                <a:latin typeface="Courier New" pitchFamily="49" charset="0"/>
-                <a:cs typeface="Courier New" pitchFamily="49" charset="0"/>
-              </a:rPr>
-              <a:t>surf(v.val)</a:t>
-            </a:r>
-            <a:endParaRPr lang="en-US" sz="2000" b="1" dirty="0">
-              <a:latin typeface="Courier New" pitchFamily="49" charset="0"/>
-              <a:cs typeface="Courier New" pitchFamily="49" charset="0"/>
-            </a:endParaRPr>
-          </a:p>
-        </p:txBody>
-      </p:sp>
-      <p:sp>
-        <p:nvSpPr>
-          <p:cNvPr id="2" name="Title 1"/>
-          <p:cNvSpPr>
-            <a:spLocks noGrp="1"/>
-          </p:cNvSpPr>
-          <p:nvPr>
-            <p:ph type="title"/>
-          </p:nvPr>
-        </p:nvSpPr>
-        <p:spPr/>
-        <p:txBody>
-          <a:bodyPr/>
-          <a:lstStyle/>
-          <a:p>
-            <a:r>
-              <a:rPr lang="en-US" dirty="0" smtClean="0"/>
-              <a:t>Visualizing a surface</a:t>
-            </a:r>
-            <a:endParaRPr lang="en-US" dirty="0"/>
-          </a:p>
-        </p:txBody>
-      </p:sp>
-      <p:sp>
-        <p:nvSpPr>
-          <p:cNvPr id="3" name="Slide Number Placeholder 2"/>
-          <p:cNvSpPr>
-            <a:spLocks noGrp="1"/>
-          </p:cNvSpPr>
-          <p:nvPr>
-            <p:ph type="sldNum" sz="quarter" idx="10"/>
-          </p:nvPr>
-        </p:nvSpPr>
-        <p:spPr/>
-        <p:txBody>
-          <a:bodyPr/>
-          <a:lstStyle/>
-          <a:p>
-            <a:pPr>
-              <a:defRPr/>
-            </a:pPr>
-            <a:fld id="{2647E525-4182-4002-B656-FEA25787BC0B}" type="slidenum">
-              <a:rPr lang="en-US" smtClean="0"/>
-              <a:pPr>
-                <a:defRPr/>
-              </a:pPr>
-              <a:t>31</a:t>
-            </a:fld>
-            <a:endParaRPr lang="en-US" dirty="0"/>
-          </a:p>
-        </p:txBody>
-      </p:sp>
-      <p:pic>
-        <p:nvPicPr>
-          <p:cNvPr id="5" name="Picture 4" descr="obstBratu.png"/>
-          <p:cNvPicPr>
-            <a:picLocks noChangeAspect="1"/>
-          </p:cNvPicPr>
-          <p:nvPr/>
-        </p:nvPicPr>
-        <p:blipFill>
-          <a:blip r:embed="rId2" cstate="print"/>
-          <a:srcRect l="6858" r="5143"/>
-          <a:stretch>
-            <a:fillRect/>
-          </a:stretch>
-        </p:blipFill>
-        <p:spPr>
-          <a:xfrm>
-            <a:off x="3805227" y="1911883"/>
-            <a:ext cx="5326283" cy="4539519"/>
-          </a:xfrm>
-          <a:prstGeom prst="rect">
-            <a:avLst/>
-          </a:prstGeom>
-        </p:spPr>
-      </p:pic>
-    </p:spTree>
-  </p:cSld>
-  <p:clrMapOvr>
-    <a:masterClrMapping/>
-  </p:clrMapOvr>
-  <p:transition spd="med"/>
-  <p:timing>
-    <p:tnLst>
-      <p:par>
-        <p:cTn id="1" dur="indefinite" restart="never" nodeType="tmRoot"/>
-      </p:par>
-    </p:tnLst>
-  </p:timing>
-</p:sld>
-</file>
-
-<file path=ppt/slides/slide32.xml><?xml version="1.0" encoding="utf-8"?>
-<p:sld xmlns:a="http://schemas.openxmlformats.org/drawingml/2006/main" xmlns:r="http://schemas.openxmlformats.org/officeDocument/2006/relationships" xmlns:p="http://schemas.openxmlformats.org/presentationml/2006/main">
-  <p:cSld>
-    <p:spTree>
-      <p:nvGrpSpPr>
-        <p:cNvPr id="1" name=""/>
-        <p:cNvGrpSpPr/>
-        <p:nvPr/>
-      </p:nvGrpSpPr>
-      <p:grpSpPr>
-        <a:xfrm>
-          <a:off x="0" y="0"/>
-          <a:ext cx="0" cy="0"/>
-          <a:chOff x="0" y="0"/>
-          <a:chExt cx="0" cy="0"/>
-        </a:xfrm>
-      </p:grpSpPr>
-      <p:sp>
-        <p:nvSpPr>
-          <p:cNvPr id="1028" name="Rectangle 2"/>
-          <p:cNvSpPr>
-            <a:spLocks noChangeArrowheads="1"/>
-          </p:cNvSpPr>
-          <p:nvPr>
-            <p:custDataLst>
-              <p:tags r:id="rId2"/>
-            </p:custDataLst>
-          </p:nvPr>
-        </p:nvSpPr>
-        <p:spPr bwMode="auto">
-          <a:xfrm>
-            <a:off x="2235200" y="3132138"/>
-            <a:ext cx="5678488" cy="612775"/>
-          </a:xfrm>
-          <a:prstGeom prst="rect">
-            <a:avLst/>
-          </a:prstGeom>
-          <a:solidFill>
-            <a:schemeClr val="accent4"/>
-          </a:solidFill>
-          <a:ln w="9525" algn="ctr">
-            <a:noFill/>
-            <a:miter lim="800000"/>
-            <a:headEnd/>
-            <a:tailEnd/>
-          </a:ln>
-        </p:spPr>
-        <p:txBody>
-          <a:bodyPr wrap="none" anchor="ctr"/>
-          <a:lstStyle/>
-          <a:p>
-            <a:endParaRPr lang="en-US"/>
-          </a:p>
-        </p:txBody>
-      </p:sp>
-      <p:sp>
-        <p:nvSpPr>
-          <p:cNvPr id="1029" name="Rectangle 3"/>
-          <p:cNvSpPr>
-            <a:spLocks noChangeArrowheads="1"/>
-          </p:cNvSpPr>
-          <p:nvPr>
-            <p:custDataLst>
-              <p:tags r:id="rId3"/>
-            </p:custDataLst>
-          </p:nvPr>
-        </p:nvSpPr>
-        <p:spPr bwMode="auto">
-          <a:xfrm>
-            <a:off x="2235200" y="2466975"/>
-            <a:ext cx="5678488" cy="612775"/>
-          </a:xfrm>
-          <a:prstGeom prst="rect">
-            <a:avLst/>
-          </a:prstGeom>
-          <a:solidFill>
-            <a:schemeClr val="accent4"/>
-          </a:solidFill>
-          <a:ln w="9525" algn="ctr">
-            <a:noFill/>
-            <a:miter lim="800000"/>
-            <a:headEnd/>
-            <a:tailEnd/>
-          </a:ln>
-        </p:spPr>
-        <p:txBody>
-          <a:bodyPr wrap="none" anchor="ctr"/>
-          <a:lstStyle/>
-          <a:p>
-            <a:endParaRPr lang="en-US" dirty="0">
-              <a:solidFill>
-                <a:schemeClr val="accent4"/>
-              </a:solidFill>
-            </a:endParaRPr>
-          </a:p>
-        </p:txBody>
-      </p:sp>
-      <p:sp>
-        <p:nvSpPr>
-          <p:cNvPr id="1030" name="Rectangle 4"/>
-          <p:cNvSpPr>
-            <a:spLocks noGrp="1" noChangeArrowheads="1"/>
-          </p:cNvSpPr>
-          <p:nvPr>
-            <p:ph type="title"/>
-            <p:custDataLst>
-              <p:tags r:id="rId4"/>
-            </p:custDataLst>
-          </p:nvPr>
-        </p:nvSpPr>
-        <p:spPr/>
-        <p:txBody>
-          <a:bodyPr/>
-          <a:lstStyle/>
-          <a:p>
-            <a:pPr eaLnBrk="1" hangingPunct="1"/>
-            <a:endParaRPr lang="en-US" sz="2800" dirty="0" smtClean="0"/>
-          </a:p>
-        </p:txBody>
-      </p:sp>
-      <p:sp>
-        <p:nvSpPr>
-          <p:cNvPr id="1031" name="Rectangle 5"/>
-          <p:cNvSpPr>
-            <a:spLocks noChangeArrowheads="1"/>
-          </p:cNvSpPr>
-          <p:nvPr>
-            <p:custDataLst>
-              <p:tags r:id="rId5"/>
-            </p:custDataLst>
-          </p:nvPr>
-        </p:nvSpPr>
-        <p:spPr bwMode="auto">
-          <a:xfrm>
-            <a:off x="1838325" y="3132138"/>
-            <a:ext cx="339725" cy="612775"/>
-          </a:xfrm>
-          <a:prstGeom prst="rect">
-            <a:avLst/>
-          </a:prstGeom>
-          <a:solidFill>
-            <a:schemeClr val="accent4"/>
-          </a:solidFill>
-          <a:ln w="9525" algn="ctr">
-            <a:noFill/>
-            <a:miter lim="800000"/>
-            <a:headEnd/>
-            <a:tailEnd/>
-          </a:ln>
-        </p:spPr>
-        <p:txBody>
-          <a:bodyPr wrap="none" anchor="ctr"/>
-          <a:lstStyle/>
-          <a:p>
-            <a:endParaRPr lang="en-US"/>
-          </a:p>
-        </p:txBody>
-      </p:sp>
-      <p:sp>
-        <p:nvSpPr>
-          <p:cNvPr id="1032" name="Rectangle 6"/>
-          <p:cNvSpPr>
-            <a:spLocks noChangeArrowheads="1"/>
-          </p:cNvSpPr>
-          <p:nvPr>
-            <p:custDataLst>
-              <p:tags r:id="rId6"/>
-            </p:custDataLst>
-          </p:nvPr>
-        </p:nvSpPr>
-        <p:spPr bwMode="auto">
-          <a:xfrm>
-            <a:off x="1838325" y="2466975"/>
-            <a:ext cx="339725" cy="612775"/>
-          </a:xfrm>
-          <a:prstGeom prst="rect">
-            <a:avLst/>
-          </a:prstGeom>
-          <a:solidFill>
-            <a:schemeClr val="accent4"/>
-          </a:solidFill>
-          <a:ln w="9525" algn="ctr">
-            <a:noFill/>
-            <a:miter lim="800000"/>
-            <a:headEnd/>
-            <a:tailEnd/>
-          </a:ln>
-        </p:spPr>
-        <p:txBody>
-          <a:bodyPr wrap="none" anchor="ctr"/>
-          <a:lstStyle/>
-          <a:p>
-            <a:endParaRPr lang="en-US"/>
-          </a:p>
-        </p:txBody>
-      </p:sp>
-      <p:graphicFrame>
-        <p:nvGraphicFramePr>
-          <p:cNvPr id="1026" name="Rectangle 7" hidden="1"/>
-          <p:cNvGraphicFramePr>
-            <a:graphicFrameLocks/>
-          </p:cNvGraphicFramePr>
-          <p:nvPr>
-            <p:custDataLst>
-              <p:tags r:id="rId7"/>
-            </p:custDataLst>
-          </p:nvPr>
-        </p:nvGraphicFramePr>
-        <p:xfrm>
-          <a:off x="0" y="0"/>
-          <a:ext cx="158750" cy="158750"/>
-        </p:xfrm>
-        <a:graphic>
-          <a:graphicData uri="http://schemas.openxmlformats.org/presentationml/2006/ole">
-            <mc:AlternateContent xmlns:mc="http://schemas.openxmlformats.org/markup-compatibility/2006">
-              <mc:Choice xmlns:v="urn:schemas-microsoft-com:vml" Requires="v">
-                <p:oleObj spid="_x0000_s541717" r:id="rId13" imgW="0" imgH="0" progId="">
+                <p:oleObj spid="_x0000_s541726" r:id="rId13" imgW="0" imgH="0" progId="">
                   <p:embed/>
                 </p:oleObj>
               </mc:Choice>
@@ -11561,7 +7754,7 @@
         <p:spPr>
           <a:xfrm>
             <a:off x="2524125" y="2692400"/>
-            <a:ext cx="4538102" cy="1698927"/>
+            <a:ext cx="3388748" cy="1698927"/>
           </a:xfrm>
           <a:noFill/>
         </p:spPr>
@@ -11595,21 +7788,18 @@
               <a:buNone/>
             </a:pPr>
             <a:r>
-              <a:rPr lang="en-US" dirty="0" err="1" smtClean="0">
+              <a:rPr lang="en-US" dirty="0">
                 <a:solidFill>
                   <a:schemeClr val="tx2"/>
                 </a:solidFill>
               </a:rPr>
-              <a:t>readgdx</a:t>
-            </a:r>
-            <a:r>
-              <a:rPr lang="en-US" dirty="0" smtClean="0">
-                <a:solidFill>
-                  <a:schemeClr val="tx2"/>
-                </a:solidFill>
-              </a:rPr>
-              <a:t>: overview and examples</a:t>
-            </a:r>
+              <a:t>Data mapping issues</a:t>
+            </a:r>
+            <a:endParaRPr lang="en-US" dirty="0" smtClean="0">
+              <a:solidFill>
+                <a:schemeClr val="tx2"/>
+              </a:solidFill>
+            </a:endParaRPr>
           </a:p>
           <a:p>
             <a:pPr marL="0" indent="0" eaLnBrk="1" hangingPunct="1">
@@ -11646,7 +7836,7 @@
 </p:sld>
 </file>
 
-<file path=ppt/slides/slide33.xml><?xml version="1.0" encoding="utf-8"?>
+<file path=ppt/slides/slide22.xml><?xml version="1.0" encoding="utf-8"?>
 <p:sld xmlns:a="http://schemas.openxmlformats.org/drawingml/2006/main" xmlns:r="http://schemas.openxmlformats.org/officeDocument/2006/relationships" xmlns:p="http://schemas.openxmlformats.org/presentationml/2006/main">
   <p:cSld>
     <p:spTree>
@@ -11754,11 +7944,7 @@
           <a:p>
             <a:r>
               <a:rPr lang="en-US" dirty="0" smtClean="0"/>
-              <a:t>Visualizing </a:t>
-            </a:r>
-            <a:r>
-              <a:rPr lang="en-US" dirty="0" smtClean="0"/>
-              <a:t>a TSP on R’s </a:t>
+              <a:t>Visualizing a TSP on R’s </a:t>
             </a:r>
             <a:r>
               <a:rPr lang="en-US" dirty="0" err="1" smtClean="0"/>
@@ -11795,7 +7981,7 @@
               <a:pPr>
                 <a:defRPr/>
               </a:pPr>
-              <a:t>33</a:t>
+              <a:t>22</a:t>
             </a:fld>
             <a:endParaRPr lang="en-US" dirty="0"/>
           </a:p>
@@ -11911,7 +8097,7 @@
 </p:sld>
 </file>
 
-<file path=ppt/slides/slide34.xml><?xml version="1.0" encoding="utf-8"?>
+<file path=ppt/slides/slide23.xml><?xml version="1.0" encoding="utf-8"?>
 <p:sld xmlns:a="http://schemas.openxmlformats.org/drawingml/2006/main" xmlns:r="http://schemas.openxmlformats.org/officeDocument/2006/relationships" xmlns:p="http://schemas.openxmlformats.org/presentationml/2006/main">
   <p:cSld>
     <p:spTree>
@@ -11972,13 +8158,7 @@
               <a:rPr lang="en-US" sz="2000" b="1" dirty="0" smtClean="0">
                 <a:cs typeface="Courier New" pitchFamily="49" charset="0"/>
               </a:rPr>
-              <a:t>Read in</a:t>
-            </a:r>
-            <a:r>
-              <a:rPr lang="en-US" sz="2000" b="1" dirty="0" smtClean="0">
-                <a:cs typeface="Courier New" pitchFamily="49" charset="0"/>
-              </a:rPr>
-              <a:t>to </a:t>
+              <a:t>Read into </a:t>
             </a:r>
             <a:r>
               <a:rPr lang="en-US" sz="2000" b="1" dirty="0">
@@ -12039,15 +8219,7 @@
           <a:p>
             <a:r>
               <a:rPr lang="en-US" dirty="0" smtClean="0"/>
-              <a:t>Visualizing </a:t>
-            </a:r>
-            <a:r>
-              <a:rPr lang="en-US" dirty="0" smtClean="0"/>
-              <a:t>parking</a:t>
-            </a:r>
-            <a:r>
-              <a:rPr lang="en-US" dirty="0" smtClean="0"/>
-              <a:t> data on a grid</a:t>
+              <a:t>Visualizing parking data on a grid</a:t>
             </a:r>
             <a:endParaRPr lang="en-US" dirty="0"/>
           </a:p>
@@ -12076,7 +8248,7 @@
               <a:pPr>
                 <a:defRPr/>
               </a:pPr>
-              <a:t>34</a:t>
+              <a:t>23</a:t>
             </a:fld>
             <a:endParaRPr lang="en-US" dirty="0"/>
           </a:p>
@@ -12191,7 +8363,7 @@
 </p:sld>
 </file>
 
-<file path=ppt/slides/slide35.xml><?xml version="1.0" encoding="utf-8"?>
+<file path=ppt/slides/slide24.xml><?xml version="1.0" encoding="utf-8"?>
 <p:sld xmlns:a="http://schemas.openxmlformats.org/drawingml/2006/main" xmlns:r="http://schemas.openxmlformats.org/officeDocument/2006/relationships" xmlns:p="http://schemas.openxmlformats.org/presentationml/2006/main">
   <p:cSld>
     <p:spTree>
@@ -12210,7 +8382,7 @@
       </p:grpSpPr>
       <p:sp>
         <p:nvSpPr>
-          <p:cNvPr id="6" name="Content Placeholder 5"/>
+          <p:cNvPr id="4" name="Content Placeholder 3"/>
           <p:cNvSpPr>
             <a:spLocks noGrp="1"/>
           </p:cNvSpPr>
@@ -12218,133 +8390,102 @@
             <p:ph idx="1"/>
           </p:nvPr>
         </p:nvSpPr>
-        <p:spPr/>
+        <p:spPr>
+          <a:xfrm>
+            <a:off x="479096" y="1699397"/>
+            <a:ext cx="3948888" cy="4935560"/>
+          </a:xfrm>
+        </p:spPr>
         <p:txBody>
           <a:bodyPr/>
           <a:lstStyle/>
           <a:p>
             <a:r>
-              <a:rPr lang="en-US" dirty="0" smtClean="0"/>
-              <a:t>Additional enhancements are in progress</a:t>
+              <a:rPr lang="en-US" sz="2000" b="1" dirty="0" smtClean="0">
+                <a:cs typeface="Courier New" pitchFamily="49" charset="0"/>
+              </a:rPr>
+              <a:t>Data in GDX: state subset and data</a:t>
+            </a:r>
+          </a:p>
+          <a:p>
+            <a:r>
+              <a:rPr lang="en-US" sz="2000" b="1" dirty="0" smtClean="0">
+                <a:cs typeface="Courier New" pitchFamily="49" charset="0"/>
+              </a:rPr>
+              <a:t>Read into </a:t>
+            </a:r>
+            <a:r>
+              <a:rPr lang="en-US" sz="2000" b="1" dirty="0">
+                <a:cs typeface="Courier New" pitchFamily="49" charset="0"/>
+              </a:rPr>
+              <a:t>R via </a:t>
+            </a:r>
+            <a:r>
+              <a:rPr lang="en-US" sz="2000" b="1" dirty="0" smtClean="0">
+                <a:cs typeface="Courier New" pitchFamily="49" charset="0"/>
+              </a:rPr>
+              <a:t>GDXRRW</a:t>
+            </a:r>
+          </a:p>
+          <a:p>
+            <a:r>
+              <a:rPr lang="en-US" sz="2000" b="1" dirty="0">
+                <a:cs typeface="Courier New" pitchFamily="49" charset="0"/>
+              </a:rPr>
+              <a:t>l</a:t>
+            </a:r>
+            <a:r>
+              <a:rPr lang="en-US" sz="2000" b="1" dirty="0" smtClean="0">
+                <a:cs typeface="Courier New" pitchFamily="49" charset="0"/>
+              </a:rPr>
+              <a:t>ibrary(maps)</a:t>
             </a:r>
           </a:p>
           <a:p>
             <a:pPr lvl="1"/>
             <a:r>
-              <a:rPr lang="en-US" dirty="0" smtClean="0"/>
-              <a:t>Reading/writing equations and variables</a:t>
+              <a:rPr lang="en-US" sz="2000" b="1" dirty="0">
+                <a:cs typeface="Courier New" pitchFamily="49" charset="0"/>
+              </a:rPr>
+              <a:t>p</a:t>
+            </a:r>
+            <a:r>
+              <a:rPr lang="en-US" sz="2000" b="1" dirty="0" smtClean="0">
+                <a:cs typeface="Courier New" pitchFamily="49" charset="0"/>
+              </a:rPr>
+              <a:t>lots subset of states</a:t>
             </a:r>
           </a:p>
           <a:p>
             <a:pPr lvl="1"/>
             <a:r>
-              <a:rPr lang="en-US" dirty="0" smtClean="0"/>
-              <a:t>Make use of domain information where available</a:t>
-            </a:r>
-          </a:p>
-          <a:p>
-            <a:pPr lvl="1"/>
-            <a:r>
-              <a:rPr lang="en-US" dirty="0" smtClean="0"/>
-              <a:t>Suggestions welcome!!</a:t>
-            </a:r>
-          </a:p>
-          <a:p>
-            <a:r>
-              <a:rPr lang="en-US" dirty="0" smtClean="0"/>
-              <a:t>We invite &amp; encourage you to use these tools</a:t>
-            </a:r>
-          </a:p>
-          <a:p>
-            <a:r>
-              <a:rPr lang="en-US" dirty="0" smtClean="0"/>
-              <a:t>For more information:</a:t>
-            </a:r>
-          </a:p>
-          <a:p>
-            <a:pPr lvl="1"/>
-            <a:r>
-              <a:rPr lang="en-US" dirty="0">
-                <a:hlinkClick r:id="rId3"/>
-              </a:rPr>
-              <a:t>http://</a:t>
-            </a:r>
-            <a:r>
-              <a:rPr lang="en-US" dirty="0" smtClean="0">
-                <a:hlinkClick r:id="rId3"/>
-              </a:rPr>
-              <a:t>support.gams.com/doku.php?id=gdxrrw:interfacing_gams_and_r</a:t>
-            </a:r>
-            <a:r>
-              <a:rPr lang="en-US" dirty="0" smtClean="0"/>
-              <a:t> (GDXRRW Wiki, downloads, FAQ, </a:t>
-            </a:r>
-            <a:r>
-              <a:rPr lang="en-US" dirty="0" err="1" smtClean="0"/>
-              <a:t>etc</a:t>
-            </a:r>
-            <a:r>
-              <a:rPr lang="en-US" dirty="0" smtClean="0"/>
-              <a:t>)</a:t>
-            </a:r>
-          </a:p>
-          <a:p>
-            <a:pPr lvl="1"/>
-            <a:r>
-              <a:rPr lang="en-US" dirty="0">
-                <a:hlinkClick r:id="rId4"/>
-              </a:rPr>
-              <a:t>http://www.gams.com/download</a:t>
-            </a:r>
-            <a:r>
-              <a:rPr lang="en-US" dirty="0" smtClean="0">
-                <a:hlinkClick r:id="rId4"/>
-              </a:rPr>
-              <a:t>/</a:t>
-            </a:r>
-            <a:r>
-              <a:rPr lang="en-US" dirty="0" smtClean="0"/>
-              <a:t> (free GAMS downloads)</a:t>
-            </a:r>
-          </a:p>
-          <a:p>
-            <a:pPr lvl="1"/>
-            <a:r>
-              <a:rPr lang="en-US" dirty="0">
-                <a:hlinkClick r:id="rId5"/>
-              </a:rPr>
-              <a:t>http://blog.modelworks.ch</a:t>
-            </a:r>
-            <a:r>
-              <a:rPr lang="en-US" dirty="0" smtClean="0">
-                <a:hlinkClick r:id="rId5"/>
-              </a:rPr>
-              <a:t>/</a:t>
-            </a:r>
-            <a:r>
-              <a:rPr lang="en-US" dirty="0" smtClean="0"/>
-              <a:t> (</a:t>
-            </a:r>
-            <a:r>
-              <a:rPr lang="en-US" dirty="0" err="1" smtClean="0"/>
-              <a:t>Renger’s</a:t>
-            </a:r>
-            <a:r>
-              <a:rPr lang="en-US" dirty="0" smtClean="0"/>
-              <a:t> blog)</a:t>
-            </a:r>
-          </a:p>
-          <a:p>
-            <a:pPr lvl="1">
-              <a:buNone/>
-            </a:pPr>
-            <a:endParaRPr lang="en-US" dirty="0"/>
-          </a:p>
-        </p:txBody>
-      </p:sp>
-      <p:sp>
-        <p:nvSpPr>
-          <p:cNvPr id="9" name="Title 8"/>
+              <a:rPr lang="en-US" sz="2000" b="1" dirty="0" smtClean="0">
+                <a:cs typeface="Courier New" pitchFamily="49" charset="0"/>
+              </a:rPr>
+              <a:t>Has centers of states</a:t>
+            </a:r>
+            <a:endParaRPr lang="en-US" sz="2000" b="1" dirty="0">
+              <a:cs typeface="Courier New" pitchFamily="49" charset="0"/>
+            </a:endParaRPr>
+          </a:p>
+          <a:p>
+            <a:r>
+              <a:rPr lang="en-US" sz="2000" b="1" dirty="0" smtClean="0">
+                <a:cs typeface="Courier New" pitchFamily="49" charset="0"/>
+              </a:rPr>
+              <a:t>Use centers to position pie charts</a:t>
+            </a:r>
+          </a:p>
+          <a:p>
+            <a:endParaRPr lang="en-US" sz="2000" b="1" dirty="0">
+              <a:cs typeface="Courier New" pitchFamily="49" charset="0"/>
+            </a:endParaRPr>
+          </a:p>
+        </p:txBody>
+      </p:sp>
+      <p:sp>
+        <p:nvSpPr>
+          <p:cNvPr id="2" name="Title 1"/>
           <p:cNvSpPr>
             <a:spLocks noGrp="1"/>
           </p:cNvSpPr>
@@ -12358,10 +8499,8 @@
           <a:lstStyle/>
           <a:p>
             <a:r>
-              <a:rPr lang="en-US" dirty="0" smtClean="0">
-                <a:latin typeface="TimesNewRoman" charset="0"/>
-              </a:rPr>
-              <a:t>Concluding Remarks</a:t>
+              <a:rPr lang="en-US" dirty="0" smtClean="0"/>
+              <a:t>Integrating model results with maps</a:t>
             </a:r>
             <a:endParaRPr lang="en-US" dirty="0"/>
           </a:p>
@@ -12369,7 +8508,7 @@
       </p:sp>
       <p:sp>
         <p:nvSpPr>
-          <p:cNvPr id="5" name="Slide Number Placeholder 4"/>
+          <p:cNvPr id="3" name="Slide Number Placeholder 2"/>
           <p:cNvSpPr>
             <a:spLocks noGrp="1"/>
           </p:cNvSpPr>
@@ -12390,7 +8529,503 @@
               <a:pPr>
                 <a:defRPr/>
               </a:pPr>
-              <a:t>35</a:t>
+              <a:t>24</a:t>
+            </a:fld>
+            <a:endParaRPr lang="en-US" dirty="0"/>
+          </a:p>
+        </p:txBody>
+      </p:sp>
+      <p:pic>
+        <p:nvPicPr>
+          <p:cNvPr id="5" name="Picture 4" descr="obstBratu.png"/>
+          <p:cNvPicPr>
+            <a:picLocks noChangeAspect="1"/>
+          </p:cNvPicPr>
+          <p:nvPr/>
+        </p:nvPicPr>
+        <p:blipFill>
+          <a:blip r:embed="rId2" cstate="print"/>
+          <a:srcRect l="6858" r="5143"/>
+          <a:stretch>
+            <a:fillRect/>
+          </a:stretch>
+        </p:blipFill>
+        <p:spPr>
+          <a:xfrm>
+            <a:off x="3095836" y="6597352"/>
+            <a:ext cx="5326283" cy="4539519"/>
+          </a:xfrm>
+          <a:prstGeom prst="rect">
+            <a:avLst/>
+          </a:prstGeom>
+        </p:spPr>
+      </p:pic>
+      <p:pic>
+        <p:nvPicPr>
+          <p:cNvPr id="543746" name="Picture 2"/>
+          <p:cNvPicPr>
+            <a:picLocks noChangeAspect="1" noChangeArrowheads="1"/>
+          </p:cNvPicPr>
+          <p:nvPr/>
+        </p:nvPicPr>
+        <p:blipFill>
+          <a:blip r:embed="rId3">
+            <a:extLst>
+              <a:ext uri="{28A0092B-C50C-407E-A947-70E740481C1C}">
+                <a14:useLocalDpi xmlns:a14="http://schemas.microsoft.com/office/drawing/2010/main" val="0"/>
+              </a:ext>
+            </a:extLst>
+          </a:blip>
+          <a:stretch>
+            <a:fillRect/>
+          </a:stretch>
+        </p:blipFill>
+        <p:spPr bwMode="auto">
+          <a:xfrm>
+            <a:off x="3527885" y="1268760"/>
+            <a:ext cx="5616544" cy="5606557"/>
+          </a:xfrm>
+          <a:prstGeom prst="rect">
+            <a:avLst/>
+          </a:prstGeom>
+          <a:noFill/>
+          <a:ln>
+            <a:noFill/>
+          </a:ln>
+          <a:effectLst/>
+          <a:extLst>
+            <a:ext uri="{909E8E84-426E-40DD-AFC4-6F175D3DCCD1}">
+              <a14:hiddenFill xmlns:a14="http://schemas.microsoft.com/office/drawing/2010/main">
+                <a:solidFill>
+                  <a:schemeClr val="accent1"/>
+                </a:solidFill>
+              </a14:hiddenFill>
+            </a:ext>
+            <a:ext uri="{91240B29-F687-4F45-9708-019B960494DF}">
+              <a14:hiddenLine xmlns:a14="http://schemas.microsoft.com/office/drawing/2010/main" w="9525">
+                <a:solidFill>
+                  <a:schemeClr val="tx1"/>
+                </a:solidFill>
+                <a:miter lim="800000"/>
+                <a:headEnd/>
+                <a:tailEnd/>
+              </a14:hiddenLine>
+            </a:ext>
+            <a:ext uri="{AF507438-7753-43E0-B8FC-AC1667EBCBE1}">
+              <a14:hiddenEffects xmlns:a14="http://schemas.microsoft.com/office/drawing/2010/main">
+                <a:effectLst>
+                  <a:outerShdw dist="35921" dir="2700000" algn="ctr" rotWithShape="0">
+                    <a:schemeClr val="bg2"/>
+                  </a:outerShdw>
+                </a:effectLst>
+              </a14:hiddenEffects>
+            </a:ext>
+          </a:extLst>
+        </p:spPr>
+      </p:pic>
+    </p:spTree>
+    <p:extLst>
+      <p:ext uri="{BB962C8B-B14F-4D97-AF65-F5344CB8AC3E}">
+        <p14:creationId xmlns:p14="http://schemas.microsoft.com/office/powerpoint/2010/main" val="86474017"/>
+      </p:ext>
+    </p:extLst>
+  </p:cSld>
+  <p:clrMapOvr>
+    <a:masterClrMapping/>
+  </p:clrMapOvr>
+  <p:transition spd="med"/>
+  <p:timing>
+    <p:tnLst>
+      <p:par>
+        <p:cTn id="1" dur="indefinite" restart="never" nodeType="tmRoot"/>
+      </p:par>
+    </p:tnLst>
+  </p:timing>
+</p:sld>
+</file>
+
+<file path=ppt/slides/slide25.xml><?xml version="1.0" encoding="utf-8"?>
+<p:sld xmlns:a="http://schemas.openxmlformats.org/drawingml/2006/main" xmlns:r="http://schemas.openxmlformats.org/officeDocument/2006/relationships" xmlns:p="http://schemas.openxmlformats.org/presentationml/2006/main">
+  <p:cSld>
+    <p:spTree>
+      <p:nvGrpSpPr>
+        <p:cNvPr id="1" name=""/>
+        <p:cNvGrpSpPr/>
+        <p:nvPr/>
+      </p:nvGrpSpPr>
+      <p:grpSpPr>
+        <a:xfrm>
+          <a:off x="0" y="0"/>
+          <a:ext cx="0" cy="0"/>
+          <a:chOff x="0" y="0"/>
+          <a:chExt cx="0" cy="0"/>
+        </a:xfrm>
+      </p:grpSpPr>
+      <p:sp>
+        <p:nvSpPr>
+          <p:cNvPr id="6" name="Content Placeholder 5"/>
+          <p:cNvSpPr>
+            <a:spLocks noGrp="1"/>
+          </p:cNvSpPr>
+          <p:nvPr>
+            <p:ph idx="1"/>
+          </p:nvPr>
+        </p:nvSpPr>
+        <p:spPr/>
+        <p:txBody>
+          <a:bodyPr/>
+          <a:lstStyle/>
+          <a:p>
+            <a:r>
+              <a:rPr lang="en-US" dirty="0" smtClean="0"/>
+              <a:t>Additional enhancements are in progress</a:t>
+            </a:r>
+          </a:p>
+          <a:p>
+            <a:pPr lvl="1"/>
+            <a:r>
+              <a:rPr lang="en-US" dirty="0" smtClean="0"/>
+              <a:t>Reading/writing equations and variables</a:t>
+            </a:r>
+          </a:p>
+          <a:p>
+            <a:pPr lvl="1"/>
+            <a:r>
+              <a:rPr lang="en-US" dirty="0" smtClean="0"/>
+              <a:t>Make use of domain information where available</a:t>
+            </a:r>
+          </a:p>
+          <a:p>
+            <a:pPr lvl="1"/>
+            <a:r>
+              <a:rPr lang="en-US" dirty="0" smtClean="0"/>
+              <a:t>Suggestions welcome!!</a:t>
+            </a:r>
+          </a:p>
+          <a:p>
+            <a:r>
+              <a:rPr lang="en-US" dirty="0" smtClean="0"/>
+              <a:t>We invite &amp; encourage you to use these tools</a:t>
+            </a:r>
+          </a:p>
+          <a:p>
+            <a:r>
+              <a:rPr lang="en-US" dirty="0" smtClean="0"/>
+              <a:t>For more information:</a:t>
+            </a:r>
+          </a:p>
+          <a:p>
+            <a:pPr lvl="1"/>
+            <a:r>
+              <a:rPr lang="en-US" dirty="0">
+                <a:hlinkClick r:id="rId3"/>
+              </a:rPr>
+              <a:t>http://</a:t>
+            </a:r>
+            <a:r>
+              <a:rPr lang="en-US" dirty="0" smtClean="0">
+                <a:hlinkClick r:id="rId3"/>
+              </a:rPr>
+              <a:t>support.gams.com/doku.php?id=gdxrrw:interfacing_gams_and_r</a:t>
+            </a:r>
+            <a:r>
+              <a:rPr lang="en-US" dirty="0" smtClean="0"/>
+              <a:t> (Wiki, downloads, FAQ, </a:t>
+            </a:r>
+            <a:r>
+              <a:rPr lang="en-US" dirty="0" err="1" smtClean="0"/>
+              <a:t>etc</a:t>
+            </a:r>
+            <a:r>
+              <a:rPr lang="en-US" dirty="0" smtClean="0"/>
+              <a:t>)</a:t>
+            </a:r>
+          </a:p>
+          <a:p>
+            <a:pPr lvl="1"/>
+            <a:r>
+              <a:rPr lang="en-US" dirty="0">
+                <a:hlinkClick r:id="rId4"/>
+              </a:rPr>
+              <a:t>http://www.gams.com/download</a:t>
+            </a:r>
+            <a:r>
+              <a:rPr lang="en-US" dirty="0" smtClean="0">
+                <a:hlinkClick r:id="rId4"/>
+              </a:rPr>
+              <a:t>/</a:t>
+            </a:r>
+            <a:r>
+              <a:rPr lang="en-US" dirty="0" smtClean="0"/>
+              <a:t> (free GAMS downloads)</a:t>
+            </a:r>
+          </a:p>
+          <a:p>
+            <a:pPr lvl="1"/>
+            <a:r>
+              <a:rPr lang="en-US" dirty="0">
+                <a:hlinkClick r:id="rId5"/>
+              </a:rPr>
+              <a:t>http://blog.modelworks.ch</a:t>
+            </a:r>
+            <a:r>
+              <a:rPr lang="en-US" dirty="0" smtClean="0">
+                <a:hlinkClick r:id="rId5"/>
+              </a:rPr>
+              <a:t>/</a:t>
+            </a:r>
+            <a:r>
+              <a:rPr lang="en-US" dirty="0" smtClean="0"/>
+              <a:t> (</a:t>
+            </a:r>
+            <a:r>
+              <a:rPr lang="en-US" dirty="0" err="1" smtClean="0"/>
+              <a:t>Renger’s</a:t>
+            </a:r>
+            <a:r>
+              <a:rPr lang="en-US" dirty="0" smtClean="0"/>
+              <a:t> blog)</a:t>
+            </a:r>
+          </a:p>
+          <a:p>
+            <a:pPr lvl="1">
+              <a:buNone/>
+            </a:pPr>
+            <a:endParaRPr lang="en-US" dirty="0"/>
+          </a:p>
+        </p:txBody>
+      </p:sp>
+      <p:sp>
+        <p:nvSpPr>
+          <p:cNvPr id="9" name="Title 8"/>
+          <p:cNvSpPr>
+            <a:spLocks noGrp="1"/>
+          </p:cNvSpPr>
+          <p:nvPr>
+            <p:ph type="title"/>
+          </p:nvPr>
+        </p:nvSpPr>
+        <p:spPr/>
+        <p:txBody>
+          <a:bodyPr/>
+          <a:lstStyle/>
+          <a:p>
+            <a:r>
+              <a:rPr lang="en-US" dirty="0" smtClean="0">
+                <a:latin typeface="TimesNewRoman" charset="0"/>
+              </a:rPr>
+              <a:t>Concluding Remarks</a:t>
+            </a:r>
+            <a:endParaRPr lang="en-US" dirty="0"/>
+          </a:p>
+        </p:txBody>
+      </p:sp>
+      <p:sp>
+        <p:nvSpPr>
+          <p:cNvPr id="5" name="Slide Number Placeholder 4"/>
+          <p:cNvSpPr>
+            <a:spLocks noGrp="1"/>
+          </p:cNvSpPr>
+          <p:nvPr>
+            <p:ph type="sldNum" sz="quarter" idx="10"/>
+          </p:nvPr>
+        </p:nvSpPr>
+        <p:spPr/>
+        <p:txBody>
+          <a:bodyPr/>
+          <a:lstStyle/>
+          <a:p>
+            <a:pPr>
+              <a:defRPr/>
+            </a:pPr>
+            <a:fld id="{2647E525-4182-4002-B656-FEA25787BC0B}" type="slidenum">
+              <a:rPr lang="en-US" smtClean="0"/>
+              <a:pPr>
+                <a:defRPr/>
+              </a:pPr>
+              <a:t>25</a:t>
+            </a:fld>
+            <a:endParaRPr lang="en-US" dirty="0"/>
+          </a:p>
+        </p:txBody>
+      </p:sp>
+    </p:spTree>
+  </p:cSld>
+  <p:clrMapOvr>
+    <a:masterClrMapping/>
+  </p:clrMapOvr>
+  <p:transition spd="med"/>
+  <p:timing>
+    <p:tnLst>
+      <p:par>
+        <p:cTn id="1" dur="indefinite" restart="never" nodeType="tmRoot"/>
+      </p:par>
+    </p:tnLst>
+  </p:timing>
+</p:sld>
+</file>
+
+<file path=ppt/slides/slide3.xml><?xml version="1.0" encoding="utf-8"?>
+<p:sld xmlns:a="http://schemas.openxmlformats.org/drawingml/2006/main" xmlns:r="http://schemas.openxmlformats.org/officeDocument/2006/relationships" xmlns:p="http://schemas.openxmlformats.org/presentationml/2006/main">
+  <p:cSld>
+    <p:spTree>
+      <p:nvGrpSpPr>
+        <p:cNvPr id="1" name=""/>
+        <p:cNvGrpSpPr/>
+        <p:nvPr/>
+      </p:nvGrpSpPr>
+      <p:grpSpPr>
+        <a:xfrm>
+          <a:off x="0" y="0"/>
+          <a:ext cx="0" cy="0"/>
+          <a:chOff x="0" y="0"/>
+          <a:chExt cx="0" cy="0"/>
+        </a:xfrm>
+      </p:grpSpPr>
+      <p:sp>
+        <p:nvSpPr>
+          <p:cNvPr id="4" name="Content Placeholder 3"/>
+          <p:cNvSpPr>
+            <a:spLocks noGrp="1"/>
+          </p:cNvSpPr>
+          <p:nvPr>
+            <p:ph idx="1"/>
+          </p:nvPr>
+        </p:nvSpPr>
+        <p:spPr/>
+        <p:txBody>
+          <a:bodyPr/>
+          <a:lstStyle/>
+          <a:p>
+            <a:r>
+              <a:rPr lang="en-US" dirty="0" smtClean="0"/>
+              <a:t>Layered architecture with separation of:</a:t>
+            </a:r>
+          </a:p>
+          <a:p>
+            <a:pPr lvl="1"/>
+            <a:r>
+              <a:rPr lang="en-US" dirty="0" smtClean="0"/>
+              <a:t>Model and data</a:t>
+            </a:r>
+          </a:p>
+          <a:p>
+            <a:pPr lvl="1"/>
+            <a:r>
+              <a:rPr lang="en-US" dirty="0" smtClean="0"/>
+              <a:t>Model and user interface</a:t>
+            </a:r>
+          </a:p>
+          <a:p>
+            <a:r>
+              <a:rPr lang="en-US" dirty="0" smtClean="0"/>
+              <a:t>Open architecture and interfaces to other systems</a:t>
+            </a:r>
+          </a:p>
+          <a:p>
+            <a:pPr lvl="1"/>
+            <a:r>
+              <a:rPr lang="en-US" dirty="0" smtClean="0"/>
+              <a:t>GDX (</a:t>
+            </a:r>
+            <a:r>
+              <a:rPr lang="en-US" dirty="0" err="1" smtClean="0"/>
+              <a:t>Gams</a:t>
+            </a:r>
+            <a:r>
+              <a:rPr lang="en-US" dirty="0" smtClean="0"/>
+              <a:t> Data </a:t>
+            </a:r>
+            <a:r>
+              <a:rPr lang="en-US" dirty="0" err="1" smtClean="0"/>
+              <a:t>eXchange</a:t>
+            </a:r>
+            <a:r>
+              <a:rPr lang="en-US" dirty="0" smtClean="0"/>
+              <a:t>) – data hugely important</a:t>
+            </a:r>
+          </a:p>
+          <a:p>
+            <a:pPr lvl="1"/>
+            <a:r>
+              <a:rPr lang="en-US" dirty="0" smtClean="0"/>
+              <a:t>GDX tools (from GAMS and 3</a:t>
+            </a:r>
+            <a:r>
+              <a:rPr lang="en-US" baseline="30000" dirty="0" smtClean="0"/>
+              <a:t>rd</a:t>
+            </a:r>
+            <a:r>
+              <a:rPr lang="en-US" dirty="0" smtClean="0"/>
+              <a:t> parties)</a:t>
+            </a:r>
+          </a:p>
+          <a:p>
+            <a:pPr lvl="1"/>
+            <a:r>
+              <a:rPr lang="en-US" dirty="0" smtClean="0"/>
+              <a:t>GDX API to exchange data with other apps</a:t>
+            </a:r>
+          </a:p>
+          <a:p>
+            <a:pPr>
+              <a:buNone/>
+            </a:pPr>
+            <a:endParaRPr lang="en-US" dirty="0" smtClean="0"/>
+          </a:p>
+          <a:p>
+            <a:pPr lvl="1"/>
+            <a:endParaRPr lang="en-US" dirty="0" smtClean="0"/>
+          </a:p>
+        </p:txBody>
+      </p:sp>
+      <p:sp>
+        <p:nvSpPr>
+          <p:cNvPr id="2" name="Title 1"/>
+          <p:cNvSpPr>
+            <a:spLocks noGrp="1"/>
+          </p:cNvSpPr>
+          <p:nvPr>
+            <p:ph type="title"/>
+          </p:nvPr>
+        </p:nvSpPr>
+        <p:spPr/>
+        <p:txBody>
+          <a:bodyPr/>
+          <a:lstStyle/>
+          <a:p>
+            <a:r>
+              <a:rPr lang="en-US" dirty="0" smtClean="0"/>
+              <a:t>GAMS Philosophy 101</a:t>
+            </a:r>
+            <a:endParaRPr lang="en-US" dirty="0"/>
+          </a:p>
+        </p:txBody>
+      </p:sp>
+      <p:sp>
+        <p:nvSpPr>
+          <p:cNvPr id="3" name="Slide Number Placeholder 2"/>
+          <p:cNvSpPr>
+            <a:spLocks noGrp="1"/>
+          </p:cNvSpPr>
+          <p:nvPr>
+            <p:ph type="sldNum" sz="quarter" idx="10"/>
+          </p:nvPr>
+        </p:nvSpPr>
+        <p:spPr/>
+        <p:txBody>
+          <a:bodyPr/>
+          <a:lstStyle/>
+          <a:p>
+            <a:pPr>
+              <a:defRPr/>
+            </a:pPr>
+            <a:fld id="{2647E525-4182-4002-B656-FEA25787BC0B}" type="slidenum">
+              <a:rPr lang="en-US" smtClean="0"/>
+              <a:pPr>
+                <a:defRPr/>
+              </a:pPr>
+              <a:t>3</a:t>
             </a:fld>
             <a:endParaRPr lang="en-US" dirty="0"/>
           </a:p>
@@ -14124,60 +10759,6 @@
 <file path=ppt/tags/tag3.xml><?xml version="1.0" encoding="utf-8"?>
 <p:tagLst xmlns:a="http://schemas.openxmlformats.org/drawingml/2006/main" xmlns:r="http://schemas.openxmlformats.org/officeDocument/2006/relationships" xmlns:p="http://schemas.openxmlformats.org/presentationml/2006/main">
   <p:tag name="THINKCELLSHAPEDONOTDELETE" val="xhVJSmF1fECAWLtimLz0LQ"/>
-</p:tagLst>
-</file>
-
-<file path=ppt/tags/tag30.xml><?xml version="1.0" encoding="utf-8"?>
-<p:tagLst xmlns:a="http://schemas.openxmlformats.org/drawingml/2006/main" xmlns:r="http://schemas.openxmlformats.org/officeDocument/2006/relationships" xmlns:p="http://schemas.openxmlformats.org/presentationml/2006/main">
-  <p:tag name="THINKCELLSHAPEDONOTDELETE" val="xhVJSmF1fECAWLtimLz0LQ"/>
-</p:tagLst>
-</file>
-
-<file path=ppt/tags/tag31.xml><?xml version="1.0" encoding="utf-8"?>
-<p:tagLst xmlns:a="http://schemas.openxmlformats.org/drawingml/2006/main" xmlns:r="http://schemas.openxmlformats.org/officeDocument/2006/relationships" xmlns:p="http://schemas.openxmlformats.org/presentationml/2006/main">
-  <p:tag name="THINKCELLSHAPEDONOTDELETE" val="l3_lJ8kusEGih2mq3zJ0yg"/>
-</p:tagLst>
-</file>
-
-<file path=ppt/tags/tag32.xml><?xml version="1.0" encoding="utf-8"?>
-<p:tagLst xmlns:a="http://schemas.openxmlformats.org/drawingml/2006/main" xmlns:r="http://schemas.openxmlformats.org/officeDocument/2006/relationships" xmlns:p="http://schemas.openxmlformats.org/presentationml/2006/main">
-  <p:tag name="THINKCELLSHAPEDONOTDELETE" val="f_Ew8s03xEGOqoCoDGYirA"/>
-</p:tagLst>
-</file>
-
-<file path=ppt/tags/tag33.xml><?xml version="1.0" encoding="utf-8"?>
-<p:tagLst xmlns:a="http://schemas.openxmlformats.org/drawingml/2006/main" xmlns:r="http://schemas.openxmlformats.org/officeDocument/2006/relationships" xmlns:p="http://schemas.openxmlformats.org/presentationml/2006/main">
-  <p:tag name="THINKCELLSHAPEDONOTDELETE" val="_9QMqp087EmivSHxC.mkHQ"/>
-</p:tagLst>
-</file>
-
-<file path=ppt/tags/tag34.xml><?xml version="1.0" encoding="utf-8"?>
-<p:tagLst xmlns:a="http://schemas.openxmlformats.org/drawingml/2006/main" xmlns:r="http://schemas.openxmlformats.org/officeDocument/2006/relationships" xmlns:p="http://schemas.openxmlformats.org/presentationml/2006/main">
-  <p:tag name="THINKCELLSHAPEDONOTDELETE" val="cx1wGokhrkSgeRAWtXSLFg"/>
-</p:tagLst>
-</file>
-
-<file path=ppt/tags/tag35.xml><?xml version="1.0" encoding="utf-8"?>
-<p:tagLst xmlns:a="http://schemas.openxmlformats.org/drawingml/2006/main" xmlns:r="http://schemas.openxmlformats.org/officeDocument/2006/relationships" xmlns:p="http://schemas.openxmlformats.org/presentationml/2006/main">
-  <p:tag name="THINKCELLSHAPEDONOTDELETE" val="thinkcellActiveDocDoNotDelete"/>
-</p:tagLst>
-</file>
-
-<file path=ppt/tags/tag36.xml><?xml version="1.0" encoding="utf-8"?>
-<p:tagLst xmlns:a="http://schemas.openxmlformats.org/drawingml/2006/main" xmlns:r="http://schemas.openxmlformats.org/officeDocument/2006/relationships" xmlns:p="http://schemas.openxmlformats.org/presentationml/2006/main">
-  <p:tag name="THINKCELLSHAPEDONOTDELETE" val="l3_lJ8kusEGih2mq3zJ0yg"/>
-</p:tagLst>
-</file>
-
-<file path=ppt/tags/tag37.xml><?xml version="1.0" encoding="utf-8"?>
-<p:tagLst xmlns:a="http://schemas.openxmlformats.org/drawingml/2006/main" xmlns:r="http://schemas.openxmlformats.org/officeDocument/2006/relationships" xmlns:p="http://schemas.openxmlformats.org/presentationml/2006/main">
-  <p:tag name="THINKCELLSHAPEDONOTDELETE" val="cx1wGokhrkSgeRAWtXSLFg"/>
-</p:tagLst>
-</file>
-
-<file path=ppt/tags/tag38.xml><?xml version="1.0" encoding="utf-8"?>
-<p:tagLst xmlns:a="http://schemas.openxmlformats.org/drawingml/2006/main" xmlns:r="http://schemas.openxmlformats.org/officeDocument/2006/relationships" xmlns:p="http://schemas.openxmlformats.org/presentationml/2006/main">
-  <p:tag name="THINKCELLSHAPEDONOTDELETE" val="dbj8C8kIBUKIzcLMz09Ejw"/>
 </p:tagLst>
 </file>
 
